--- a/organisation/documentation/GeProz/Präsentation/Gesamtpräsentation Carscout GProz.pptx
+++ b/organisation/documentation/GeProz/Präsentation/Gesamtpräsentation Carscout GProz.pptx
@@ -5,24 +5,26 @@
     <p:sldMasterId id="2147483648" r:id="rId1"/>
   </p:sldMasterIdLst>
   <p:notesMasterIdLst>
-    <p:notesMasterId r:id="rId17"/>
+    <p:notesMasterId r:id="rId19"/>
   </p:notesMasterIdLst>
   <p:sldIdLst>
-    <p:sldId id="257" r:id="rId2"/>
-    <p:sldId id="258" r:id="rId3"/>
-    <p:sldId id="259" r:id="rId4"/>
-    <p:sldId id="264" r:id="rId5"/>
-    <p:sldId id="262" r:id="rId6"/>
-    <p:sldId id="263" r:id="rId7"/>
-    <p:sldId id="261" r:id="rId8"/>
-    <p:sldId id="260" r:id="rId9"/>
-    <p:sldId id="268" r:id="rId10"/>
-    <p:sldId id="267" r:id="rId11"/>
+    <p:sldId id="274" r:id="rId2"/>
+    <p:sldId id="275" r:id="rId3"/>
+    <p:sldId id="257" r:id="rId4"/>
+    <p:sldId id="258" r:id="rId5"/>
+    <p:sldId id="259" r:id="rId6"/>
+    <p:sldId id="264" r:id="rId7"/>
+    <p:sldId id="262" r:id="rId8"/>
+    <p:sldId id="263" r:id="rId9"/>
+    <p:sldId id="261" r:id="rId10"/>
+    <p:sldId id="260" r:id="rId11"/>
     <p:sldId id="272" r:id="rId12"/>
     <p:sldId id="271" r:id="rId13"/>
     <p:sldId id="270" r:id="rId14"/>
     <p:sldId id="269" r:id="rId15"/>
-    <p:sldId id="266" r:id="rId16"/>
+    <p:sldId id="267" r:id="rId16"/>
+    <p:sldId id="268" r:id="rId17"/>
+    <p:sldId id="266" r:id="rId18"/>
   </p:sldIdLst>
   <p:sldSz cx="9144000" cy="6858000" type="screen4x3"/>
   <p:notesSz cx="6858000" cy="9144000"/>
@@ -816,7 +818,7 @@
                 <a:latin typeface="Times New Roman" panose="02020603050405020304" pitchFamily="18" charset="0"/>
               </a:rPr>
               <a:pPr/>
-              <a:t>11</a:t>
+              <a:t>13</a:t>
             </a:fld>
             <a:endParaRPr lang="de-DE" altLang="de-DE">
               <a:solidFill>
@@ -1249,7 +1251,7 @@
                 <a:latin typeface="Times New Roman" panose="02020603050405020304" pitchFamily="18" charset="0"/>
               </a:rPr>
               <a:pPr/>
-              <a:t>11</a:t>
+              <a:t>14</a:t>
             </a:fld>
             <a:endParaRPr lang="de-DE" altLang="de-DE">
               <a:solidFill>
@@ -1682,7 +1684,7 @@
                 <a:latin typeface="Times New Roman" panose="02020603050405020304" pitchFamily="18" charset="0"/>
               </a:rPr>
               <a:pPr/>
-              <a:t>11</a:t>
+              <a:t>15</a:t>
             </a:fld>
             <a:endParaRPr lang="de-DE" altLang="de-DE">
               <a:solidFill>
@@ -2115,7 +2117,7 @@
                 <a:latin typeface="Times New Roman" panose="02020603050405020304" pitchFamily="18" charset="0"/>
               </a:rPr>
               <a:pPr/>
-              <a:t>11</a:t>
+              <a:t>16</a:t>
             </a:fld>
             <a:endParaRPr lang="de-DE" altLang="de-DE">
               <a:solidFill>
@@ -5322,73 +5324,122 @@
       </p:grpSpPr>
       <p:sp>
         <p:nvSpPr>
-          <p:cNvPr id="2" name="Titel 1"/>
+          <p:cNvPr id="2" name="Titel 1">
+            <a:extLst>
+              <a:ext uri="{FF2B5EF4-FFF2-40B4-BE49-F238E27FC236}">
+                <a16:creationId xmlns:a16="http://schemas.microsoft.com/office/drawing/2014/main" id="{CC52DB58-D6E1-44FB-9671-A2651376FE3F}"/>
+              </a:ext>
+            </a:extLst>
+          </p:cNvPr>
           <p:cNvSpPr>
             <a:spLocks noGrp="1"/>
           </p:cNvSpPr>
           <p:nvPr>
-            <p:ph type="title"/>
+            <p:ph type="ctrTitle"/>
+          </p:nvPr>
+        </p:nvSpPr>
+        <p:spPr>
+          <a:xfrm>
+            <a:off x="700177" y="1814123"/>
+            <a:ext cx="7772400" cy="1470025"/>
+          </a:xfrm>
+        </p:spPr>
+        <p:txBody>
+          <a:bodyPr vert="horz" lIns="91440" tIns="45720" rIns="91440" bIns="45720" rtlCol="0" anchor="ctr">
+            <a:noAutofit/>
+          </a:bodyPr>
+          <a:lstStyle/>
+          <a:p>
+            <a:r>
+              <a:rPr lang="de-DE" sz="5400" dirty="0">
+                <a:cs typeface="Calibri"/>
+              </a:rPr>
+              <a:t>Marketingkonzept</a:t>
+            </a:r>
+            <a:br>
+              <a:rPr lang="de-DE" sz="5400" dirty="0">
+                <a:cs typeface="Calibri"/>
+              </a:rPr>
+            </a:br>
+            <a:r>
+              <a:rPr lang="de-DE" sz="5400" dirty="0" err="1">
+                <a:cs typeface="Calibri"/>
+              </a:rPr>
+              <a:t>Carscout</a:t>
+            </a:r>
+            <a:endParaRPr lang="de-DE" dirty="0" err="1"/>
+          </a:p>
+        </p:txBody>
+      </p:sp>
+      <p:sp>
+        <p:nvSpPr>
+          <p:cNvPr id="3" name="Untertitel 2">
+            <a:extLst>
+              <a:ext uri="{FF2B5EF4-FFF2-40B4-BE49-F238E27FC236}">
+                <a16:creationId xmlns:a16="http://schemas.microsoft.com/office/drawing/2014/main" id="{FE798E9C-2A42-4145-B948-C8F681B07BD3}"/>
+              </a:ext>
+            </a:extLst>
+          </p:cNvPr>
+          <p:cNvSpPr>
+            <a:spLocks noGrp="1"/>
+          </p:cNvSpPr>
+          <p:nvPr>
+            <p:ph type="subTitle" idx="1"/>
           </p:nvPr>
         </p:nvSpPr>
         <p:spPr/>
         <p:txBody>
-          <a:bodyPr/>
+          <a:bodyPr vert="horz" lIns="91440" tIns="45720" rIns="91440" bIns="45720" rtlCol="0" anchor="t">
+            <a:normAutofit/>
+          </a:bodyPr>
           <a:lstStyle/>
           <a:p>
             <a:r>
-              <a:rPr lang="de-DE" dirty="0"/>
-              <a:t>Ist-Analyse</a:t>
-            </a:r>
-          </a:p>
-        </p:txBody>
-      </p:sp>
-      <p:sp>
-        <p:nvSpPr>
-          <p:cNvPr id="3" name="Inhaltsplatzhalter 2"/>
-          <p:cNvSpPr>
-            <a:spLocks noGrp="1"/>
-          </p:cNvSpPr>
-          <p:nvPr>
-            <p:ph idx="1"/>
-          </p:nvPr>
-        </p:nvSpPr>
-        <p:spPr/>
-        <p:txBody>
-          <a:bodyPr/>
-          <a:lstStyle/>
-          <a:p>
-            <a:r>
-              <a:rPr lang="de-DE" dirty="0"/>
-              <a:t>Komplexität und Variantenvielfalt</a:t>
-            </a:r>
-          </a:p>
-          <a:p>
-            <a:r>
-              <a:rPr lang="de-DE" dirty="0"/>
-              <a:t>Beratung fällt weg</a:t>
-            </a:r>
-          </a:p>
-          <a:p>
-            <a:r>
-              <a:rPr lang="de-DE" dirty="0"/>
-              <a:t>Zu überfüllte Benutzeroberflächen</a:t>
-            </a:r>
-          </a:p>
-          <a:p>
-            <a:r>
-              <a:rPr lang="de-DE" dirty="0"/>
-              <a:t>Flut an Informationen</a:t>
-            </a:r>
-          </a:p>
-          <a:p>
-            <a:r>
-              <a:rPr lang="de-DE" dirty="0"/>
-              <a:t>Benutzer sind teilweise überfordert</a:t>
-            </a:r>
+              <a:rPr lang="de-DE" dirty="0">
+                <a:cs typeface="Calibri"/>
+              </a:rPr>
+              <a:t>Von Milan </a:t>
+            </a:r>
+            <a:r>
+              <a:rPr lang="de-DE" dirty="0" err="1">
+                <a:cs typeface="Calibri"/>
+              </a:rPr>
+              <a:t>Skripalle</a:t>
+            </a:r>
+            <a:r>
+              <a:rPr lang="de-DE" dirty="0">
+                <a:cs typeface="Calibri"/>
+              </a:rPr>
+              <a:t>, Can Dündar, Antonios </a:t>
+            </a:r>
+            <a:r>
+              <a:rPr lang="de-DE" dirty="0" err="1">
+                <a:cs typeface="Calibri"/>
+              </a:rPr>
+              <a:t>Vamvakos</a:t>
+            </a:r>
+            <a:r>
+              <a:rPr lang="de-DE" dirty="0">
+                <a:cs typeface="Calibri"/>
+              </a:rPr>
+              <a:t>, Philipp Heitmann, Daniel Peters, </a:t>
+            </a:r>
+            <a:r>
+              <a:rPr lang="de-DE" dirty="0" err="1">
+                <a:cs typeface="Calibri"/>
+              </a:rPr>
+              <a:t>Jenniffer</a:t>
+            </a:r>
+            <a:endParaRPr lang="de-DE" dirty="0" err="1"/>
           </a:p>
         </p:txBody>
       </p:sp>
     </p:spTree>
+    <p:extLst>
+      <p:ext uri="{BB962C8B-B14F-4D97-AF65-F5344CB8AC3E}">
+        <p14:creationId xmlns:p14="http://schemas.microsoft.com/office/powerpoint/2010/main" val="3359808482"/>
+      </p:ext>
+    </p:extLst>
   </p:cSld>
   <p:clrMapOvr>
     <a:masterClrMapping/>
@@ -5415,18 +5466,36 @@
       </p:grpSpPr>
       <p:sp>
         <p:nvSpPr>
-          <p:cNvPr id="2" name="Titel 1">
-            <a:extLst>
-              <a:ext uri="{FF2B5EF4-FFF2-40B4-BE49-F238E27FC236}">
-                <a16:creationId xmlns:a16="http://schemas.microsoft.com/office/drawing/2014/main" id="{17D43009-F22A-4327-AC45-D7290B63436A}"/>
-              </a:ext>
-            </a:extLst>
-          </p:cNvPr>
+          <p:cNvPr id="2" name="Titel 1"/>
           <p:cNvSpPr>
             <a:spLocks noGrp="1"/>
           </p:cNvSpPr>
           <p:nvPr>
             <p:ph type="title"/>
+          </p:nvPr>
+        </p:nvSpPr>
+        <p:spPr/>
+        <p:txBody>
+          <a:bodyPr>
+            <a:normAutofit/>
+          </a:bodyPr>
+          <a:lstStyle/>
+          <a:p>
+            <a:r>
+              <a:rPr lang="de-DE" dirty="0"/>
+              <a:t>Marktanalyse – Weitere Faktoren</a:t>
+            </a:r>
+          </a:p>
+        </p:txBody>
+      </p:sp>
+      <p:sp>
+        <p:nvSpPr>
+          <p:cNvPr id="3" name="Inhaltsplatzhalter 2"/>
+          <p:cNvSpPr>
+            <a:spLocks noGrp="1"/>
+          </p:cNvSpPr>
+          <p:nvPr>
+            <p:ph idx="1"/>
           </p:nvPr>
         </p:nvSpPr>
         <p:spPr/>
@@ -5435,121 +5504,39 @@
           <a:lstStyle/>
           <a:p>
             <a:r>
-              <a:rPr lang="de-DE" dirty="0">
-                <a:cs typeface="Calibri Light"/>
-              </a:rPr>
-              <a:t>Kommunikationspolitik</a:t>
-            </a:r>
-            <a:endParaRPr lang="de-DE" dirty="0"/>
-          </a:p>
-          <a:p>
-            <a:endParaRPr lang="de-DE" dirty="0">
-              <a:cs typeface="Calibri Light"/>
-            </a:endParaRPr>
-          </a:p>
-        </p:txBody>
-      </p:sp>
-      <p:sp>
-        <p:nvSpPr>
-          <p:cNvPr id="3" name="Inhaltsplatzhalter 2">
-            <a:extLst>
-              <a:ext uri="{FF2B5EF4-FFF2-40B4-BE49-F238E27FC236}">
-                <a16:creationId xmlns:a16="http://schemas.microsoft.com/office/drawing/2014/main" id="{E3D95D5C-D1C2-4078-BA56-2BCCEFA6812F}"/>
-              </a:ext>
-            </a:extLst>
-          </p:cNvPr>
-          <p:cNvSpPr>
-            <a:spLocks noGrp="1"/>
-          </p:cNvSpPr>
-          <p:nvPr>
-            <p:ph idx="1"/>
-          </p:nvPr>
-        </p:nvSpPr>
-        <p:spPr>
-          <a:xfrm>
-            <a:off x="551485" y="1657380"/>
-            <a:ext cx="7886700" cy="3263504"/>
-          </a:xfrm>
-        </p:spPr>
-        <p:txBody>
-          <a:bodyPr vert="horz" lIns="68580" tIns="34290" rIns="68580" bIns="34290" rtlCol="0" anchor="t">
-            <a:noAutofit/>
-          </a:bodyPr>
-          <a:lstStyle/>
-          <a:p>
-            <a:r>
-              <a:rPr lang="de-DE" sz="2800" dirty="0">
-                <a:cs typeface="Calibri"/>
-              </a:rPr>
-              <a:t>Search Ranking bei Google erhöhen lassen</a:t>
-            </a:r>
-          </a:p>
-          <a:p>
-            <a:r>
-              <a:rPr lang="de-DE" sz="2800" dirty="0">
-                <a:cs typeface="Calibri"/>
-              </a:rPr>
-              <a:t>Stichworte zum Thema Auto, Gebrauchtwagen</a:t>
-            </a:r>
-          </a:p>
-          <a:p>
-            <a:r>
-              <a:rPr lang="de-DE" sz="2800" dirty="0">
-                <a:cs typeface="Calibri"/>
-              </a:rPr>
-              <a:t>Werbeclips vor </a:t>
-            </a:r>
-            <a:r>
-              <a:rPr lang="de-DE" sz="2800" dirty="0" err="1">
-                <a:cs typeface="Calibri"/>
-              </a:rPr>
-              <a:t>Youtube</a:t>
-            </a:r>
-            <a:r>
-              <a:rPr lang="de-DE" sz="2800" dirty="0">
-                <a:cs typeface="Calibri"/>
-              </a:rPr>
-              <a:t>-Videos</a:t>
-            </a:r>
-          </a:p>
-          <a:p>
-            <a:r>
-              <a:rPr lang="de-DE" sz="2800" dirty="0">
-                <a:cs typeface="Calibri"/>
-              </a:rPr>
-              <a:t>Gesponserte Videos von "Influencern"</a:t>
-            </a:r>
-          </a:p>
-          <a:p>
-            <a:r>
-              <a:rPr lang="de-DE" sz="2800" dirty="0">
-                <a:cs typeface="Calibri"/>
-              </a:rPr>
-              <a:t>Bevorzugt Personen mit Präsenz im Bereich Autos</a:t>
-            </a:r>
-          </a:p>
-          <a:p>
-            <a:r>
-              <a:rPr lang="de-DE" sz="2800" dirty="0">
-                <a:cs typeface="Calibri"/>
-              </a:rPr>
-              <a:t>Werbelinks mit Discount auf </a:t>
-            </a:r>
-            <a:r>
-              <a:rPr lang="de-DE" sz="2800" dirty="0" err="1">
-                <a:cs typeface="Calibri"/>
-              </a:rPr>
-              <a:t>Premiumaccountkäufe</a:t>
+              <a:rPr lang="de-DE" dirty="0"/>
+              <a:t>Fahrverbote für Diesel-Fahrzeuge</a:t>
+            </a:r>
+          </a:p>
+          <a:p>
+            <a:pPr lvl="1"/>
+            <a:r>
+              <a:rPr lang="de-DE" dirty="0"/>
+              <a:t>Mehr Neuwagenkäufe : mehr Gebrauchtwagen</a:t>
+            </a:r>
+          </a:p>
+          <a:p>
+            <a:r>
+              <a:rPr lang="de-DE" dirty="0"/>
+              <a:t>Schwerverkäufliche Diesel-Fahrzeuge </a:t>
+            </a:r>
+          </a:p>
+          <a:p>
+            <a:pPr lvl="1"/>
+            <a:r>
+              <a:rPr lang="de-DE" dirty="0"/>
+              <a:t>Händler verbreitern ihre Reichweiten durch neue Plattformen</a:t>
+            </a:r>
+          </a:p>
+          <a:p>
+            <a:r>
+              <a:rPr lang="de-DE" dirty="0"/>
+              <a:t>Interesse an Gebrauchtfahrzeugen steigt</a:t>
             </a:r>
           </a:p>
         </p:txBody>
       </p:sp>
     </p:spTree>
-    <p:extLst>
-      <p:ext uri="{BB962C8B-B14F-4D97-AF65-F5344CB8AC3E}">
-        <p14:creationId xmlns:p14="http://schemas.microsoft.com/office/powerpoint/2010/main" val="873107796"/>
-      </p:ext>
-    </p:extLst>
   </p:cSld>
   <p:clrMapOvr>
     <a:masterClrMapping/>
@@ -6823,8 +6810,8 @@
               </a:tabLst>
             </a:pPr>
             <a:r>
-              <a:rPr lang="de-DE" altLang="de-DE"/>
-              <a:t>Preisstrategie</a:t>
+              <a:rPr lang="de-DE" altLang="de-DE" dirty="0"/>
+              <a:t> Preisstrategie</a:t>
             </a:r>
           </a:p>
         </p:txBody>
@@ -7883,6 +7870,316 @@
       </p:grpSpPr>
       <p:sp>
         <p:nvSpPr>
+          <p:cNvPr id="2" name="Titel 1">
+            <a:extLst>
+              <a:ext uri="{FF2B5EF4-FFF2-40B4-BE49-F238E27FC236}">
+                <a16:creationId xmlns:a16="http://schemas.microsoft.com/office/drawing/2014/main" id="{17D43009-F22A-4327-AC45-D7290B63436A}"/>
+              </a:ext>
+            </a:extLst>
+          </p:cNvPr>
+          <p:cNvSpPr>
+            <a:spLocks noGrp="1"/>
+          </p:cNvSpPr>
+          <p:nvPr>
+            <p:ph type="title"/>
+          </p:nvPr>
+        </p:nvSpPr>
+        <p:spPr/>
+        <p:txBody>
+          <a:bodyPr/>
+          <a:lstStyle/>
+          <a:p>
+            <a:r>
+              <a:rPr lang="de-DE" dirty="0">
+                <a:cs typeface="Calibri Light"/>
+              </a:rPr>
+              <a:t>Kommunikationspolitik</a:t>
+            </a:r>
+            <a:endParaRPr lang="de-DE" dirty="0"/>
+          </a:p>
+          <a:p>
+            <a:endParaRPr lang="de-DE" dirty="0">
+              <a:cs typeface="Calibri Light"/>
+            </a:endParaRPr>
+          </a:p>
+        </p:txBody>
+      </p:sp>
+      <p:sp>
+        <p:nvSpPr>
+          <p:cNvPr id="3" name="Inhaltsplatzhalter 2">
+            <a:extLst>
+              <a:ext uri="{FF2B5EF4-FFF2-40B4-BE49-F238E27FC236}">
+                <a16:creationId xmlns:a16="http://schemas.microsoft.com/office/drawing/2014/main" id="{E3D95D5C-D1C2-4078-BA56-2BCCEFA6812F}"/>
+              </a:ext>
+            </a:extLst>
+          </p:cNvPr>
+          <p:cNvSpPr>
+            <a:spLocks noGrp="1"/>
+          </p:cNvSpPr>
+          <p:nvPr>
+            <p:ph idx="1"/>
+          </p:nvPr>
+        </p:nvSpPr>
+        <p:spPr>
+          <a:xfrm>
+            <a:off x="551485" y="1657380"/>
+            <a:ext cx="7886700" cy="3263504"/>
+          </a:xfrm>
+        </p:spPr>
+        <p:txBody>
+          <a:bodyPr vert="horz" lIns="68580" tIns="34290" rIns="68580" bIns="34290" rtlCol="0" anchor="t">
+            <a:noAutofit/>
+          </a:bodyPr>
+          <a:lstStyle/>
+          <a:p>
+            <a:r>
+              <a:rPr lang="de-DE" sz="2800" dirty="0">
+                <a:cs typeface="Calibri"/>
+              </a:rPr>
+              <a:t>Search Ranking bei Google erhöhen lassen</a:t>
+            </a:r>
+          </a:p>
+          <a:p>
+            <a:r>
+              <a:rPr lang="de-DE" sz="2800" dirty="0">
+                <a:cs typeface="Calibri"/>
+              </a:rPr>
+              <a:t>Stichworte zum Thema Auto, Gebrauchtwagen</a:t>
+            </a:r>
+          </a:p>
+          <a:p>
+            <a:r>
+              <a:rPr lang="de-DE" sz="2800" dirty="0">
+                <a:cs typeface="Calibri"/>
+              </a:rPr>
+              <a:t>Werbeclips vor </a:t>
+            </a:r>
+            <a:r>
+              <a:rPr lang="de-DE" sz="2800" dirty="0" err="1">
+                <a:cs typeface="Calibri"/>
+              </a:rPr>
+              <a:t>Youtube</a:t>
+            </a:r>
+            <a:r>
+              <a:rPr lang="de-DE" sz="2800" dirty="0">
+                <a:cs typeface="Calibri"/>
+              </a:rPr>
+              <a:t>-Videos</a:t>
+            </a:r>
+          </a:p>
+          <a:p>
+            <a:r>
+              <a:rPr lang="de-DE" sz="2800" dirty="0">
+                <a:cs typeface="Calibri"/>
+              </a:rPr>
+              <a:t>Gesponserte Videos von "Influencern"</a:t>
+            </a:r>
+          </a:p>
+          <a:p>
+            <a:r>
+              <a:rPr lang="de-DE" sz="2800" dirty="0">
+                <a:cs typeface="Calibri"/>
+              </a:rPr>
+              <a:t>Bevorzugt Personen mit Präsenz im Bereich Autos</a:t>
+            </a:r>
+          </a:p>
+          <a:p>
+            <a:r>
+              <a:rPr lang="de-DE" sz="2800" dirty="0">
+                <a:cs typeface="Calibri"/>
+              </a:rPr>
+              <a:t>Werbelinks mit Discount auf </a:t>
+            </a:r>
+            <a:r>
+              <a:rPr lang="de-DE" sz="2800" dirty="0" err="1">
+                <a:cs typeface="Calibri"/>
+              </a:rPr>
+              <a:t>Premiumaccountkäufe</a:t>
+            </a:r>
+          </a:p>
+        </p:txBody>
+      </p:sp>
+    </p:spTree>
+    <p:extLst>
+      <p:ext uri="{BB962C8B-B14F-4D97-AF65-F5344CB8AC3E}">
+        <p14:creationId xmlns:p14="http://schemas.microsoft.com/office/powerpoint/2010/main" val="873107796"/>
+      </p:ext>
+    </p:extLst>
+  </p:cSld>
+  <p:clrMapOvr>
+    <a:masterClrMapping/>
+  </p:clrMapOvr>
+</p:sld>
+</file>
+
+<file path=ppt/slides/slide16.xml><?xml version="1.0" encoding="utf-8"?>
+<p:sld xmlns:a="http://schemas.openxmlformats.org/drawingml/2006/main" xmlns:r="http://schemas.openxmlformats.org/officeDocument/2006/relationships" xmlns:p="http://schemas.openxmlformats.org/presentationml/2006/main">
+  <p:cSld>
+    <p:spTree>
+      <p:nvGrpSpPr>
+        <p:cNvPr id="1" name=""/>
+        <p:cNvGrpSpPr/>
+        <p:nvPr/>
+      </p:nvGrpSpPr>
+      <p:grpSpPr>
+        <a:xfrm>
+          <a:off x="0" y="0"/>
+          <a:ext cx="0" cy="0"/>
+          <a:chOff x="0" y="0"/>
+          <a:chExt cx="0" cy="0"/>
+        </a:xfrm>
+      </p:grpSpPr>
+      <p:sp>
+        <p:nvSpPr>
+          <p:cNvPr id="2" name="Titel 1">
+            <a:extLst>
+              <a:ext uri="{FF2B5EF4-FFF2-40B4-BE49-F238E27FC236}">
+                <a16:creationId xmlns:a16="http://schemas.microsoft.com/office/drawing/2014/main" id="{04B64357-0EE4-45AC-9770-F6FFFD376720}"/>
+              </a:ext>
+            </a:extLst>
+          </p:cNvPr>
+          <p:cNvSpPr>
+            <a:spLocks noGrp="1"/>
+          </p:cNvSpPr>
+          <p:nvPr>
+            <p:ph type="title"/>
+          </p:nvPr>
+        </p:nvSpPr>
+        <p:spPr/>
+        <p:txBody>
+          <a:bodyPr/>
+          <a:lstStyle/>
+          <a:p>
+            <a:r>
+              <a:rPr lang="de-DE" dirty="0">
+                <a:cs typeface="Calibri Light"/>
+              </a:rPr>
+              <a:t>Distributionspolitik</a:t>
+            </a:r>
+            <a:endParaRPr lang="de-DE" dirty="0"/>
+          </a:p>
+          <a:p>
+            <a:endParaRPr lang="de-DE" dirty="0">
+              <a:cs typeface="Calibri Light"/>
+            </a:endParaRPr>
+          </a:p>
+        </p:txBody>
+      </p:sp>
+      <p:sp>
+        <p:nvSpPr>
+          <p:cNvPr id="3" name="Inhaltsplatzhalter 2">
+            <a:extLst>
+              <a:ext uri="{FF2B5EF4-FFF2-40B4-BE49-F238E27FC236}">
+                <a16:creationId xmlns:a16="http://schemas.microsoft.com/office/drawing/2014/main" id="{EA2DB675-491C-4047-964A-FDB43988A241}"/>
+              </a:ext>
+            </a:extLst>
+          </p:cNvPr>
+          <p:cNvSpPr>
+            <a:spLocks noGrp="1"/>
+          </p:cNvSpPr>
+          <p:nvPr>
+            <p:ph idx="1"/>
+          </p:nvPr>
+        </p:nvSpPr>
+        <p:spPr/>
+        <p:txBody>
+          <a:bodyPr vert="horz" lIns="68580" tIns="34290" rIns="68580" bIns="34290" rtlCol="0" anchor="t">
+            <a:normAutofit/>
+          </a:bodyPr>
+          <a:lstStyle/>
+          <a:p>
+            <a:r>
+              <a:rPr lang="de-DE" dirty="0">
+                <a:cs typeface="Calibri"/>
+              </a:rPr>
+              <a:t>Eine Website, keine verkaufbare Software</a:t>
+            </a:r>
+          </a:p>
+          <a:p>
+            <a:r>
+              <a:rPr lang="de-DE" dirty="0">
+                <a:cs typeface="Calibri"/>
+              </a:rPr>
+              <a:t>-&gt; nicht verteilbar</a:t>
+            </a:r>
+          </a:p>
+          <a:p>
+            <a:r>
+              <a:rPr lang="de-DE" dirty="0">
+                <a:cs typeface="Calibri"/>
+              </a:rPr>
+              <a:t>Kunden kommen zu uns</a:t>
+            </a:r>
+          </a:p>
+          <a:p>
+            <a:pPr marL="0" indent="0">
+              <a:buNone/>
+            </a:pPr>
+            <a:endParaRPr lang="de-DE" dirty="0">
+              <a:cs typeface="Calibri"/>
+            </a:endParaRPr>
+          </a:p>
+          <a:p>
+            <a:r>
+              <a:rPr lang="de-DE" dirty="0" err="1">
+                <a:cs typeface="Calibri"/>
+              </a:rPr>
+              <a:t>Premiumaccounts</a:t>
+            </a:r>
+            <a:r>
+              <a:rPr lang="de-DE" dirty="0">
+                <a:cs typeface="Calibri"/>
+              </a:rPr>
+              <a:t> nur auf direktem Absatzweg</a:t>
+            </a:r>
+          </a:p>
+          <a:p>
+            <a:endParaRPr lang="de-DE" dirty="0">
+              <a:cs typeface="Calibri"/>
+            </a:endParaRPr>
+          </a:p>
+          <a:p>
+            <a:r>
+              <a:rPr lang="de-DE" dirty="0">
+                <a:cs typeface="Calibri"/>
+              </a:rPr>
+              <a:t>Keine Filialen</a:t>
+            </a:r>
+          </a:p>
+        </p:txBody>
+      </p:sp>
+    </p:spTree>
+    <p:extLst>
+      <p:ext uri="{BB962C8B-B14F-4D97-AF65-F5344CB8AC3E}">
+        <p14:creationId xmlns:p14="http://schemas.microsoft.com/office/powerpoint/2010/main" val="3540266070"/>
+      </p:ext>
+    </p:extLst>
+  </p:cSld>
+  <p:clrMapOvr>
+    <a:masterClrMapping/>
+  </p:clrMapOvr>
+</p:sld>
+</file>
+
+<file path=ppt/slides/slide17.xml><?xml version="1.0" encoding="utf-8"?>
+<p:sld xmlns:a="http://schemas.openxmlformats.org/drawingml/2006/main" xmlns:r="http://schemas.openxmlformats.org/officeDocument/2006/relationships" xmlns:p="http://schemas.openxmlformats.org/presentationml/2006/main">
+  <p:cSld>
+    <p:spTree>
+      <p:nvGrpSpPr>
+        <p:cNvPr id="1" name=""/>
+        <p:cNvGrpSpPr/>
+        <p:nvPr/>
+      </p:nvGrpSpPr>
+      <p:grpSpPr>
+        <a:xfrm>
+          <a:off x="0" y="0"/>
+          <a:ext cx="0" cy="0"/>
+          <a:chOff x="0" y="0"/>
+          <a:chExt cx="0" cy="0"/>
+        </a:xfrm>
+      </p:grpSpPr>
+      <p:sp>
+        <p:nvSpPr>
           <p:cNvPr id="2" name="Titel 1"/>
           <p:cNvSpPr>
             <a:spLocks noGrp="1"/>
@@ -7981,7 +8278,13 @@
       </p:grpSpPr>
       <p:sp>
         <p:nvSpPr>
-          <p:cNvPr id="2" name="Titel 1"/>
+          <p:cNvPr id="2" name="Titel 1">
+            <a:extLst>
+              <a:ext uri="{FF2B5EF4-FFF2-40B4-BE49-F238E27FC236}">
+                <a16:creationId xmlns:a16="http://schemas.microsoft.com/office/drawing/2014/main" id="{5E1DAADD-77DF-428B-911E-75F014C5949B}"/>
+              </a:ext>
+            </a:extLst>
+          </p:cNvPr>
           <p:cNvSpPr>
             <a:spLocks noGrp="1"/>
           </p:cNvSpPr>
@@ -7989,21 +8292,36 @@
             <p:ph type="title"/>
           </p:nvPr>
         </p:nvSpPr>
-        <p:spPr/>
-        <p:txBody>
-          <a:bodyPr/>
+        <p:spPr>
+          <a:xfrm>
+            <a:off x="457200" y="-4362"/>
+            <a:ext cx="8229600" cy="1215000"/>
+          </a:xfrm>
+        </p:spPr>
+        <p:txBody>
+          <a:bodyPr>
+            <a:normAutofit/>
+          </a:bodyPr>
           <a:lstStyle/>
           <a:p>
             <a:r>
-              <a:rPr lang="de-DE" dirty="0"/>
-              <a:t>Soll-Analyse</a:t>
-            </a:r>
-          </a:p>
-        </p:txBody>
-      </p:sp>
-      <p:sp>
-        <p:nvSpPr>
-          <p:cNvPr id="3" name="Inhaltsplatzhalter 2"/>
+              <a:rPr lang="de-DE" sz="4000" dirty="0">
+                <a:cs typeface="Calibri"/>
+              </a:rPr>
+              <a:t>Inhaltsverzeichnis</a:t>
+            </a:r>
+          </a:p>
+        </p:txBody>
+      </p:sp>
+      <p:sp>
+        <p:nvSpPr>
+          <p:cNvPr id="3" name="Inhaltsplatzhalter 2">
+            <a:extLst>
+              <a:ext uri="{FF2B5EF4-FFF2-40B4-BE49-F238E27FC236}">
+                <a16:creationId xmlns:a16="http://schemas.microsoft.com/office/drawing/2014/main" id="{943D0D00-FDCE-40DE-A0B6-9F6EC62AA1A3}"/>
+              </a:ext>
+            </a:extLst>
+          </p:cNvPr>
           <p:cNvSpPr>
             <a:spLocks noGrp="1"/>
           </p:cNvSpPr>
@@ -8011,49 +8329,210 @@
             <p:ph idx="1"/>
           </p:nvPr>
         </p:nvSpPr>
-        <p:spPr/>
-        <p:txBody>
-          <a:bodyPr/>
+        <p:spPr>
+          <a:xfrm>
+            <a:off x="457200" y="1582200"/>
+            <a:ext cx="8229600" cy="4525963"/>
+          </a:xfrm>
+        </p:spPr>
+        <p:txBody>
+          <a:bodyPr vert="horz" lIns="91440" tIns="45720" rIns="91440" bIns="45720" rtlCol="0" anchor="t">
+            <a:normAutofit fontScale="70000" lnSpcReduction="20000"/>
+          </a:bodyPr>
           <a:lstStyle/>
           <a:p>
-            <a:r>
-              <a:rPr lang="de-DE" dirty="0"/>
-              <a:t>Keine Verdrängungsstrategie / Marktführung</a:t>
-            </a:r>
-          </a:p>
-          <a:p>
-            <a:r>
-              <a:rPr lang="de-DE" dirty="0"/>
-              <a:t>Sehr starkes Angebot / Nachfrage an Autos</a:t>
-            </a:r>
-          </a:p>
-          <a:p>
-            <a:r>
-              <a:rPr lang="de-DE" dirty="0"/>
-              <a:t>Schlanke Plattform</a:t>
-            </a:r>
-          </a:p>
-          <a:p>
-            <a:r>
-              <a:rPr lang="de-DE" dirty="0"/>
-              <a:t>Bestandskunden halten</a:t>
-            </a:r>
-          </a:p>
-          <a:p>
-            <a:r>
-              <a:rPr lang="de-DE" dirty="0"/>
-              <a:t>Neukunden gewinnen</a:t>
-            </a:r>
-          </a:p>
-          <a:p>
+            <a:pPr marL="514350" indent="-514350">
+              <a:buAutoNum type="arabicPeriod"/>
+            </a:pPr>
+            <a:r>
+              <a:rPr lang="de-DE" dirty="0">
+                <a:cs typeface="Calibri"/>
+              </a:rPr>
+              <a:t>Produktpolitik …...............................................................  </a:t>
+            </a:r>
+          </a:p>
+          <a:p>
+            <a:pPr marL="514350" indent="-514350">
+              <a:buAutoNum type="arabicPeriod"/>
+            </a:pPr>
+            <a:r>
+              <a:rPr lang="de-DE" dirty="0">
+                <a:cs typeface="Calibri"/>
+              </a:rPr>
+              <a:t>Ist Analyse …..................................................................... 3</a:t>
+            </a:r>
             <a:endParaRPr lang="de-DE" dirty="0"/>
           </a:p>
           <a:p>
+            <a:pPr marL="514350" indent="-514350">
+              <a:buAutoNum type="arabicPeriod"/>
+            </a:pPr>
+            <a:r>
+              <a:rPr lang="de-DE" dirty="0">
+                <a:cs typeface="Calibri"/>
+              </a:rPr>
+              <a:t>Soll-Analyse …................................................................... 4</a:t>
+            </a:r>
+          </a:p>
+          <a:p>
+            <a:pPr marL="514350" indent="-514350">
+              <a:buAutoNum type="arabicPeriod"/>
+            </a:pPr>
+            <a:r>
+              <a:rPr lang="de-DE" dirty="0">
+                <a:cs typeface="Calibri"/>
+              </a:rPr>
+              <a:t>Marktanalyse …................................................................. 5-10</a:t>
+            </a:r>
+          </a:p>
+          <a:p>
+            <a:pPr marL="971550" lvl="1" indent="-514350">
+              <a:buAutoNum type="arabicPeriod"/>
+            </a:pPr>
+            <a:r>
+              <a:rPr lang="de-DE" dirty="0">
+                <a:cs typeface="Calibri"/>
+              </a:rPr>
+              <a:t>Zielgruppe …......................................................................... 5</a:t>
+            </a:r>
+          </a:p>
+          <a:p>
+            <a:pPr marL="971550" lvl="1" indent="-514350">
+              <a:buAutoNum type="arabicPeriod"/>
+            </a:pPr>
+            <a:r>
+              <a:rPr lang="de-DE" dirty="0">
+                <a:cs typeface="Calibri"/>
+              </a:rPr>
+              <a:t>Markt ….................................................................................... 6-9</a:t>
+            </a:r>
+          </a:p>
+          <a:p>
+            <a:pPr marL="971550" lvl="1" indent="-514350">
+              <a:buAutoNum type="arabicPeriod"/>
+            </a:pPr>
+            <a:r>
+              <a:rPr lang="de-DE" dirty="0">
+                <a:cs typeface="Calibri"/>
+              </a:rPr>
+              <a:t>Konkurrenzanalyse …................................................................ ?</a:t>
+            </a:r>
+          </a:p>
+          <a:p>
+            <a:pPr marL="971550" lvl="1" indent="-514350">
+              <a:buAutoNum type="arabicPeriod"/>
+            </a:pPr>
+            <a:r>
+              <a:rPr lang="de-DE" dirty="0">
+                <a:cs typeface="Calibri"/>
+              </a:rPr>
+              <a:t>Weitere Faktoren ….................................................................. 10</a:t>
+            </a:r>
+          </a:p>
+          <a:p>
+            <a:pPr marL="514350" indent="-514350">
+              <a:buAutoNum type="arabicPeriod"/>
+            </a:pPr>
+            <a:r>
+              <a:rPr lang="de-DE" dirty="0">
+                <a:cs typeface="Calibri"/>
+              </a:rPr>
+              <a:t>Marketingmix …................................................................. 11-16</a:t>
+            </a:r>
             <a:endParaRPr lang="de-DE" dirty="0"/>
           </a:p>
+          <a:p>
+            <a:pPr marL="971550" lvl="1" indent="-514350">
+              <a:buAutoNum type="arabicPeriod"/>
+            </a:pPr>
+            <a:r>
+              <a:rPr lang="de-DE" dirty="0">
+                <a:cs typeface="Calibri"/>
+              </a:rPr>
+              <a:t>Preispolitik …............................................................................ 11-14</a:t>
+            </a:r>
+          </a:p>
+          <a:p>
+            <a:pPr marL="971550" lvl="1" indent="-514350">
+              <a:buAutoNum type="arabicPeriod"/>
+            </a:pPr>
+            <a:r>
+              <a:rPr lang="de-DE" dirty="0">
+                <a:cs typeface="Calibri"/>
+              </a:rPr>
+              <a:t>Kommunikationspolitik …......................................................... 15</a:t>
+            </a:r>
+          </a:p>
+          <a:p>
+            <a:pPr marL="971550" lvl="1" indent="-514350">
+              <a:buAutoNum type="arabicPeriod"/>
+            </a:pPr>
+            <a:r>
+              <a:rPr lang="de-DE" dirty="0">
+                <a:cs typeface="Calibri"/>
+              </a:rPr>
+              <a:t>Distributionspolitik …................................................................ 16</a:t>
+            </a:r>
+          </a:p>
+          <a:p>
+            <a:pPr marL="514350" indent="-514350">
+              <a:buAutoNum type="arabicPeriod"/>
+            </a:pPr>
+            <a:r>
+              <a:rPr lang="de-DE" dirty="0">
+                <a:cs typeface="Calibri"/>
+              </a:rPr>
+              <a:t>Quellen …............................................................................ 17</a:t>
+            </a:r>
+          </a:p>
+          <a:p>
+            <a:pPr marL="514350" indent="-514350">
+              <a:buAutoNum type="arabicPeriod"/>
+            </a:pPr>
+            <a:endParaRPr lang="de-DE" dirty="0">
+              <a:cs typeface="Calibri"/>
+            </a:endParaRPr>
+          </a:p>
+          <a:p>
+            <a:pPr marL="1028700" indent="-514350">
+              <a:buAutoNum type="arabicPeriod"/>
+            </a:pPr>
+            <a:endParaRPr lang="de-DE" dirty="0">
+              <a:cs typeface="Calibri"/>
+            </a:endParaRPr>
+          </a:p>
+          <a:p>
+            <a:pPr marL="1028700" indent="-514350">
+              <a:buAutoNum type="arabicPeriod"/>
+            </a:pPr>
+            <a:endParaRPr lang="de-DE" dirty="0">
+              <a:cs typeface="Calibri"/>
+            </a:endParaRPr>
+          </a:p>
+          <a:p>
+            <a:pPr marL="457200" lvl="1" indent="0">
+              <a:buNone/>
+            </a:pPr>
+            <a:endParaRPr lang="de-DE" dirty="0">
+              <a:cs typeface="Calibri"/>
+            </a:endParaRPr>
+          </a:p>
+          <a:p>
+            <a:pPr marL="457200" lvl="1" indent="0">
+              <a:buNone/>
+            </a:pPr>
+            <a:endParaRPr lang="de-DE" dirty="0">
+              <a:cs typeface="Calibri"/>
+            </a:endParaRPr>
+          </a:p>
         </p:txBody>
       </p:sp>
     </p:spTree>
+    <p:extLst>
+      <p:ext uri="{BB962C8B-B14F-4D97-AF65-F5344CB8AC3E}">
+        <p14:creationId xmlns:p14="http://schemas.microsoft.com/office/powerpoint/2010/main" val="4291367839"/>
+      </p:ext>
+    </p:extLst>
   </p:cSld>
   <p:clrMapOvr>
     <a:masterClrMapping/>
@@ -8095,7 +8574,7 @@
           <a:p>
             <a:r>
               <a:rPr lang="de-DE" dirty="0"/>
-              <a:t>Marktanalyse - Zielgruppe</a:t>
+              <a:t>Ist-Analyse</a:t>
             </a:r>
           </a:p>
         </p:txBody>
@@ -8117,52 +8596,32 @@
           <a:p>
             <a:r>
               <a:rPr lang="de-DE" dirty="0"/>
-              <a:t>Breite Zielgruppe</a:t>
-            </a:r>
-          </a:p>
-          <a:p>
-            <a:pPr lvl="1"/>
+              <a:t>Komplexität und Variantenvielfalt</a:t>
+            </a:r>
+          </a:p>
+          <a:p>
             <a:r>
               <a:rPr lang="de-DE" dirty="0"/>
-              <a:t>18+ bis …</a:t>
-            </a:r>
-          </a:p>
-          <a:p>
-            <a:pPr lvl="1"/>
+              <a:t>Beratung fällt weg</a:t>
+            </a:r>
+          </a:p>
+          <a:p>
             <a:r>
               <a:rPr lang="de-DE" dirty="0"/>
-              <a:t>Alle Geschlechter</a:t>
-            </a:r>
-          </a:p>
-          <a:p>
-            <a:pPr lvl="1"/>
+              <a:t>Zu überfüllte Benutzeroberflächen</a:t>
+            </a:r>
+          </a:p>
+          <a:p>
             <a:r>
               <a:rPr lang="de-DE" dirty="0"/>
-              <a:t>Privatpersonen und Geschäftspersonen</a:t>
-            </a:r>
-          </a:p>
-          <a:p>
-            <a:pPr lvl="1"/>
+              <a:t>Flut an Informationen</a:t>
+            </a:r>
+          </a:p>
+          <a:p>
             <a:r>
               <a:rPr lang="de-DE" dirty="0"/>
-              <a:t>Hauptsächlich Erstverkäufer aber auch Mehrfachverkäufer</a:t>
-            </a:r>
-          </a:p>
-          <a:p>
-            <a:pPr lvl="1"/>
-            <a:r>
-              <a:rPr lang="de-DE" dirty="0"/>
-              <a:t>Kaum Einschränkungen</a:t>
-            </a:r>
-          </a:p>
-          <a:p>
-            <a:endParaRPr lang="de-DE" dirty="0"/>
-          </a:p>
-          <a:p>
-            <a:endParaRPr lang="de-DE" dirty="0"/>
-          </a:p>
-          <a:p>
-            <a:endParaRPr lang="de-DE" dirty="0"/>
+              <a:t>Benutzer sind teilweise überfordert</a:t>
+            </a:r>
           </a:p>
         </p:txBody>
       </p:sp>
@@ -8175,6 +8634,218 @@
 </file>
 
 <file path=ppt/slides/slide4.xml><?xml version="1.0" encoding="utf-8"?>
+<p:sld xmlns:a="http://schemas.openxmlformats.org/drawingml/2006/main" xmlns:r="http://schemas.openxmlformats.org/officeDocument/2006/relationships" xmlns:p="http://schemas.openxmlformats.org/presentationml/2006/main">
+  <p:cSld>
+    <p:spTree>
+      <p:nvGrpSpPr>
+        <p:cNvPr id="1" name=""/>
+        <p:cNvGrpSpPr/>
+        <p:nvPr/>
+      </p:nvGrpSpPr>
+      <p:grpSpPr>
+        <a:xfrm>
+          <a:off x="0" y="0"/>
+          <a:ext cx="0" cy="0"/>
+          <a:chOff x="0" y="0"/>
+          <a:chExt cx="0" cy="0"/>
+        </a:xfrm>
+      </p:grpSpPr>
+      <p:sp>
+        <p:nvSpPr>
+          <p:cNvPr id="2" name="Titel 1"/>
+          <p:cNvSpPr>
+            <a:spLocks noGrp="1"/>
+          </p:cNvSpPr>
+          <p:nvPr>
+            <p:ph type="title"/>
+          </p:nvPr>
+        </p:nvSpPr>
+        <p:spPr/>
+        <p:txBody>
+          <a:bodyPr/>
+          <a:lstStyle/>
+          <a:p>
+            <a:r>
+              <a:rPr lang="de-DE" dirty="0"/>
+              <a:t>Soll-Analyse</a:t>
+            </a:r>
+          </a:p>
+        </p:txBody>
+      </p:sp>
+      <p:sp>
+        <p:nvSpPr>
+          <p:cNvPr id="3" name="Inhaltsplatzhalter 2"/>
+          <p:cNvSpPr>
+            <a:spLocks noGrp="1"/>
+          </p:cNvSpPr>
+          <p:nvPr>
+            <p:ph idx="1"/>
+          </p:nvPr>
+        </p:nvSpPr>
+        <p:spPr/>
+        <p:txBody>
+          <a:bodyPr/>
+          <a:lstStyle/>
+          <a:p>
+            <a:r>
+              <a:rPr lang="de-DE" dirty="0"/>
+              <a:t>Keine Verdrängungsstrategie / Marktführung</a:t>
+            </a:r>
+          </a:p>
+          <a:p>
+            <a:r>
+              <a:rPr lang="de-DE" dirty="0"/>
+              <a:t>Sehr starkes Angebot / Nachfrage an Autos</a:t>
+            </a:r>
+          </a:p>
+          <a:p>
+            <a:r>
+              <a:rPr lang="de-DE" dirty="0"/>
+              <a:t>Schlanke Plattform</a:t>
+            </a:r>
+          </a:p>
+          <a:p>
+            <a:r>
+              <a:rPr lang="de-DE" dirty="0"/>
+              <a:t>Bestandskunden halten</a:t>
+            </a:r>
+          </a:p>
+          <a:p>
+            <a:r>
+              <a:rPr lang="de-DE" dirty="0"/>
+              <a:t>Neukunden gewinnen</a:t>
+            </a:r>
+          </a:p>
+          <a:p>
+            <a:endParaRPr lang="de-DE" dirty="0"/>
+          </a:p>
+          <a:p>
+            <a:endParaRPr lang="de-DE" dirty="0"/>
+          </a:p>
+        </p:txBody>
+      </p:sp>
+    </p:spTree>
+  </p:cSld>
+  <p:clrMapOvr>
+    <a:masterClrMapping/>
+  </p:clrMapOvr>
+</p:sld>
+</file>
+
+<file path=ppt/slides/slide5.xml><?xml version="1.0" encoding="utf-8"?>
+<p:sld xmlns:a="http://schemas.openxmlformats.org/drawingml/2006/main" xmlns:r="http://schemas.openxmlformats.org/officeDocument/2006/relationships" xmlns:p="http://schemas.openxmlformats.org/presentationml/2006/main">
+  <p:cSld>
+    <p:spTree>
+      <p:nvGrpSpPr>
+        <p:cNvPr id="1" name=""/>
+        <p:cNvGrpSpPr/>
+        <p:nvPr/>
+      </p:nvGrpSpPr>
+      <p:grpSpPr>
+        <a:xfrm>
+          <a:off x="0" y="0"/>
+          <a:ext cx="0" cy="0"/>
+          <a:chOff x="0" y="0"/>
+          <a:chExt cx="0" cy="0"/>
+        </a:xfrm>
+      </p:grpSpPr>
+      <p:sp>
+        <p:nvSpPr>
+          <p:cNvPr id="2" name="Titel 1"/>
+          <p:cNvSpPr>
+            <a:spLocks noGrp="1"/>
+          </p:cNvSpPr>
+          <p:nvPr>
+            <p:ph type="title"/>
+          </p:nvPr>
+        </p:nvSpPr>
+        <p:spPr/>
+        <p:txBody>
+          <a:bodyPr/>
+          <a:lstStyle/>
+          <a:p>
+            <a:r>
+              <a:rPr lang="de-DE" dirty="0"/>
+              <a:t>Marktanalyse - Zielgruppe</a:t>
+            </a:r>
+          </a:p>
+        </p:txBody>
+      </p:sp>
+      <p:sp>
+        <p:nvSpPr>
+          <p:cNvPr id="3" name="Inhaltsplatzhalter 2"/>
+          <p:cNvSpPr>
+            <a:spLocks noGrp="1"/>
+          </p:cNvSpPr>
+          <p:nvPr>
+            <p:ph idx="1"/>
+          </p:nvPr>
+        </p:nvSpPr>
+        <p:spPr/>
+        <p:txBody>
+          <a:bodyPr/>
+          <a:lstStyle/>
+          <a:p>
+            <a:r>
+              <a:rPr lang="de-DE" dirty="0"/>
+              <a:t>Breite Zielgruppe</a:t>
+            </a:r>
+          </a:p>
+          <a:p>
+            <a:pPr lvl="1"/>
+            <a:r>
+              <a:rPr lang="de-DE" dirty="0"/>
+              <a:t>18+ bis …</a:t>
+            </a:r>
+          </a:p>
+          <a:p>
+            <a:pPr lvl="1"/>
+            <a:r>
+              <a:rPr lang="de-DE" dirty="0"/>
+              <a:t>Alle Geschlechter</a:t>
+            </a:r>
+          </a:p>
+          <a:p>
+            <a:pPr lvl="1"/>
+            <a:r>
+              <a:rPr lang="de-DE" dirty="0"/>
+              <a:t>Privatpersonen und Geschäftspersonen</a:t>
+            </a:r>
+          </a:p>
+          <a:p>
+            <a:pPr lvl="1"/>
+            <a:r>
+              <a:rPr lang="de-DE" dirty="0"/>
+              <a:t>Hauptsächlich Erstverkäufer aber auch Mehrfachverkäufer</a:t>
+            </a:r>
+          </a:p>
+          <a:p>
+            <a:pPr lvl="1"/>
+            <a:r>
+              <a:rPr lang="de-DE" dirty="0"/>
+              <a:t>Kaum Einschränkungen</a:t>
+            </a:r>
+          </a:p>
+          <a:p>
+            <a:endParaRPr lang="de-DE" dirty="0"/>
+          </a:p>
+          <a:p>
+            <a:endParaRPr lang="de-DE" dirty="0"/>
+          </a:p>
+          <a:p>
+            <a:endParaRPr lang="de-DE" dirty="0"/>
+          </a:p>
+        </p:txBody>
+      </p:sp>
+    </p:spTree>
+  </p:cSld>
+  <p:clrMapOvr>
+    <a:masterClrMapping/>
+  </p:clrMapOvr>
+</p:sld>
+</file>
+
+<file path=ppt/slides/slide6.xml><?xml version="1.0" encoding="utf-8"?>
 <p:sld xmlns:a="http://schemas.openxmlformats.org/drawingml/2006/main" xmlns:r="http://schemas.openxmlformats.org/officeDocument/2006/relationships" xmlns:p="http://schemas.openxmlformats.org/presentationml/2006/main">
   <p:cSld>
     <p:spTree>
@@ -8279,7 +8950,7 @@
 </p:sld>
 </file>
 
-<file path=ppt/slides/slide5.xml><?xml version="1.0" encoding="utf-8"?>
+<file path=ppt/slides/slide7.xml><?xml version="1.0" encoding="utf-8"?>
 <p:sld xmlns:a="http://schemas.openxmlformats.org/drawingml/2006/main" xmlns:r="http://schemas.openxmlformats.org/officeDocument/2006/relationships" xmlns:p="http://schemas.openxmlformats.org/presentationml/2006/main">
   <p:cSld>
     <p:spTree>
@@ -8401,7 +9072,7 @@
 </p:sld>
 </file>
 
-<file path=ppt/slides/slide6.xml><?xml version="1.0" encoding="utf-8"?>
+<file path=ppt/slides/slide8.xml><?xml version="1.0" encoding="utf-8"?>
 <p:sld xmlns:a="http://schemas.openxmlformats.org/drawingml/2006/main" xmlns:r="http://schemas.openxmlformats.org/officeDocument/2006/relationships" xmlns:p="http://schemas.openxmlformats.org/presentationml/2006/main">
   <p:cSld>
     <p:spTree>
@@ -8517,7 +9188,7 @@
 </p:sld>
 </file>
 
-<file path=ppt/slides/slide7.xml><?xml version="1.0" encoding="utf-8"?>
+<file path=ppt/slides/slide9.xml><?xml version="1.0" encoding="utf-8"?>
 <p:sld xmlns:a="http://schemas.openxmlformats.org/drawingml/2006/main" xmlns:r="http://schemas.openxmlformats.org/officeDocument/2006/relationships" xmlns:p="http://schemas.openxmlformats.org/presentationml/2006/main">
   <p:cSld>
     <p:spTree>
@@ -8939,252 +9610,6 @@
         </p:txBody>
       </p:sp>
     </p:spTree>
-  </p:cSld>
-  <p:clrMapOvr>
-    <a:masterClrMapping/>
-  </p:clrMapOvr>
-</p:sld>
-</file>
-
-<file path=ppt/slides/slide8.xml><?xml version="1.0" encoding="utf-8"?>
-<p:sld xmlns:a="http://schemas.openxmlformats.org/drawingml/2006/main" xmlns:r="http://schemas.openxmlformats.org/officeDocument/2006/relationships" xmlns:p="http://schemas.openxmlformats.org/presentationml/2006/main">
-  <p:cSld>
-    <p:spTree>
-      <p:nvGrpSpPr>
-        <p:cNvPr id="1" name=""/>
-        <p:cNvGrpSpPr/>
-        <p:nvPr/>
-      </p:nvGrpSpPr>
-      <p:grpSpPr>
-        <a:xfrm>
-          <a:off x="0" y="0"/>
-          <a:ext cx="0" cy="0"/>
-          <a:chOff x="0" y="0"/>
-          <a:chExt cx="0" cy="0"/>
-        </a:xfrm>
-      </p:grpSpPr>
-      <p:sp>
-        <p:nvSpPr>
-          <p:cNvPr id="2" name="Titel 1"/>
-          <p:cNvSpPr>
-            <a:spLocks noGrp="1"/>
-          </p:cNvSpPr>
-          <p:nvPr>
-            <p:ph type="title"/>
-          </p:nvPr>
-        </p:nvSpPr>
-        <p:spPr/>
-        <p:txBody>
-          <a:bodyPr>
-            <a:normAutofit/>
-          </a:bodyPr>
-          <a:lstStyle/>
-          <a:p>
-            <a:r>
-              <a:rPr lang="de-DE" dirty="0"/>
-              <a:t>Marktanalyse – Weitere Faktoren</a:t>
-            </a:r>
-          </a:p>
-        </p:txBody>
-      </p:sp>
-      <p:sp>
-        <p:nvSpPr>
-          <p:cNvPr id="3" name="Inhaltsplatzhalter 2"/>
-          <p:cNvSpPr>
-            <a:spLocks noGrp="1"/>
-          </p:cNvSpPr>
-          <p:nvPr>
-            <p:ph idx="1"/>
-          </p:nvPr>
-        </p:nvSpPr>
-        <p:spPr/>
-        <p:txBody>
-          <a:bodyPr/>
-          <a:lstStyle/>
-          <a:p>
-            <a:r>
-              <a:rPr lang="de-DE" dirty="0"/>
-              <a:t>Fahrverbote für Diesel-Fahrzeuge</a:t>
-            </a:r>
-          </a:p>
-          <a:p>
-            <a:pPr lvl="1"/>
-            <a:r>
-              <a:rPr lang="de-DE" dirty="0"/>
-              <a:t>Mehr Neuwagenkäufe : mehr Gebrauchtwagen</a:t>
-            </a:r>
-          </a:p>
-          <a:p>
-            <a:r>
-              <a:rPr lang="de-DE" dirty="0"/>
-              <a:t>Schwerverkäufliche Diesel-Fahrzeuge </a:t>
-            </a:r>
-          </a:p>
-          <a:p>
-            <a:pPr lvl="1"/>
-            <a:r>
-              <a:rPr lang="de-DE" dirty="0"/>
-              <a:t>Händler verbreitern ihre Reichweiten durch neue Plattformen</a:t>
-            </a:r>
-          </a:p>
-          <a:p>
-            <a:r>
-              <a:rPr lang="de-DE" dirty="0"/>
-              <a:t>Interesse an Gebrauchtfahrzeugen steigt</a:t>
-            </a:r>
-          </a:p>
-        </p:txBody>
-      </p:sp>
-    </p:spTree>
-  </p:cSld>
-  <p:clrMapOvr>
-    <a:masterClrMapping/>
-  </p:clrMapOvr>
-</p:sld>
-</file>
-
-<file path=ppt/slides/slide9.xml><?xml version="1.0" encoding="utf-8"?>
-<p:sld xmlns:a="http://schemas.openxmlformats.org/drawingml/2006/main" xmlns:r="http://schemas.openxmlformats.org/officeDocument/2006/relationships" xmlns:p="http://schemas.openxmlformats.org/presentationml/2006/main">
-  <p:cSld>
-    <p:spTree>
-      <p:nvGrpSpPr>
-        <p:cNvPr id="1" name=""/>
-        <p:cNvGrpSpPr/>
-        <p:nvPr/>
-      </p:nvGrpSpPr>
-      <p:grpSpPr>
-        <a:xfrm>
-          <a:off x="0" y="0"/>
-          <a:ext cx="0" cy="0"/>
-          <a:chOff x="0" y="0"/>
-          <a:chExt cx="0" cy="0"/>
-        </a:xfrm>
-      </p:grpSpPr>
-      <p:sp>
-        <p:nvSpPr>
-          <p:cNvPr id="2" name="Titel 1">
-            <a:extLst>
-              <a:ext uri="{FF2B5EF4-FFF2-40B4-BE49-F238E27FC236}">
-                <a16:creationId xmlns:a16="http://schemas.microsoft.com/office/drawing/2014/main" id="{04B64357-0EE4-45AC-9770-F6FFFD376720}"/>
-              </a:ext>
-            </a:extLst>
-          </p:cNvPr>
-          <p:cNvSpPr>
-            <a:spLocks noGrp="1"/>
-          </p:cNvSpPr>
-          <p:nvPr>
-            <p:ph type="title"/>
-          </p:nvPr>
-        </p:nvSpPr>
-        <p:spPr/>
-        <p:txBody>
-          <a:bodyPr/>
-          <a:lstStyle/>
-          <a:p>
-            <a:r>
-              <a:rPr lang="de-DE" dirty="0">
-                <a:cs typeface="Calibri Light"/>
-              </a:rPr>
-              <a:t>Distributionspolitik</a:t>
-            </a:r>
-            <a:endParaRPr lang="de-DE" dirty="0"/>
-          </a:p>
-          <a:p>
-            <a:endParaRPr lang="de-DE" dirty="0">
-              <a:cs typeface="Calibri Light"/>
-            </a:endParaRPr>
-          </a:p>
-        </p:txBody>
-      </p:sp>
-      <p:sp>
-        <p:nvSpPr>
-          <p:cNvPr id="3" name="Inhaltsplatzhalter 2">
-            <a:extLst>
-              <a:ext uri="{FF2B5EF4-FFF2-40B4-BE49-F238E27FC236}">
-                <a16:creationId xmlns:a16="http://schemas.microsoft.com/office/drawing/2014/main" id="{EA2DB675-491C-4047-964A-FDB43988A241}"/>
-              </a:ext>
-            </a:extLst>
-          </p:cNvPr>
-          <p:cNvSpPr>
-            <a:spLocks noGrp="1"/>
-          </p:cNvSpPr>
-          <p:nvPr>
-            <p:ph idx="1"/>
-          </p:nvPr>
-        </p:nvSpPr>
-        <p:spPr/>
-        <p:txBody>
-          <a:bodyPr vert="horz" lIns="68580" tIns="34290" rIns="68580" bIns="34290" rtlCol="0" anchor="t">
-            <a:normAutofit/>
-          </a:bodyPr>
-          <a:lstStyle/>
-          <a:p>
-            <a:r>
-              <a:rPr lang="de-DE" dirty="0">
-                <a:cs typeface="Calibri"/>
-              </a:rPr>
-              <a:t>Eine Website, keine verkaufbare Software</a:t>
-            </a:r>
-          </a:p>
-          <a:p>
-            <a:r>
-              <a:rPr lang="de-DE" dirty="0">
-                <a:cs typeface="Calibri"/>
-              </a:rPr>
-              <a:t>-&gt; nicht verteilbar</a:t>
-            </a:r>
-          </a:p>
-          <a:p>
-            <a:r>
-              <a:rPr lang="de-DE" dirty="0">
-                <a:cs typeface="Calibri"/>
-              </a:rPr>
-              <a:t>Kunden kommen zu uns</a:t>
-            </a:r>
-          </a:p>
-          <a:p>
-            <a:pPr marL="0" indent="0">
-              <a:buNone/>
-            </a:pPr>
-            <a:endParaRPr lang="de-DE" dirty="0">
-              <a:cs typeface="Calibri"/>
-            </a:endParaRPr>
-          </a:p>
-          <a:p>
-            <a:r>
-              <a:rPr lang="de-DE" dirty="0" err="1">
-                <a:cs typeface="Calibri"/>
-              </a:rPr>
-              <a:t>Premiumaccounts</a:t>
-            </a:r>
-            <a:r>
-              <a:rPr lang="de-DE" dirty="0">
-                <a:cs typeface="Calibri"/>
-              </a:rPr>
-              <a:t> nur auf direktem Absatzweg</a:t>
-            </a:r>
-          </a:p>
-          <a:p>
-            <a:endParaRPr lang="de-DE" dirty="0">
-              <a:cs typeface="Calibri"/>
-            </a:endParaRPr>
-          </a:p>
-          <a:p>
-            <a:r>
-              <a:rPr lang="de-DE" dirty="0">
-                <a:cs typeface="Calibri"/>
-              </a:rPr>
-              <a:t>Keine Filialen</a:t>
-            </a:r>
-          </a:p>
-        </p:txBody>
-      </p:sp>
-    </p:spTree>
-    <p:extLst>
-      <p:ext uri="{BB962C8B-B14F-4D97-AF65-F5344CB8AC3E}">
-        <p14:creationId xmlns:p14="http://schemas.microsoft.com/office/powerpoint/2010/main" val="3540266070"/>
-      </p:ext>
-    </p:extLst>
   </p:cSld>
   <p:clrMapOvr>
     <a:masterClrMapping/>

--- a/organisation/documentation/GeProz/Präsentation/Gesamtpräsentation Carscout GProz.pptx
+++ b/organisation/documentation/GeProz/Präsentation/Gesamtpräsentation Carscout GProz.pptx
@@ -5,7 +5,7 @@
     <p:sldMasterId id="2147483648" r:id="rId1"/>
   </p:sldMasterIdLst>
   <p:notesMasterIdLst>
-    <p:notesMasterId r:id="rId19"/>
+    <p:notesMasterId r:id="rId21"/>
   </p:notesMasterIdLst>
   <p:sldIdLst>
     <p:sldId id="274" r:id="rId2"/>
@@ -17,14 +17,16 @@
     <p:sldId id="262" r:id="rId8"/>
     <p:sldId id="263" r:id="rId9"/>
     <p:sldId id="261" r:id="rId10"/>
-    <p:sldId id="260" r:id="rId11"/>
-    <p:sldId id="272" r:id="rId12"/>
-    <p:sldId id="271" r:id="rId13"/>
-    <p:sldId id="270" r:id="rId14"/>
-    <p:sldId id="269" r:id="rId15"/>
-    <p:sldId id="267" r:id="rId16"/>
-    <p:sldId id="268" r:id="rId17"/>
-    <p:sldId id="266" r:id="rId18"/>
+    <p:sldId id="276" r:id="rId11"/>
+    <p:sldId id="277" r:id="rId12"/>
+    <p:sldId id="260" r:id="rId13"/>
+    <p:sldId id="272" r:id="rId14"/>
+    <p:sldId id="271" r:id="rId15"/>
+    <p:sldId id="270" r:id="rId16"/>
+    <p:sldId id="269" r:id="rId17"/>
+    <p:sldId id="267" r:id="rId18"/>
+    <p:sldId id="268" r:id="rId19"/>
+    <p:sldId id="266" r:id="rId20"/>
   </p:sldIdLst>
   <p:sldSz cx="9144000" cy="6858000" type="screen4x3"/>
   <p:notesSz cx="6858000" cy="9144000"/>
@@ -224,7 +226,7 @@
           <a:p>
             <a:fld id="{A03749F6-7080-4CF0-BA7C-953D240EDE79}" type="datetimeFigureOut">
               <a:rPr lang="de-DE"/>
-              <a:t>22.05.2018</a:t>
+              <a:t>23.05.2018</a:t>
             </a:fld>
             <a:endParaRPr lang="de-DE"/>
           </a:p>
@@ -382,7 +384,7 @@
           <a:p>
             <a:fld id="{42A30FD8-02FB-47ED-B8CC-839EF5BBF29D}" type="slidenum">
               <a:rPr lang="de-DE"/>
-              <a:t>‹Nr.›</a:t>
+              <a:t>‹#›</a:t>
             </a:fld>
             <a:endParaRPr lang="de-DE"/>
           </a:p>
@@ -917,6 +919,11 @@
         </p:txBody>
       </p:sp>
     </p:spTree>
+    <p:extLst>
+      <p:ext uri="{BB962C8B-B14F-4D97-AF65-F5344CB8AC3E}">
+        <p14:creationId xmlns:p14="http://schemas.microsoft.com/office/powerpoint/2010/main" val="338935885"/>
+      </p:ext>
+    </p:extLst>
   </p:cSld>
   <p:clrMapOvr>
     <a:masterClrMapping/>
@@ -1350,6 +1357,11 @@
         </p:txBody>
       </p:sp>
     </p:spTree>
+    <p:extLst>
+      <p:ext uri="{BB962C8B-B14F-4D97-AF65-F5344CB8AC3E}">
+        <p14:creationId xmlns:p14="http://schemas.microsoft.com/office/powerpoint/2010/main" val="3188113576"/>
+      </p:ext>
+    </p:extLst>
   </p:cSld>
   <p:clrMapOvr>
     <a:masterClrMapping/>
@@ -1783,6 +1795,11 @@
         </p:txBody>
       </p:sp>
     </p:spTree>
+    <p:extLst>
+      <p:ext uri="{BB962C8B-B14F-4D97-AF65-F5344CB8AC3E}">
+        <p14:creationId xmlns:p14="http://schemas.microsoft.com/office/powerpoint/2010/main" val="4289618473"/>
+      </p:ext>
+    </p:extLst>
   </p:cSld>
   <p:clrMapOvr>
     <a:masterClrMapping/>
@@ -2216,6 +2233,11 @@
         </p:txBody>
       </p:sp>
     </p:spTree>
+    <p:extLst>
+      <p:ext uri="{BB962C8B-B14F-4D97-AF65-F5344CB8AC3E}">
+        <p14:creationId xmlns:p14="http://schemas.microsoft.com/office/powerpoint/2010/main" val="3131067972"/>
+      </p:ext>
+    </p:extLst>
   </p:cSld>
   <p:clrMapOvr>
     <a:masterClrMapping/>
@@ -2403,7 +2425,7 @@
             <a:fld id="{590F42B0-01E4-446A-94B8-F9D4620B84D2}" type="datetimeFigureOut">
               <a:rPr lang="de-DE" smtClean="0"/>
               <a:pPr/>
-              <a:t>22.05.2018</a:t>
+              <a:t>23.05.2018</a:t>
             </a:fld>
             <a:endParaRPr lang="de-DE"/>
           </a:p>
@@ -2446,7 +2468,7 @@
             <a:fld id="{385B27D2-ADBC-460A-AABB-49C12D1DA19C}" type="slidenum">
               <a:rPr lang="de-DE" smtClean="0"/>
               <a:pPr/>
-              <a:t>‹Nr.›</a:t>
+              <a:t>‹#›</a:t>
             </a:fld>
             <a:endParaRPr lang="de-DE"/>
           </a:p>
@@ -2568,7 +2590,7 @@
             <a:fld id="{590F42B0-01E4-446A-94B8-F9D4620B84D2}" type="datetimeFigureOut">
               <a:rPr lang="de-DE" smtClean="0"/>
               <a:pPr/>
-              <a:t>22.05.2018</a:t>
+              <a:t>23.05.2018</a:t>
             </a:fld>
             <a:endParaRPr lang="de-DE"/>
           </a:p>
@@ -2611,7 +2633,7 @@
             <a:fld id="{385B27D2-ADBC-460A-AABB-49C12D1DA19C}" type="slidenum">
               <a:rPr lang="de-DE" smtClean="0"/>
               <a:pPr/>
-              <a:t>‹Nr.›</a:t>
+              <a:t>‹#›</a:t>
             </a:fld>
             <a:endParaRPr lang="de-DE"/>
           </a:p>
@@ -2743,7 +2765,7 @@
             <a:fld id="{590F42B0-01E4-446A-94B8-F9D4620B84D2}" type="datetimeFigureOut">
               <a:rPr lang="de-DE" smtClean="0"/>
               <a:pPr/>
-              <a:t>22.05.2018</a:t>
+              <a:t>23.05.2018</a:t>
             </a:fld>
             <a:endParaRPr lang="de-DE"/>
           </a:p>
@@ -2786,7 +2808,7 @@
             <a:fld id="{385B27D2-ADBC-460A-AABB-49C12D1DA19C}" type="slidenum">
               <a:rPr lang="de-DE" smtClean="0"/>
               <a:pPr/>
-              <a:t>‹Nr.›</a:t>
+              <a:t>‹#›</a:t>
             </a:fld>
             <a:endParaRPr lang="de-DE"/>
           </a:p>
@@ -2948,7 +2970,7 @@
               <a:pPr>
                 <a:defRPr/>
               </a:pPr>
-              <a:t>‹Nr.›</a:t>
+              <a:t>‹#›</a:t>
             </a:fld>
             <a:endParaRPr lang="de-DE" altLang="de-DE"/>
           </a:p>
@@ -3075,7 +3097,7 @@
             <a:fld id="{590F42B0-01E4-446A-94B8-F9D4620B84D2}" type="datetimeFigureOut">
               <a:rPr lang="de-DE" smtClean="0"/>
               <a:pPr/>
-              <a:t>22.05.2018</a:t>
+              <a:t>23.05.2018</a:t>
             </a:fld>
             <a:endParaRPr lang="de-DE"/>
           </a:p>
@@ -3118,7 +3140,7 @@
             <a:fld id="{385B27D2-ADBC-460A-AABB-49C12D1DA19C}" type="slidenum">
               <a:rPr lang="de-DE" smtClean="0"/>
               <a:pPr/>
-              <a:t>‹Nr.›</a:t>
+              <a:t>‹#›</a:t>
             </a:fld>
             <a:endParaRPr lang="de-DE"/>
           </a:p>
@@ -3317,7 +3339,7 @@
             <a:fld id="{590F42B0-01E4-446A-94B8-F9D4620B84D2}" type="datetimeFigureOut">
               <a:rPr lang="de-DE" smtClean="0"/>
               <a:pPr/>
-              <a:t>22.05.2018</a:t>
+              <a:t>23.05.2018</a:t>
             </a:fld>
             <a:endParaRPr lang="de-DE"/>
           </a:p>
@@ -3360,7 +3382,7 @@
             <a:fld id="{385B27D2-ADBC-460A-AABB-49C12D1DA19C}" type="slidenum">
               <a:rPr lang="de-DE" smtClean="0"/>
               <a:pPr/>
-              <a:t>‹Nr.›</a:t>
+              <a:t>‹#›</a:t>
             </a:fld>
             <a:endParaRPr lang="de-DE"/>
           </a:p>
@@ -3599,7 +3621,7 @@
             <a:fld id="{590F42B0-01E4-446A-94B8-F9D4620B84D2}" type="datetimeFigureOut">
               <a:rPr lang="de-DE" smtClean="0"/>
               <a:pPr/>
-              <a:t>22.05.2018</a:t>
+              <a:t>23.05.2018</a:t>
             </a:fld>
             <a:endParaRPr lang="de-DE"/>
           </a:p>
@@ -3642,7 +3664,7 @@
             <a:fld id="{385B27D2-ADBC-460A-AABB-49C12D1DA19C}" type="slidenum">
               <a:rPr lang="de-DE" smtClean="0"/>
               <a:pPr/>
-              <a:t>‹Nr.›</a:t>
+              <a:t>‹#›</a:t>
             </a:fld>
             <a:endParaRPr lang="de-DE"/>
           </a:p>
@@ -4015,7 +4037,7 @@
             <a:fld id="{590F42B0-01E4-446A-94B8-F9D4620B84D2}" type="datetimeFigureOut">
               <a:rPr lang="de-DE" smtClean="0"/>
               <a:pPr/>
-              <a:t>22.05.2018</a:t>
+              <a:t>23.05.2018</a:t>
             </a:fld>
             <a:endParaRPr lang="de-DE"/>
           </a:p>
@@ -4058,7 +4080,7 @@
             <a:fld id="{385B27D2-ADBC-460A-AABB-49C12D1DA19C}" type="slidenum">
               <a:rPr lang="de-DE" smtClean="0"/>
               <a:pPr/>
-              <a:t>‹Nr.›</a:t>
+              <a:t>‹#›</a:t>
             </a:fld>
             <a:endParaRPr lang="de-DE"/>
           </a:p>
@@ -4129,7 +4151,7 @@
             <a:fld id="{590F42B0-01E4-446A-94B8-F9D4620B84D2}" type="datetimeFigureOut">
               <a:rPr lang="de-DE" smtClean="0"/>
               <a:pPr/>
-              <a:t>22.05.2018</a:t>
+              <a:t>23.05.2018</a:t>
             </a:fld>
             <a:endParaRPr lang="de-DE"/>
           </a:p>
@@ -4172,7 +4194,7 @@
             <a:fld id="{385B27D2-ADBC-460A-AABB-49C12D1DA19C}" type="slidenum">
               <a:rPr lang="de-DE" smtClean="0"/>
               <a:pPr/>
-              <a:t>‹Nr.›</a:t>
+              <a:t>‹#›</a:t>
             </a:fld>
             <a:endParaRPr lang="de-DE"/>
           </a:p>
@@ -4221,7 +4243,7 @@
             <a:fld id="{590F42B0-01E4-446A-94B8-F9D4620B84D2}" type="datetimeFigureOut">
               <a:rPr lang="de-DE" smtClean="0"/>
               <a:pPr/>
-              <a:t>22.05.2018</a:t>
+              <a:t>23.05.2018</a:t>
             </a:fld>
             <a:endParaRPr lang="de-DE"/>
           </a:p>
@@ -4264,7 +4286,7 @@
             <a:fld id="{385B27D2-ADBC-460A-AABB-49C12D1DA19C}" type="slidenum">
               <a:rPr lang="de-DE" smtClean="0"/>
               <a:pPr/>
-              <a:t>‹Nr.›</a:t>
+              <a:t>‹#›</a:t>
             </a:fld>
             <a:endParaRPr lang="de-DE"/>
           </a:p>
@@ -4493,7 +4515,7 @@
             <a:fld id="{590F42B0-01E4-446A-94B8-F9D4620B84D2}" type="datetimeFigureOut">
               <a:rPr lang="de-DE" smtClean="0"/>
               <a:pPr/>
-              <a:t>22.05.2018</a:t>
+              <a:t>23.05.2018</a:t>
             </a:fld>
             <a:endParaRPr lang="de-DE"/>
           </a:p>
@@ -4536,7 +4558,7 @@
             <a:fld id="{385B27D2-ADBC-460A-AABB-49C12D1DA19C}" type="slidenum">
               <a:rPr lang="de-DE" smtClean="0"/>
               <a:pPr/>
-              <a:t>‹Nr.›</a:t>
+              <a:t>‹#›</a:t>
             </a:fld>
             <a:endParaRPr lang="de-DE"/>
           </a:p>
@@ -4742,7 +4764,7 @@
             <a:fld id="{590F42B0-01E4-446A-94B8-F9D4620B84D2}" type="datetimeFigureOut">
               <a:rPr lang="de-DE" smtClean="0"/>
               <a:pPr/>
-              <a:t>22.05.2018</a:t>
+              <a:t>23.05.2018</a:t>
             </a:fld>
             <a:endParaRPr lang="de-DE"/>
           </a:p>
@@ -4785,7 +4807,7 @@
             <a:fld id="{385B27D2-ADBC-460A-AABB-49C12D1DA19C}" type="slidenum">
               <a:rPr lang="de-DE" smtClean="0"/>
               <a:pPr/>
-              <a:t>‹Nr.›</a:t>
+              <a:t>‹#›</a:t>
             </a:fld>
             <a:endParaRPr lang="de-DE"/>
           </a:p>
@@ -4950,7 +4972,7 @@
             <a:fld id="{590F42B0-01E4-446A-94B8-F9D4620B84D2}" type="datetimeFigureOut">
               <a:rPr lang="de-DE" smtClean="0"/>
               <a:pPr/>
-              <a:t>22.05.2018</a:t>
+              <a:t>23.05.2018</a:t>
             </a:fld>
             <a:endParaRPr lang="de-DE"/>
           </a:p>
@@ -5029,7 +5051,7 @@
             <a:fld id="{385B27D2-ADBC-460A-AABB-49C12D1DA19C}" type="slidenum">
               <a:rPr lang="de-DE" smtClean="0"/>
               <a:pPr/>
-              <a:t>‹Nr.›</a:t>
+              <a:t>‹#›</a:t>
             </a:fld>
             <a:endParaRPr lang="de-DE"/>
           </a:p>
@@ -5476,6 +5498,172 @@
         </p:nvSpPr>
         <p:spPr/>
         <p:txBody>
+          <a:bodyPr/>
+          <a:lstStyle/>
+          <a:p>
+            <a:r>
+              <a:rPr lang="de-DE" dirty="0" smtClean="0"/>
+              <a:t>Konkurrenzanalyse - Angebot</a:t>
+            </a:r>
+            <a:endParaRPr lang="de-DE" dirty="0"/>
+          </a:p>
+        </p:txBody>
+      </p:sp>
+      <p:pic>
+        <p:nvPicPr>
+          <p:cNvPr id="6" name="Inhaltsplatzhalter 5"/>
+          <p:cNvPicPr>
+            <a:picLocks noGrp="1" noChangeAspect="1"/>
+          </p:cNvPicPr>
+          <p:nvPr>
+            <p:ph idx="1"/>
+          </p:nvPr>
+        </p:nvPicPr>
+        <p:blipFill>
+          <a:blip r:embed="rId2">
+            <a:extLst>
+              <a:ext uri="{28A0092B-C50C-407E-A947-70E740481C1C}">
+                <a14:useLocalDpi xmlns:a14="http://schemas.microsoft.com/office/drawing/2010/main" val="0"/>
+              </a:ext>
+            </a:extLst>
+          </a:blip>
+          <a:stretch>
+            <a:fillRect/>
+          </a:stretch>
+        </p:blipFill>
+        <p:spPr>
+          <a:xfrm>
+            <a:off x="688248" y="1916832"/>
+            <a:ext cx="8132224" cy="3312368"/>
+          </a:xfrm>
+        </p:spPr>
+      </p:pic>
+    </p:spTree>
+    <p:extLst>
+      <p:ext uri="{BB962C8B-B14F-4D97-AF65-F5344CB8AC3E}">
+        <p14:creationId xmlns:p14="http://schemas.microsoft.com/office/powerpoint/2010/main" val="1452518540"/>
+      </p:ext>
+    </p:extLst>
+  </p:cSld>
+  <p:clrMapOvr>
+    <a:masterClrMapping/>
+  </p:clrMapOvr>
+</p:sld>
+</file>
+
+<file path=ppt/slides/slide11.xml><?xml version="1.0" encoding="utf-8"?>
+<p:sld xmlns:a="http://schemas.openxmlformats.org/drawingml/2006/main" xmlns:r="http://schemas.openxmlformats.org/officeDocument/2006/relationships" xmlns:p="http://schemas.openxmlformats.org/presentationml/2006/main">
+  <p:cSld>
+    <p:spTree>
+      <p:nvGrpSpPr>
+        <p:cNvPr id="1" name=""/>
+        <p:cNvGrpSpPr/>
+        <p:nvPr/>
+      </p:nvGrpSpPr>
+      <p:grpSpPr>
+        <a:xfrm>
+          <a:off x="0" y="0"/>
+          <a:ext cx="0" cy="0"/>
+          <a:chOff x="0" y="0"/>
+          <a:chExt cx="0" cy="0"/>
+        </a:xfrm>
+      </p:grpSpPr>
+      <p:sp>
+        <p:nvSpPr>
+          <p:cNvPr id="2" name="Titel 1"/>
+          <p:cNvSpPr>
+            <a:spLocks noGrp="1"/>
+          </p:cNvSpPr>
+          <p:nvPr>
+            <p:ph type="title"/>
+          </p:nvPr>
+        </p:nvSpPr>
+        <p:spPr/>
+        <p:txBody>
+          <a:bodyPr>
+            <a:normAutofit/>
+          </a:bodyPr>
+          <a:lstStyle/>
+          <a:p>
+            <a:r>
+              <a:rPr lang="de-DE" dirty="0" smtClean="0"/>
+              <a:t>Konkurrenzanalyse - Wettbewerber</a:t>
+            </a:r>
+            <a:endParaRPr lang="de-DE" dirty="0"/>
+          </a:p>
+        </p:txBody>
+      </p:sp>
+      <p:pic>
+        <p:nvPicPr>
+          <p:cNvPr id="6" name="Inhaltsplatzhalter 5"/>
+          <p:cNvPicPr>
+            <a:picLocks noGrp="1" noChangeAspect="1"/>
+          </p:cNvPicPr>
+          <p:nvPr>
+            <p:ph idx="1"/>
+          </p:nvPr>
+        </p:nvPicPr>
+        <p:blipFill>
+          <a:blip r:embed="rId2">
+            <a:extLst>
+              <a:ext uri="{28A0092B-C50C-407E-A947-70E740481C1C}">
+                <a14:useLocalDpi xmlns:a14="http://schemas.microsoft.com/office/drawing/2010/main" val="0"/>
+              </a:ext>
+            </a:extLst>
+          </a:blip>
+          <a:stretch>
+            <a:fillRect/>
+          </a:stretch>
+        </p:blipFill>
+        <p:spPr>
+          <a:xfrm>
+            <a:off x="1475656" y="1556792"/>
+            <a:ext cx="6264696" cy="4784407"/>
+          </a:xfrm>
+        </p:spPr>
+      </p:pic>
+    </p:spTree>
+    <p:extLst>
+      <p:ext uri="{BB962C8B-B14F-4D97-AF65-F5344CB8AC3E}">
+        <p14:creationId xmlns:p14="http://schemas.microsoft.com/office/powerpoint/2010/main" val="3069578919"/>
+      </p:ext>
+    </p:extLst>
+  </p:cSld>
+  <p:clrMapOvr>
+    <a:masterClrMapping/>
+  </p:clrMapOvr>
+</p:sld>
+</file>
+
+<file path=ppt/slides/slide12.xml><?xml version="1.0" encoding="utf-8"?>
+<p:sld xmlns:a="http://schemas.openxmlformats.org/drawingml/2006/main" xmlns:r="http://schemas.openxmlformats.org/officeDocument/2006/relationships" xmlns:p="http://schemas.openxmlformats.org/presentationml/2006/main">
+  <p:cSld>
+    <p:spTree>
+      <p:nvGrpSpPr>
+        <p:cNvPr id="1" name=""/>
+        <p:cNvGrpSpPr/>
+        <p:nvPr/>
+      </p:nvGrpSpPr>
+      <p:grpSpPr>
+        <a:xfrm>
+          <a:off x="0" y="0"/>
+          <a:ext cx="0" cy="0"/>
+          <a:chOff x="0" y="0"/>
+          <a:chExt cx="0" cy="0"/>
+        </a:xfrm>
+      </p:grpSpPr>
+      <p:sp>
+        <p:nvSpPr>
+          <p:cNvPr id="2" name="Titel 1"/>
+          <p:cNvSpPr>
+            <a:spLocks noGrp="1"/>
+          </p:cNvSpPr>
+          <p:nvPr>
+            <p:ph type="title"/>
+          </p:nvPr>
+        </p:nvSpPr>
+        <p:spPr/>
+        <p:txBody>
           <a:bodyPr>
             <a:normAutofit/>
           </a:bodyPr>
@@ -5544,7 +5732,7 @@
 </p:sld>
 </file>
 
-<file path=ppt/slides/slide11.xml><?xml version="1.0" encoding="utf-8"?>
+<file path=ppt/slides/slide13.xml><?xml version="1.0" encoding="utf-8"?>
 <p:sld xmlns:a="http://schemas.openxmlformats.org/drawingml/2006/main" xmlns:r="http://schemas.openxmlformats.org/officeDocument/2006/relationships" xmlns:p="http://schemas.openxmlformats.org/presentationml/2006/main">
   <p:cSld>
     <p:spTree>
@@ -5993,1116 +6181,6 @@
     <p:extLst>
       <p:ext uri="{BB962C8B-B14F-4D97-AF65-F5344CB8AC3E}">
         <p14:creationId xmlns:p14="http://schemas.microsoft.com/office/powerpoint/2010/main" val="781801503"/>
-      </p:ext>
-    </p:extLst>
-  </p:cSld>
-  <p:clrMapOvr>
-    <a:masterClrMapping/>
-  </p:clrMapOvr>
-  <p:transition spd="med"/>
-  <p:timing>
-    <p:tnLst>
-      <p:par>
-        <p:cTn id="1" dur="indefinite" restart="never" nodeType="tmRoot">
-          <p:childTnLst>
-            <p:seq concurrent="1" nextAc="seek">
-              <p:cTn id="2" dur="0" nodeType="mainSeq"/>
-              <p:prevCondLst>
-                <p:cond evt="onPrev" delay="0">
-                  <p:tgtEl>
-                    <p:sldTgt/>
-                  </p:tgtEl>
-                </p:cond>
-              </p:prevCondLst>
-              <p:nextCondLst>
-                <p:cond evt="onNext" delay="0">
-                  <p:tgtEl>
-                    <p:sldTgt/>
-                  </p:tgtEl>
-                </p:cond>
-              </p:nextCondLst>
-            </p:seq>
-          </p:childTnLst>
-        </p:cTn>
-      </p:par>
-    </p:tnLst>
-  </p:timing>
-</p:sld>
-</file>
-
-<file path=ppt/slides/slide12.xml><?xml version="1.0" encoding="utf-8"?>
-<p:sld xmlns:a="http://schemas.openxmlformats.org/drawingml/2006/main" xmlns:r="http://schemas.openxmlformats.org/officeDocument/2006/relationships" xmlns:p="http://schemas.openxmlformats.org/presentationml/2006/main">
-  <p:cSld>
-    <p:spTree>
-      <p:nvGrpSpPr>
-        <p:cNvPr id="1" name=""/>
-        <p:cNvGrpSpPr/>
-        <p:nvPr/>
-      </p:nvGrpSpPr>
-      <p:grpSpPr>
-        <a:xfrm>
-          <a:off x="0" y="0"/>
-          <a:ext cx="0" cy="0"/>
-          <a:chOff x="0" y="0"/>
-          <a:chExt cx="0" cy="0"/>
-        </a:xfrm>
-      </p:grpSpPr>
-      <p:sp>
-        <p:nvSpPr>
-          <p:cNvPr id="5122" name="Rectangle 1">
-            <a:extLst>
-              <a:ext uri="{FF2B5EF4-FFF2-40B4-BE49-F238E27FC236}">
-                <a16:creationId xmlns:a16="http://schemas.microsoft.com/office/drawing/2014/main" id="{8B9171E1-FD77-492C-A9FE-767F6050CE4D}"/>
-              </a:ext>
-            </a:extLst>
-          </p:cNvPr>
-          <p:cNvSpPr>
-            <a:spLocks noGrp="1" noChangeArrowheads="1"/>
-          </p:cNvSpPr>
-          <p:nvPr>
-            <p:ph type="title"/>
-          </p:nvPr>
-        </p:nvSpPr>
-        <p:spPr>
-          <a:xfrm>
-            <a:off x="456481" y="273961"/>
-            <a:ext cx="8228160" cy="1144800"/>
-          </a:xfrm>
-        </p:spPr>
-        <p:txBody>
-          <a:bodyPr tIns="35482"/>
-          <a:lstStyle>
-            <a:defPPr>
-              <a:defRPr lang="en-GB"/>
-            </a:defPPr>
-            <a:lvl1pPr algn="l" defTabSz="407526" rtl="0" eaLnBrk="0" fontAlgn="base" hangingPunct="0">
-              <a:spcBef>
-                <a:spcPct val="0"/>
-              </a:spcBef>
-              <a:spcAft>
-                <a:spcPct val="0"/>
-              </a:spcAft>
-              <a:defRPr kern="1200">
-                <a:solidFill>
-                  <a:schemeClr val="tx1"/>
-                </a:solidFill>
-                <a:latin typeface="Arial" panose="020B0604020202020204" pitchFamily="34" charset="0"/>
-                <a:ea typeface="Microsoft YaHei" panose="020B0503020204020204" pitchFamily="34" charset="-122"/>
-                <a:cs typeface="+mn-cs"/>
-              </a:defRPr>
-            </a:lvl1pPr>
-            <a:lvl2pPr marL="673930" indent="-259204" algn="l" defTabSz="407526" rtl="0" eaLnBrk="0" fontAlgn="base" hangingPunct="0">
-              <a:spcBef>
-                <a:spcPct val="0"/>
-              </a:spcBef>
-              <a:spcAft>
-                <a:spcPct val="0"/>
-              </a:spcAft>
-              <a:defRPr kern="1200">
-                <a:solidFill>
-                  <a:schemeClr val="tx1"/>
-                </a:solidFill>
-                <a:latin typeface="Arial" panose="020B0604020202020204" pitchFamily="34" charset="0"/>
-                <a:ea typeface="Microsoft YaHei" panose="020B0503020204020204" pitchFamily="34" charset="-122"/>
-                <a:cs typeface="+mn-cs"/>
-              </a:defRPr>
-            </a:lvl2pPr>
-            <a:lvl3pPr marL="1036815" indent="-207363" algn="l" defTabSz="407526" rtl="0" eaLnBrk="0" fontAlgn="base" hangingPunct="0">
-              <a:spcBef>
-                <a:spcPct val="0"/>
-              </a:spcBef>
-              <a:spcAft>
-                <a:spcPct val="0"/>
-              </a:spcAft>
-              <a:defRPr kern="1200">
-                <a:solidFill>
-                  <a:schemeClr val="tx1"/>
-                </a:solidFill>
-                <a:latin typeface="Arial" panose="020B0604020202020204" pitchFamily="34" charset="0"/>
-                <a:ea typeface="Microsoft YaHei" panose="020B0503020204020204" pitchFamily="34" charset="-122"/>
-                <a:cs typeface="+mn-cs"/>
-              </a:defRPr>
-            </a:lvl3pPr>
-            <a:lvl4pPr marL="1451541" indent="-207363" algn="l" defTabSz="407526" rtl="0" eaLnBrk="0" fontAlgn="base" hangingPunct="0">
-              <a:spcBef>
-                <a:spcPct val="0"/>
-              </a:spcBef>
-              <a:spcAft>
-                <a:spcPct val="0"/>
-              </a:spcAft>
-              <a:defRPr kern="1200">
-                <a:solidFill>
-                  <a:schemeClr val="tx1"/>
-                </a:solidFill>
-                <a:latin typeface="Arial" panose="020B0604020202020204" pitchFamily="34" charset="0"/>
-                <a:ea typeface="Microsoft YaHei" panose="020B0503020204020204" pitchFamily="34" charset="-122"/>
-                <a:cs typeface="+mn-cs"/>
-              </a:defRPr>
-            </a:lvl4pPr>
-            <a:lvl5pPr marL="1866268" indent="-207363" algn="l" defTabSz="407526" rtl="0" eaLnBrk="0" fontAlgn="base" hangingPunct="0">
-              <a:spcBef>
-                <a:spcPct val="0"/>
-              </a:spcBef>
-              <a:spcAft>
-                <a:spcPct val="0"/>
-              </a:spcAft>
-              <a:defRPr kern="1200">
-                <a:solidFill>
-                  <a:schemeClr val="tx1"/>
-                </a:solidFill>
-                <a:latin typeface="Arial" panose="020B0604020202020204" pitchFamily="34" charset="0"/>
-                <a:ea typeface="Microsoft YaHei" panose="020B0503020204020204" pitchFamily="34" charset="-122"/>
-                <a:cs typeface="+mn-cs"/>
-              </a:defRPr>
-            </a:lvl5pPr>
-            <a:lvl6pPr marL="2073631" algn="l" defTabSz="829452" rtl="0" eaLnBrk="1" latinLnBrk="0" hangingPunct="1">
-              <a:defRPr kern="1200">
-                <a:solidFill>
-                  <a:schemeClr val="tx1"/>
-                </a:solidFill>
-                <a:latin typeface="Arial" panose="020B0604020202020204" pitchFamily="34" charset="0"/>
-                <a:ea typeface="Microsoft YaHei" panose="020B0503020204020204" pitchFamily="34" charset="-122"/>
-                <a:cs typeface="+mn-cs"/>
-              </a:defRPr>
-            </a:lvl6pPr>
-            <a:lvl7pPr marL="2488357" algn="l" defTabSz="829452" rtl="0" eaLnBrk="1" latinLnBrk="0" hangingPunct="1">
-              <a:defRPr kern="1200">
-                <a:solidFill>
-                  <a:schemeClr val="tx1"/>
-                </a:solidFill>
-                <a:latin typeface="Arial" panose="020B0604020202020204" pitchFamily="34" charset="0"/>
-                <a:ea typeface="Microsoft YaHei" panose="020B0503020204020204" pitchFamily="34" charset="-122"/>
-                <a:cs typeface="+mn-cs"/>
-              </a:defRPr>
-            </a:lvl7pPr>
-            <a:lvl8pPr marL="2903083" algn="l" defTabSz="829452" rtl="0" eaLnBrk="1" latinLnBrk="0" hangingPunct="1">
-              <a:defRPr kern="1200">
-                <a:solidFill>
-                  <a:schemeClr val="tx1"/>
-                </a:solidFill>
-                <a:latin typeface="Arial" panose="020B0604020202020204" pitchFamily="34" charset="0"/>
-                <a:ea typeface="Microsoft YaHei" panose="020B0503020204020204" pitchFamily="34" charset="-122"/>
-                <a:cs typeface="+mn-cs"/>
-              </a:defRPr>
-            </a:lvl8pPr>
-            <a:lvl9pPr marL="3317809" algn="l" defTabSz="829452" rtl="0" eaLnBrk="1" latinLnBrk="0" hangingPunct="1">
-              <a:defRPr kern="1200">
-                <a:solidFill>
-                  <a:schemeClr val="tx1"/>
-                </a:solidFill>
-                <a:latin typeface="Arial" panose="020B0604020202020204" pitchFamily="34" charset="0"/>
-                <a:ea typeface="Microsoft YaHei" panose="020B0503020204020204" pitchFamily="34" charset="-122"/>
-                <a:cs typeface="+mn-cs"/>
-              </a:defRPr>
-            </a:lvl9pPr>
-          </a:lstStyle>
-          <a:p>
-            <a:pPr eaLnBrk="1">
-              <a:tabLst>
-                <a:tab pos="407526" algn="l"/>
-                <a:tab pos="815052" algn="l"/>
-                <a:tab pos="1222578" algn="l"/>
-                <a:tab pos="1630104" algn="l"/>
-                <a:tab pos="2037631" algn="l"/>
-                <a:tab pos="2445156" algn="l"/>
-                <a:tab pos="2852683" algn="l"/>
-                <a:tab pos="3260208" algn="l"/>
-                <a:tab pos="3667735" algn="l"/>
-                <a:tab pos="4075260" algn="l"/>
-                <a:tab pos="4482787" algn="l"/>
-                <a:tab pos="4890312" algn="l"/>
-                <a:tab pos="5297839" algn="l"/>
-                <a:tab pos="5705364" algn="l"/>
-                <a:tab pos="6112891" algn="l"/>
-                <a:tab pos="6520416" algn="l"/>
-                <a:tab pos="6927943" algn="l"/>
-                <a:tab pos="7335468" algn="l"/>
-                <a:tab pos="7742995" algn="l"/>
-                <a:tab pos="8150520" algn="l"/>
-              </a:tabLst>
-            </a:pPr>
-            <a:r>
-              <a:rPr lang="de-DE" altLang="de-DE"/>
-              <a:t>Arten der Preispolitik</a:t>
-            </a:r>
-          </a:p>
-        </p:txBody>
-      </p:sp>
-      <p:sp>
-        <p:nvSpPr>
-          <p:cNvPr id="5123" name="Rectangle 2">
-            <a:extLst>
-              <a:ext uri="{FF2B5EF4-FFF2-40B4-BE49-F238E27FC236}">
-                <a16:creationId xmlns:a16="http://schemas.microsoft.com/office/drawing/2014/main" id="{B79A376A-6AE5-4AD8-8652-A4F7AD0FD8FB}"/>
-              </a:ext>
-            </a:extLst>
-          </p:cNvPr>
-          <p:cNvSpPr>
-            <a:spLocks noGrp="1" noChangeArrowheads="1"/>
-          </p:cNvSpPr>
-          <p:nvPr>
-            <p:ph type="body" idx="1"/>
-          </p:nvPr>
-        </p:nvSpPr>
-        <p:spPr>
-          <a:xfrm>
-            <a:off x="456481" y="1604521"/>
-            <a:ext cx="8228160" cy="4525920"/>
-          </a:xfrm>
-        </p:spPr>
-        <p:txBody>
-          <a:bodyPr/>
-          <a:lstStyle>
-            <a:defPPr>
-              <a:defRPr lang="en-GB"/>
-            </a:defPPr>
-            <a:lvl1pPr algn="l" defTabSz="407526" rtl="0" eaLnBrk="0" fontAlgn="base" hangingPunct="0">
-              <a:spcBef>
-                <a:spcPct val="0"/>
-              </a:spcBef>
-              <a:spcAft>
-                <a:spcPct val="0"/>
-              </a:spcAft>
-              <a:defRPr kern="1200">
-                <a:solidFill>
-                  <a:schemeClr val="tx1"/>
-                </a:solidFill>
-                <a:latin typeface="Arial" panose="020B0604020202020204" pitchFamily="34" charset="0"/>
-                <a:ea typeface="Microsoft YaHei" panose="020B0503020204020204" pitchFamily="34" charset="-122"/>
-                <a:cs typeface="+mn-cs"/>
-              </a:defRPr>
-            </a:lvl1pPr>
-            <a:lvl2pPr marL="673930" indent="-259204" algn="l" defTabSz="407526" rtl="0" eaLnBrk="0" fontAlgn="base" hangingPunct="0">
-              <a:spcBef>
-                <a:spcPct val="0"/>
-              </a:spcBef>
-              <a:spcAft>
-                <a:spcPct val="0"/>
-              </a:spcAft>
-              <a:defRPr kern="1200">
-                <a:solidFill>
-                  <a:schemeClr val="tx1"/>
-                </a:solidFill>
-                <a:latin typeface="Arial" panose="020B0604020202020204" pitchFamily="34" charset="0"/>
-                <a:ea typeface="Microsoft YaHei" panose="020B0503020204020204" pitchFamily="34" charset="-122"/>
-                <a:cs typeface="+mn-cs"/>
-              </a:defRPr>
-            </a:lvl2pPr>
-            <a:lvl3pPr marL="1036815" indent="-207363" algn="l" defTabSz="407526" rtl="0" eaLnBrk="0" fontAlgn="base" hangingPunct="0">
-              <a:spcBef>
-                <a:spcPct val="0"/>
-              </a:spcBef>
-              <a:spcAft>
-                <a:spcPct val="0"/>
-              </a:spcAft>
-              <a:defRPr kern="1200">
-                <a:solidFill>
-                  <a:schemeClr val="tx1"/>
-                </a:solidFill>
-                <a:latin typeface="Arial" panose="020B0604020202020204" pitchFamily="34" charset="0"/>
-                <a:ea typeface="Microsoft YaHei" panose="020B0503020204020204" pitchFamily="34" charset="-122"/>
-                <a:cs typeface="+mn-cs"/>
-              </a:defRPr>
-            </a:lvl3pPr>
-            <a:lvl4pPr marL="1451541" indent="-207363" algn="l" defTabSz="407526" rtl="0" eaLnBrk="0" fontAlgn="base" hangingPunct="0">
-              <a:spcBef>
-                <a:spcPct val="0"/>
-              </a:spcBef>
-              <a:spcAft>
-                <a:spcPct val="0"/>
-              </a:spcAft>
-              <a:defRPr kern="1200">
-                <a:solidFill>
-                  <a:schemeClr val="tx1"/>
-                </a:solidFill>
-                <a:latin typeface="Arial" panose="020B0604020202020204" pitchFamily="34" charset="0"/>
-                <a:ea typeface="Microsoft YaHei" panose="020B0503020204020204" pitchFamily="34" charset="-122"/>
-                <a:cs typeface="+mn-cs"/>
-              </a:defRPr>
-            </a:lvl4pPr>
-            <a:lvl5pPr marL="1866268" indent="-207363" algn="l" defTabSz="407526" rtl="0" eaLnBrk="0" fontAlgn="base" hangingPunct="0">
-              <a:spcBef>
-                <a:spcPct val="0"/>
-              </a:spcBef>
-              <a:spcAft>
-                <a:spcPct val="0"/>
-              </a:spcAft>
-              <a:defRPr kern="1200">
-                <a:solidFill>
-                  <a:schemeClr val="tx1"/>
-                </a:solidFill>
-                <a:latin typeface="Arial" panose="020B0604020202020204" pitchFamily="34" charset="0"/>
-                <a:ea typeface="Microsoft YaHei" panose="020B0503020204020204" pitchFamily="34" charset="-122"/>
-                <a:cs typeface="+mn-cs"/>
-              </a:defRPr>
-            </a:lvl5pPr>
-            <a:lvl6pPr marL="2073631" algn="l" defTabSz="829452" rtl="0" eaLnBrk="1" latinLnBrk="0" hangingPunct="1">
-              <a:defRPr kern="1200">
-                <a:solidFill>
-                  <a:schemeClr val="tx1"/>
-                </a:solidFill>
-                <a:latin typeface="Arial" panose="020B0604020202020204" pitchFamily="34" charset="0"/>
-                <a:ea typeface="Microsoft YaHei" panose="020B0503020204020204" pitchFamily="34" charset="-122"/>
-                <a:cs typeface="+mn-cs"/>
-              </a:defRPr>
-            </a:lvl6pPr>
-            <a:lvl7pPr marL="2488357" algn="l" defTabSz="829452" rtl="0" eaLnBrk="1" latinLnBrk="0" hangingPunct="1">
-              <a:defRPr kern="1200">
-                <a:solidFill>
-                  <a:schemeClr val="tx1"/>
-                </a:solidFill>
-                <a:latin typeface="Arial" panose="020B0604020202020204" pitchFamily="34" charset="0"/>
-                <a:ea typeface="Microsoft YaHei" panose="020B0503020204020204" pitchFamily="34" charset="-122"/>
-                <a:cs typeface="+mn-cs"/>
-              </a:defRPr>
-            </a:lvl7pPr>
-            <a:lvl8pPr marL="2903083" algn="l" defTabSz="829452" rtl="0" eaLnBrk="1" latinLnBrk="0" hangingPunct="1">
-              <a:defRPr kern="1200">
-                <a:solidFill>
-                  <a:schemeClr val="tx1"/>
-                </a:solidFill>
-                <a:latin typeface="Arial" panose="020B0604020202020204" pitchFamily="34" charset="0"/>
-                <a:ea typeface="Microsoft YaHei" panose="020B0503020204020204" pitchFamily="34" charset="-122"/>
-                <a:cs typeface="+mn-cs"/>
-              </a:defRPr>
-            </a:lvl8pPr>
-            <a:lvl9pPr marL="3317809" algn="l" defTabSz="829452" rtl="0" eaLnBrk="1" latinLnBrk="0" hangingPunct="1">
-              <a:defRPr kern="1200">
-                <a:solidFill>
-                  <a:schemeClr val="tx1"/>
-                </a:solidFill>
-                <a:latin typeface="Arial" panose="020B0604020202020204" pitchFamily="34" charset="0"/>
-                <a:ea typeface="Microsoft YaHei" panose="020B0503020204020204" pitchFamily="34" charset="-122"/>
-                <a:cs typeface="+mn-cs"/>
-              </a:defRPr>
-            </a:lvl9pPr>
-          </a:lstStyle>
-          <a:p>
-            <a:pPr marL="391686" indent="-293764" eaLnBrk="1">
-              <a:buSzPct val="45000"/>
-              <a:buFont typeface="Wingdings" panose="05000000000000000000" pitchFamily="2" charset="2"/>
-              <a:buChar char=""/>
-              <a:tabLst>
-                <a:tab pos="407526" algn="l"/>
-                <a:tab pos="815052" algn="l"/>
-                <a:tab pos="1222578" algn="l"/>
-                <a:tab pos="1630104" algn="l"/>
-                <a:tab pos="2037631" algn="l"/>
-                <a:tab pos="2445156" algn="l"/>
-                <a:tab pos="2852683" algn="l"/>
-                <a:tab pos="3260208" algn="l"/>
-                <a:tab pos="3667735" algn="l"/>
-                <a:tab pos="4075260" algn="l"/>
-                <a:tab pos="4482787" algn="l"/>
-                <a:tab pos="4890312" algn="l"/>
-                <a:tab pos="5297839" algn="l"/>
-                <a:tab pos="5705364" algn="l"/>
-                <a:tab pos="6112891" algn="l"/>
-                <a:tab pos="6520416" algn="l"/>
-                <a:tab pos="6927943" algn="l"/>
-                <a:tab pos="7335468" algn="l"/>
-                <a:tab pos="7742995" algn="l"/>
-                <a:tab pos="8150520" algn="l"/>
-              </a:tabLst>
-            </a:pPr>
-            <a:r>
-              <a:rPr lang="de-DE" altLang="de-DE"/>
-              <a:t>Unsere Entscheidung: Kostenorientierte Preispolitik</a:t>
-            </a:r>
-          </a:p>
-          <a:p>
-            <a:pPr marL="391686" indent="-293764" eaLnBrk="1">
-              <a:buSzPct val="45000"/>
-              <a:buFont typeface="Wingdings" panose="05000000000000000000" pitchFamily="2" charset="2"/>
-              <a:buChar char=""/>
-              <a:tabLst>
-                <a:tab pos="407526" algn="l"/>
-                <a:tab pos="815052" algn="l"/>
-                <a:tab pos="1222578" algn="l"/>
-                <a:tab pos="1630104" algn="l"/>
-                <a:tab pos="2037631" algn="l"/>
-                <a:tab pos="2445156" algn="l"/>
-                <a:tab pos="2852683" algn="l"/>
-                <a:tab pos="3260208" algn="l"/>
-                <a:tab pos="3667735" algn="l"/>
-                <a:tab pos="4075260" algn="l"/>
-                <a:tab pos="4482787" algn="l"/>
-                <a:tab pos="4890312" algn="l"/>
-                <a:tab pos="5297839" algn="l"/>
-                <a:tab pos="5705364" algn="l"/>
-                <a:tab pos="6112891" algn="l"/>
-                <a:tab pos="6520416" algn="l"/>
-                <a:tab pos="6927943" algn="l"/>
-                <a:tab pos="7335468" algn="l"/>
-                <a:tab pos="7742995" algn="l"/>
-                <a:tab pos="8150520" algn="l"/>
-              </a:tabLst>
-            </a:pPr>
-            <a:r>
-              <a:rPr lang="de-DE" altLang="de-DE"/>
-              <a:t>Grund: </a:t>
-            </a:r>
-          </a:p>
-          <a:p>
-            <a:pPr marL="783372" lvl="1" indent="-293764" eaLnBrk="1">
-              <a:buSzPct val="75000"/>
-              <a:buFont typeface="Symbol" panose="05050102010706020507" pitchFamily="18" charset="2"/>
-              <a:buChar char=""/>
-              <a:tabLst>
-                <a:tab pos="407526" algn="l"/>
-                <a:tab pos="815052" algn="l"/>
-                <a:tab pos="1222578" algn="l"/>
-                <a:tab pos="1630104" algn="l"/>
-                <a:tab pos="2037631" algn="l"/>
-                <a:tab pos="2445156" algn="l"/>
-                <a:tab pos="2852683" algn="l"/>
-                <a:tab pos="3260208" algn="l"/>
-                <a:tab pos="3667735" algn="l"/>
-                <a:tab pos="4075260" algn="l"/>
-                <a:tab pos="4482787" algn="l"/>
-                <a:tab pos="4890312" algn="l"/>
-                <a:tab pos="5297839" algn="l"/>
-                <a:tab pos="5705364" algn="l"/>
-                <a:tab pos="6112891" algn="l"/>
-                <a:tab pos="6520416" algn="l"/>
-                <a:tab pos="6927943" algn="l"/>
-                <a:tab pos="7335468" algn="l"/>
-                <a:tab pos="7742995" algn="l"/>
-                <a:tab pos="8150520" algn="l"/>
-              </a:tabLst>
-            </a:pPr>
-            <a:r>
-              <a:rPr lang="de-DE" altLang="de-DE"/>
-              <a:t>Nicht an die Konkurrenz halten</a:t>
-            </a:r>
-          </a:p>
-          <a:p>
-            <a:pPr marL="783372" lvl="1" indent="-293764" eaLnBrk="1">
-              <a:buSzPct val="75000"/>
-              <a:buFont typeface="Symbol" panose="05050102010706020507" pitchFamily="18" charset="2"/>
-              <a:buChar char=""/>
-              <a:tabLst>
-                <a:tab pos="407526" algn="l"/>
-                <a:tab pos="815052" algn="l"/>
-                <a:tab pos="1222578" algn="l"/>
-                <a:tab pos="1630104" algn="l"/>
-                <a:tab pos="2037631" algn="l"/>
-                <a:tab pos="2445156" algn="l"/>
-                <a:tab pos="2852683" algn="l"/>
-                <a:tab pos="3260208" algn="l"/>
-                <a:tab pos="3667735" algn="l"/>
-                <a:tab pos="4075260" algn="l"/>
-                <a:tab pos="4482787" algn="l"/>
-                <a:tab pos="4890312" algn="l"/>
-                <a:tab pos="5297839" algn="l"/>
-                <a:tab pos="5705364" algn="l"/>
-                <a:tab pos="6112891" algn="l"/>
-                <a:tab pos="6520416" algn="l"/>
-                <a:tab pos="6927943" algn="l"/>
-                <a:tab pos="7335468" algn="l"/>
-                <a:tab pos="7742995" algn="l"/>
-                <a:tab pos="8150520" algn="l"/>
-              </a:tabLst>
-            </a:pPr>
-            <a:r>
-              <a:rPr lang="de-DE" altLang="de-DE"/>
-              <a:t>Günstig verkaufen</a:t>
-            </a:r>
-          </a:p>
-          <a:p>
-            <a:pPr marL="783372" lvl="1" indent="-293764" eaLnBrk="1">
-              <a:buSzPct val="75000"/>
-              <a:buFont typeface="Symbol" panose="05050102010706020507" pitchFamily="18" charset="2"/>
-              <a:buChar char=""/>
-              <a:tabLst>
-                <a:tab pos="407526" algn="l"/>
-                <a:tab pos="815052" algn="l"/>
-                <a:tab pos="1222578" algn="l"/>
-                <a:tab pos="1630104" algn="l"/>
-                <a:tab pos="2037631" algn="l"/>
-                <a:tab pos="2445156" algn="l"/>
-                <a:tab pos="2852683" algn="l"/>
-                <a:tab pos="3260208" algn="l"/>
-                <a:tab pos="3667735" algn="l"/>
-                <a:tab pos="4075260" algn="l"/>
-                <a:tab pos="4482787" algn="l"/>
-                <a:tab pos="4890312" algn="l"/>
-                <a:tab pos="5297839" algn="l"/>
-                <a:tab pos="5705364" algn="l"/>
-                <a:tab pos="6112891" algn="l"/>
-                <a:tab pos="6520416" algn="l"/>
-                <a:tab pos="6927943" algn="l"/>
-                <a:tab pos="7335468" algn="l"/>
-                <a:tab pos="7742995" algn="l"/>
-                <a:tab pos="8150520" algn="l"/>
-              </a:tabLst>
-            </a:pPr>
-            <a:r>
-              <a:rPr lang="de-DE" altLang="de-DE"/>
-              <a:t>Preise in einem bestimmten Zeitraum erhöhen</a:t>
-            </a:r>
-          </a:p>
-          <a:p>
-            <a:pPr marL="783372" lvl="1" indent="-293764" eaLnBrk="1">
-              <a:buSzPct val="75000"/>
-              <a:buFont typeface="Symbol" panose="05050102010706020507" pitchFamily="18" charset="2"/>
-              <a:buChar char=""/>
-              <a:tabLst>
-                <a:tab pos="407526" algn="l"/>
-                <a:tab pos="815052" algn="l"/>
-                <a:tab pos="1222578" algn="l"/>
-                <a:tab pos="1630104" algn="l"/>
-                <a:tab pos="2037631" algn="l"/>
-                <a:tab pos="2445156" algn="l"/>
-                <a:tab pos="2852683" algn="l"/>
-                <a:tab pos="3260208" algn="l"/>
-                <a:tab pos="3667735" algn="l"/>
-                <a:tab pos="4075260" algn="l"/>
-                <a:tab pos="4482787" algn="l"/>
-                <a:tab pos="4890312" algn="l"/>
-                <a:tab pos="5297839" algn="l"/>
-                <a:tab pos="5705364" algn="l"/>
-                <a:tab pos="6112891" algn="l"/>
-                <a:tab pos="6520416" algn="l"/>
-                <a:tab pos="6927943" algn="l"/>
-                <a:tab pos="7335468" algn="l"/>
-                <a:tab pos="7742995" algn="l"/>
-                <a:tab pos="8150520" algn="l"/>
-              </a:tabLst>
-            </a:pPr>
-            <a:r>
-              <a:rPr lang="de-DE" altLang="de-DE"/>
-              <a:t>Sonderangebote gewähren</a:t>
-            </a:r>
-          </a:p>
-        </p:txBody>
-      </p:sp>
-    </p:spTree>
-    <p:extLst>
-      <p:ext uri="{BB962C8B-B14F-4D97-AF65-F5344CB8AC3E}">
-        <p14:creationId xmlns:p14="http://schemas.microsoft.com/office/powerpoint/2010/main" val="1993338052"/>
-      </p:ext>
-    </p:extLst>
-  </p:cSld>
-  <p:clrMapOvr>
-    <a:masterClrMapping/>
-  </p:clrMapOvr>
-  <p:transition spd="med"/>
-  <p:timing>
-    <p:tnLst>
-      <p:par>
-        <p:cTn id="1" dur="indefinite" restart="never" nodeType="tmRoot">
-          <p:childTnLst>
-            <p:seq concurrent="1" nextAc="seek">
-              <p:cTn id="2" dur="0" nodeType="mainSeq"/>
-              <p:prevCondLst>
-                <p:cond evt="onPrev" delay="0">
-                  <p:tgtEl>
-                    <p:sldTgt/>
-                  </p:tgtEl>
-                </p:cond>
-              </p:prevCondLst>
-              <p:nextCondLst>
-                <p:cond evt="onNext" delay="0">
-                  <p:tgtEl>
-                    <p:sldTgt/>
-                  </p:tgtEl>
-                </p:cond>
-              </p:nextCondLst>
-            </p:seq>
-          </p:childTnLst>
-        </p:cTn>
-      </p:par>
-    </p:tnLst>
-  </p:timing>
-</p:sld>
-</file>
-
-<file path=ppt/slides/slide13.xml><?xml version="1.0" encoding="utf-8"?>
-<p:sld xmlns:a="http://schemas.openxmlformats.org/drawingml/2006/main" xmlns:r="http://schemas.openxmlformats.org/officeDocument/2006/relationships" xmlns:p="http://schemas.openxmlformats.org/presentationml/2006/main">
-  <p:cSld>
-    <p:spTree>
-      <p:nvGrpSpPr>
-        <p:cNvPr id="1" name=""/>
-        <p:cNvGrpSpPr/>
-        <p:nvPr/>
-      </p:nvGrpSpPr>
-      <p:grpSpPr>
-        <a:xfrm>
-          <a:off x="0" y="0"/>
-          <a:ext cx="0" cy="0"/>
-          <a:chOff x="0" y="0"/>
-          <a:chExt cx="0" cy="0"/>
-        </a:xfrm>
-      </p:grpSpPr>
-      <p:sp>
-        <p:nvSpPr>
-          <p:cNvPr id="7170" name="Rectangle 1">
-            <a:extLst>
-              <a:ext uri="{FF2B5EF4-FFF2-40B4-BE49-F238E27FC236}">
-                <a16:creationId xmlns:a16="http://schemas.microsoft.com/office/drawing/2014/main" id="{F8387E9A-E965-4920-A612-264B3730A83F}"/>
-              </a:ext>
-            </a:extLst>
-          </p:cNvPr>
-          <p:cNvSpPr>
-            <a:spLocks noGrp="1" noChangeArrowheads="1"/>
-          </p:cNvSpPr>
-          <p:nvPr>
-            <p:ph type="title"/>
-          </p:nvPr>
-        </p:nvSpPr>
-        <p:spPr>
-          <a:xfrm>
-            <a:off x="456481" y="273961"/>
-            <a:ext cx="8228160" cy="1144800"/>
-          </a:xfrm>
-        </p:spPr>
-        <p:txBody>
-          <a:bodyPr tIns="35482"/>
-          <a:lstStyle>
-            <a:defPPr>
-              <a:defRPr lang="en-GB"/>
-            </a:defPPr>
-            <a:lvl1pPr algn="l" defTabSz="407526" rtl="0" eaLnBrk="0" fontAlgn="base" hangingPunct="0">
-              <a:spcBef>
-                <a:spcPct val="0"/>
-              </a:spcBef>
-              <a:spcAft>
-                <a:spcPct val="0"/>
-              </a:spcAft>
-              <a:defRPr kern="1200">
-                <a:solidFill>
-                  <a:schemeClr val="tx1"/>
-                </a:solidFill>
-                <a:latin typeface="Arial" panose="020B0604020202020204" pitchFamily="34" charset="0"/>
-                <a:ea typeface="Microsoft YaHei" panose="020B0503020204020204" pitchFamily="34" charset="-122"/>
-                <a:cs typeface="+mn-cs"/>
-              </a:defRPr>
-            </a:lvl1pPr>
-            <a:lvl2pPr marL="673930" indent="-259204" algn="l" defTabSz="407526" rtl="0" eaLnBrk="0" fontAlgn="base" hangingPunct="0">
-              <a:spcBef>
-                <a:spcPct val="0"/>
-              </a:spcBef>
-              <a:spcAft>
-                <a:spcPct val="0"/>
-              </a:spcAft>
-              <a:defRPr kern="1200">
-                <a:solidFill>
-                  <a:schemeClr val="tx1"/>
-                </a:solidFill>
-                <a:latin typeface="Arial" panose="020B0604020202020204" pitchFamily="34" charset="0"/>
-                <a:ea typeface="Microsoft YaHei" panose="020B0503020204020204" pitchFamily="34" charset="-122"/>
-                <a:cs typeface="+mn-cs"/>
-              </a:defRPr>
-            </a:lvl2pPr>
-            <a:lvl3pPr marL="1036815" indent="-207363" algn="l" defTabSz="407526" rtl="0" eaLnBrk="0" fontAlgn="base" hangingPunct="0">
-              <a:spcBef>
-                <a:spcPct val="0"/>
-              </a:spcBef>
-              <a:spcAft>
-                <a:spcPct val="0"/>
-              </a:spcAft>
-              <a:defRPr kern="1200">
-                <a:solidFill>
-                  <a:schemeClr val="tx1"/>
-                </a:solidFill>
-                <a:latin typeface="Arial" panose="020B0604020202020204" pitchFamily="34" charset="0"/>
-                <a:ea typeface="Microsoft YaHei" panose="020B0503020204020204" pitchFamily="34" charset="-122"/>
-                <a:cs typeface="+mn-cs"/>
-              </a:defRPr>
-            </a:lvl3pPr>
-            <a:lvl4pPr marL="1451541" indent="-207363" algn="l" defTabSz="407526" rtl="0" eaLnBrk="0" fontAlgn="base" hangingPunct="0">
-              <a:spcBef>
-                <a:spcPct val="0"/>
-              </a:spcBef>
-              <a:spcAft>
-                <a:spcPct val="0"/>
-              </a:spcAft>
-              <a:defRPr kern="1200">
-                <a:solidFill>
-                  <a:schemeClr val="tx1"/>
-                </a:solidFill>
-                <a:latin typeface="Arial" panose="020B0604020202020204" pitchFamily="34" charset="0"/>
-                <a:ea typeface="Microsoft YaHei" panose="020B0503020204020204" pitchFamily="34" charset="-122"/>
-                <a:cs typeface="+mn-cs"/>
-              </a:defRPr>
-            </a:lvl4pPr>
-            <a:lvl5pPr marL="1866268" indent="-207363" algn="l" defTabSz="407526" rtl="0" eaLnBrk="0" fontAlgn="base" hangingPunct="0">
-              <a:spcBef>
-                <a:spcPct val="0"/>
-              </a:spcBef>
-              <a:spcAft>
-                <a:spcPct val="0"/>
-              </a:spcAft>
-              <a:defRPr kern="1200">
-                <a:solidFill>
-                  <a:schemeClr val="tx1"/>
-                </a:solidFill>
-                <a:latin typeface="Arial" panose="020B0604020202020204" pitchFamily="34" charset="0"/>
-                <a:ea typeface="Microsoft YaHei" panose="020B0503020204020204" pitchFamily="34" charset="-122"/>
-                <a:cs typeface="+mn-cs"/>
-              </a:defRPr>
-            </a:lvl5pPr>
-            <a:lvl6pPr marL="2073631" algn="l" defTabSz="829452" rtl="0" eaLnBrk="1" latinLnBrk="0" hangingPunct="1">
-              <a:defRPr kern="1200">
-                <a:solidFill>
-                  <a:schemeClr val="tx1"/>
-                </a:solidFill>
-                <a:latin typeface="Arial" panose="020B0604020202020204" pitchFamily="34" charset="0"/>
-                <a:ea typeface="Microsoft YaHei" panose="020B0503020204020204" pitchFamily="34" charset="-122"/>
-                <a:cs typeface="+mn-cs"/>
-              </a:defRPr>
-            </a:lvl6pPr>
-            <a:lvl7pPr marL="2488357" algn="l" defTabSz="829452" rtl="0" eaLnBrk="1" latinLnBrk="0" hangingPunct="1">
-              <a:defRPr kern="1200">
-                <a:solidFill>
-                  <a:schemeClr val="tx1"/>
-                </a:solidFill>
-                <a:latin typeface="Arial" panose="020B0604020202020204" pitchFamily="34" charset="0"/>
-                <a:ea typeface="Microsoft YaHei" panose="020B0503020204020204" pitchFamily="34" charset="-122"/>
-                <a:cs typeface="+mn-cs"/>
-              </a:defRPr>
-            </a:lvl7pPr>
-            <a:lvl8pPr marL="2903083" algn="l" defTabSz="829452" rtl="0" eaLnBrk="1" latinLnBrk="0" hangingPunct="1">
-              <a:defRPr kern="1200">
-                <a:solidFill>
-                  <a:schemeClr val="tx1"/>
-                </a:solidFill>
-                <a:latin typeface="Arial" panose="020B0604020202020204" pitchFamily="34" charset="0"/>
-                <a:ea typeface="Microsoft YaHei" panose="020B0503020204020204" pitchFamily="34" charset="-122"/>
-                <a:cs typeface="+mn-cs"/>
-              </a:defRPr>
-            </a:lvl8pPr>
-            <a:lvl9pPr marL="3317809" algn="l" defTabSz="829452" rtl="0" eaLnBrk="1" latinLnBrk="0" hangingPunct="1">
-              <a:defRPr kern="1200">
-                <a:solidFill>
-                  <a:schemeClr val="tx1"/>
-                </a:solidFill>
-                <a:latin typeface="Arial" panose="020B0604020202020204" pitchFamily="34" charset="0"/>
-                <a:ea typeface="Microsoft YaHei" panose="020B0503020204020204" pitchFamily="34" charset="-122"/>
-                <a:cs typeface="+mn-cs"/>
-              </a:defRPr>
-            </a:lvl9pPr>
-          </a:lstStyle>
-          <a:p>
-            <a:pPr eaLnBrk="1">
-              <a:tabLst>
-                <a:tab pos="407526" algn="l"/>
-                <a:tab pos="815052" algn="l"/>
-                <a:tab pos="1222578" algn="l"/>
-                <a:tab pos="1630104" algn="l"/>
-                <a:tab pos="2037631" algn="l"/>
-                <a:tab pos="2445156" algn="l"/>
-                <a:tab pos="2852683" algn="l"/>
-                <a:tab pos="3260208" algn="l"/>
-                <a:tab pos="3667735" algn="l"/>
-                <a:tab pos="4075260" algn="l"/>
-                <a:tab pos="4482787" algn="l"/>
-                <a:tab pos="4890312" algn="l"/>
-                <a:tab pos="5297839" algn="l"/>
-                <a:tab pos="5705364" algn="l"/>
-                <a:tab pos="6112891" algn="l"/>
-                <a:tab pos="6520416" algn="l"/>
-                <a:tab pos="6927943" algn="l"/>
-                <a:tab pos="7335468" algn="l"/>
-                <a:tab pos="7742995" algn="l"/>
-                <a:tab pos="8150520" algn="l"/>
-              </a:tabLst>
-            </a:pPr>
-            <a:r>
-              <a:rPr lang="de-DE" altLang="de-DE" dirty="0"/>
-              <a:t> Preisstrategie</a:t>
-            </a:r>
-          </a:p>
-        </p:txBody>
-      </p:sp>
-      <p:sp>
-        <p:nvSpPr>
-          <p:cNvPr id="7171" name="Rectangle 2">
-            <a:extLst>
-              <a:ext uri="{FF2B5EF4-FFF2-40B4-BE49-F238E27FC236}">
-                <a16:creationId xmlns:a16="http://schemas.microsoft.com/office/drawing/2014/main" id="{29D4F1AF-6143-4969-9A25-11113DB57853}"/>
-              </a:ext>
-            </a:extLst>
-          </p:cNvPr>
-          <p:cNvSpPr>
-            <a:spLocks noGrp="1" noChangeArrowheads="1"/>
-          </p:cNvSpPr>
-          <p:nvPr>
-            <p:ph type="body" idx="1"/>
-          </p:nvPr>
-        </p:nvSpPr>
-        <p:spPr>
-          <a:xfrm>
-            <a:off x="456481" y="1604521"/>
-            <a:ext cx="8228160" cy="4525920"/>
-          </a:xfrm>
-        </p:spPr>
-        <p:txBody>
-          <a:bodyPr/>
-          <a:lstStyle>
-            <a:defPPr>
-              <a:defRPr lang="en-GB"/>
-            </a:defPPr>
-            <a:lvl1pPr algn="l" defTabSz="407526" rtl="0" eaLnBrk="0" fontAlgn="base" hangingPunct="0">
-              <a:spcBef>
-                <a:spcPct val="0"/>
-              </a:spcBef>
-              <a:spcAft>
-                <a:spcPct val="0"/>
-              </a:spcAft>
-              <a:defRPr kern="1200">
-                <a:solidFill>
-                  <a:schemeClr val="tx1"/>
-                </a:solidFill>
-                <a:latin typeface="Arial" panose="020B0604020202020204" pitchFamily="34" charset="0"/>
-                <a:ea typeface="Microsoft YaHei" panose="020B0503020204020204" pitchFamily="34" charset="-122"/>
-                <a:cs typeface="+mn-cs"/>
-              </a:defRPr>
-            </a:lvl1pPr>
-            <a:lvl2pPr marL="673930" indent="-259204" algn="l" defTabSz="407526" rtl="0" eaLnBrk="0" fontAlgn="base" hangingPunct="0">
-              <a:spcBef>
-                <a:spcPct val="0"/>
-              </a:spcBef>
-              <a:spcAft>
-                <a:spcPct val="0"/>
-              </a:spcAft>
-              <a:defRPr kern="1200">
-                <a:solidFill>
-                  <a:schemeClr val="tx1"/>
-                </a:solidFill>
-                <a:latin typeface="Arial" panose="020B0604020202020204" pitchFamily="34" charset="0"/>
-                <a:ea typeface="Microsoft YaHei" panose="020B0503020204020204" pitchFamily="34" charset="-122"/>
-                <a:cs typeface="+mn-cs"/>
-              </a:defRPr>
-            </a:lvl2pPr>
-            <a:lvl3pPr marL="1036815" indent="-207363" algn="l" defTabSz="407526" rtl="0" eaLnBrk="0" fontAlgn="base" hangingPunct="0">
-              <a:spcBef>
-                <a:spcPct val="0"/>
-              </a:spcBef>
-              <a:spcAft>
-                <a:spcPct val="0"/>
-              </a:spcAft>
-              <a:defRPr kern="1200">
-                <a:solidFill>
-                  <a:schemeClr val="tx1"/>
-                </a:solidFill>
-                <a:latin typeface="Arial" panose="020B0604020202020204" pitchFamily="34" charset="0"/>
-                <a:ea typeface="Microsoft YaHei" panose="020B0503020204020204" pitchFamily="34" charset="-122"/>
-                <a:cs typeface="+mn-cs"/>
-              </a:defRPr>
-            </a:lvl3pPr>
-            <a:lvl4pPr marL="1451541" indent="-207363" algn="l" defTabSz="407526" rtl="0" eaLnBrk="0" fontAlgn="base" hangingPunct="0">
-              <a:spcBef>
-                <a:spcPct val="0"/>
-              </a:spcBef>
-              <a:spcAft>
-                <a:spcPct val="0"/>
-              </a:spcAft>
-              <a:defRPr kern="1200">
-                <a:solidFill>
-                  <a:schemeClr val="tx1"/>
-                </a:solidFill>
-                <a:latin typeface="Arial" panose="020B0604020202020204" pitchFamily="34" charset="0"/>
-                <a:ea typeface="Microsoft YaHei" panose="020B0503020204020204" pitchFamily="34" charset="-122"/>
-                <a:cs typeface="+mn-cs"/>
-              </a:defRPr>
-            </a:lvl4pPr>
-            <a:lvl5pPr marL="1866268" indent="-207363" algn="l" defTabSz="407526" rtl="0" eaLnBrk="0" fontAlgn="base" hangingPunct="0">
-              <a:spcBef>
-                <a:spcPct val="0"/>
-              </a:spcBef>
-              <a:spcAft>
-                <a:spcPct val="0"/>
-              </a:spcAft>
-              <a:defRPr kern="1200">
-                <a:solidFill>
-                  <a:schemeClr val="tx1"/>
-                </a:solidFill>
-                <a:latin typeface="Arial" panose="020B0604020202020204" pitchFamily="34" charset="0"/>
-                <a:ea typeface="Microsoft YaHei" panose="020B0503020204020204" pitchFamily="34" charset="-122"/>
-                <a:cs typeface="+mn-cs"/>
-              </a:defRPr>
-            </a:lvl5pPr>
-            <a:lvl6pPr marL="2073631" algn="l" defTabSz="829452" rtl="0" eaLnBrk="1" latinLnBrk="0" hangingPunct="1">
-              <a:defRPr kern="1200">
-                <a:solidFill>
-                  <a:schemeClr val="tx1"/>
-                </a:solidFill>
-                <a:latin typeface="Arial" panose="020B0604020202020204" pitchFamily="34" charset="0"/>
-                <a:ea typeface="Microsoft YaHei" panose="020B0503020204020204" pitchFamily="34" charset="-122"/>
-                <a:cs typeface="+mn-cs"/>
-              </a:defRPr>
-            </a:lvl6pPr>
-            <a:lvl7pPr marL="2488357" algn="l" defTabSz="829452" rtl="0" eaLnBrk="1" latinLnBrk="0" hangingPunct="1">
-              <a:defRPr kern="1200">
-                <a:solidFill>
-                  <a:schemeClr val="tx1"/>
-                </a:solidFill>
-                <a:latin typeface="Arial" panose="020B0604020202020204" pitchFamily="34" charset="0"/>
-                <a:ea typeface="Microsoft YaHei" panose="020B0503020204020204" pitchFamily="34" charset="-122"/>
-                <a:cs typeface="+mn-cs"/>
-              </a:defRPr>
-            </a:lvl7pPr>
-            <a:lvl8pPr marL="2903083" algn="l" defTabSz="829452" rtl="0" eaLnBrk="1" latinLnBrk="0" hangingPunct="1">
-              <a:defRPr kern="1200">
-                <a:solidFill>
-                  <a:schemeClr val="tx1"/>
-                </a:solidFill>
-                <a:latin typeface="Arial" panose="020B0604020202020204" pitchFamily="34" charset="0"/>
-                <a:ea typeface="Microsoft YaHei" panose="020B0503020204020204" pitchFamily="34" charset="-122"/>
-                <a:cs typeface="+mn-cs"/>
-              </a:defRPr>
-            </a:lvl8pPr>
-            <a:lvl9pPr marL="3317809" algn="l" defTabSz="829452" rtl="0" eaLnBrk="1" latinLnBrk="0" hangingPunct="1">
-              <a:defRPr kern="1200">
-                <a:solidFill>
-                  <a:schemeClr val="tx1"/>
-                </a:solidFill>
-                <a:latin typeface="Arial" panose="020B0604020202020204" pitchFamily="34" charset="0"/>
-                <a:ea typeface="Microsoft YaHei" panose="020B0503020204020204" pitchFamily="34" charset="-122"/>
-                <a:cs typeface="+mn-cs"/>
-              </a:defRPr>
-            </a:lvl9pPr>
-          </a:lstStyle>
-          <a:p>
-            <a:pPr marL="391686" indent="-293764" eaLnBrk="1">
-              <a:buSzPct val="45000"/>
-              <a:buFont typeface="Wingdings" panose="05000000000000000000" pitchFamily="2" charset="2"/>
-              <a:buChar char=""/>
-              <a:tabLst>
-                <a:tab pos="407526" algn="l"/>
-                <a:tab pos="815052" algn="l"/>
-                <a:tab pos="1222578" algn="l"/>
-                <a:tab pos="1630104" algn="l"/>
-                <a:tab pos="2037631" algn="l"/>
-                <a:tab pos="2445156" algn="l"/>
-                <a:tab pos="2852683" algn="l"/>
-                <a:tab pos="3260208" algn="l"/>
-                <a:tab pos="3667735" algn="l"/>
-                <a:tab pos="4075260" algn="l"/>
-                <a:tab pos="4482787" algn="l"/>
-                <a:tab pos="4890312" algn="l"/>
-                <a:tab pos="5297839" algn="l"/>
-                <a:tab pos="5705364" algn="l"/>
-                <a:tab pos="6112891" algn="l"/>
-                <a:tab pos="6520416" algn="l"/>
-                <a:tab pos="6927943" algn="l"/>
-                <a:tab pos="7335468" algn="l"/>
-                <a:tab pos="7742995" algn="l"/>
-                <a:tab pos="8150520" algn="l"/>
-              </a:tabLst>
-            </a:pPr>
-            <a:r>
-              <a:rPr lang="de-DE" altLang="de-DE"/>
-              <a:t>Unsere Entscheidung: Festpreisstrategie</a:t>
-            </a:r>
-          </a:p>
-          <a:p>
-            <a:pPr marL="391686" indent="-293764" eaLnBrk="1">
-              <a:buSzPct val="45000"/>
-              <a:buFont typeface="Wingdings" panose="05000000000000000000" pitchFamily="2" charset="2"/>
-              <a:buChar char=""/>
-              <a:tabLst>
-                <a:tab pos="407526" algn="l"/>
-                <a:tab pos="815052" algn="l"/>
-                <a:tab pos="1222578" algn="l"/>
-                <a:tab pos="1630104" algn="l"/>
-                <a:tab pos="2037631" algn="l"/>
-                <a:tab pos="2445156" algn="l"/>
-                <a:tab pos="2852683" algn="l"/>
-                <a:tab pos="3260208" algn="l"/>
-                <a:tab pos="3667735" algn="l"/>
-                <a:tab pos="4075260" algn="l"/>
-                <a:tab pos="4482787" algn="l"/>
-                <a:tab pos="4890312" algn="l"/>
-                <a:tab pos="5297839" algn="l"/>
-                <a:tab pos="5705364" algn="l"/>
-                <a:tab pos="6112891" algn="l"/>
-                <a:tab pos="6520416" algn="l"/>
-                <a:tab pos="6927943" algn="l"/>
-                <a:tab pos="7335468" algn="l"/>
-                <a:tab pos="7742995" algn="l"/>
-                <a:tab pos="8150520" algn="l"/>
-              </a:tabLst>
-            </a:pPr>
-            <a:r>
-              <a:rPr lang="de-DE" altLang="de-DE"/>
-              <a:t>Grund:</a:t>
-            </a:r>
-          </a:p>
-          <a:p>
-            <a:pPr marL="783372" lvl="1" indent="-293764" eaLnBrk="1">
-              <a:buSzPct val="75000"/>
-              <a:buFont typeface="Symbol" panose="05050102010706020507" pitchFamily="18" charset="2"/>
-              <a:buChar char=""/>
-              <a:tabLst>
-                <a:tab pos="407526" algn="l"/>
-                <a:tab pos="815052" algn="l"/>
-                <a:tab pos="1222578" algn="l"/>
-                <a:tab pos="1630104" algn="l"/>
-                <a:tab pos="2037631" algn="l"/>
-                <a:tab pos="2445156" algn="l"/>
-                <a:tab pos="2852683" algn="l"/>
-                <a:tab pos="3260208" algn="l"/>
-                <a:tab pos="3667735" algn="l"/>
-                <a:tab pos="4075260" algn="l"/>
-                <a:tab pos="4482787" algn="l"/>
-                <a:tab pos="4890312" algn="l"/>
-                <a:tab pos="5297839" algn="l"/>
-                <a:tab pos="5705364" algn="l"/>
-                <a:tab pos="6112891" algn="l"/>
-                <a:tab pos="6520416" algn="l"/>
-                <a:tab pos="6927943" algn="l"/>
-                <a:tab pos="7335468" algn="l"/>
-                <a:tab pos="7742995" algn="l"/>
-                <a:tab pos="8150520" algn="l"/>
-              </a:tabLst>
-            </a:pPr>
-            <a:r>
-              <a:rPr lang="de-DE" altLang="de-DE"/>
-              <a:t>Produkt zu einem festen Preis anbieten</a:t>
-            </a:r>
-          </a:p>
-          <a:p>
-            <a:pPr marL="783372" lvl="1" indent="-293764" eaLnBrk="1">
-              <a:buSzPct val="75000"/>
-              <a:buFont typeface="Symbol" panose="05050102010706020507" pitchFamily="18" charset="2"/>
-              <a:buChar char=""/>
-              <a:tabLst>
-                <a:tab pos="407526" algn="l"/>
-                <a:tab pos="815052" algn="l"/>
-                <a:tab pos="1222578" algn="l"/>
-                <a:tab pos="1630104" algn="l"/>
-                <a:tab pos="2037631" algn="l"/>
-                <a:tab pos="2445156" algn="l"/>
-                <a:tab pos="2852683" algn="l"/>
-                <a:tab pos="3260208" algn="l"/>
-                <a:tab pos="3667735" algn="l"/>
-                <a:tab pos="4075260" algn="l"/>
-                <a:tab pos="4482787" algn="l"/>
-                <a:tab pos="4890312" algn="l"/>
-                <a:tab pos="5297839" algn="l"/>
-                <a:tab pos="5705364" algn="l"/>
-                <a:tab pos="6112891" algn="l"/>
-                <a:tab pos="6520416" algn="l"/>
-                <a:tab pos="6927943" algn="l"/>
-                <a:tab pos="7335468" algn="l"/>
-                <a:tab pos="7742995" algn="l"/>
-                <a:tab pos="8150520" algn="l"/>
-              </a:tabLst>
-            </a:pPr>
-            <a:r>
-              <a:rPr lang="de-DE" altLang="de-DE"/>
-              <a:t>Trotzdem in bestimmten Zeiträumen dynamische Preise festlegen</a:t>
-            </a:r>
-          </a:p>
-        </p:txBody>
-      </p:sp>
-    </p:spTree>
-    <p:extLst>
-      <p:ext uri="{BB962C8B-B14F-4D97-AF65-F5344CB8AC3E}">
-        <p14:creationId xmlns:p14="http://schemas.microsoft.com/office/powerpoint/2010/main" val="549178328"/>
       </p:ext>
     </p:extLst>
   </p:cSld>
@@ -7159,10 +6237,10 @@
       </p:grpSpPr>
       <p:sp>
         <p:nvSpPr>
-          <p:cNvPr id="9218" name="Rectangle 1">
+          <p:cNvPr id="5122" name="Rectangle 1">
             <a:extLst>
               <a:ext uri="{FF2B5EF4-FFF2-40B4-BE49-F238E27FC236}">
-                <a16:creationId xmlns:a16="http://schemas.microsoft.com/office/drawing/2014/main" id="{55714F0E-42EB-4F6C-B335-76471DECFFF6}"/>
+                <a16:creationId xmlns:a16="http://schemas.microsoft.com/office/drawing/2014/main" id="{8B9171E1-FD77-492C-A9FE-767F6050CE4D}"/>
               </a:ext>
             </a:extLst>
           </p:cNvPr>
@@ -7333,17 +6411,17 @@
             </a:pPr>
             <a:r>
               <a:rPr lang="de-DE" altLang="de-DE"/>
-              <a:t>Kostenorientierte Preisfindung</a:t>
-            </a:r>
-          </a:p>
-        </p:txBody>
-      </p:sp>
-      <p:sp>
-        <p:nvSpPr>
-          <p:cNvPr id="9219" name="Rectangle 2">
+              <a:t>Arten der Preispolitik</a:t>
+            </a:r>
+          </a:p>
+        </p:txBody>
+      </p:sp>
+      <p:sp>
+        <p:nvSpPr>
+          <p:cNvPr id="5123" name="Rectangle 2">
             <a:extLst>
               <a:ext uri="{FF2B5EF4-FFF2-40B4-BE49-F238E27FC236}">
-                <a16:creationId xmlns:a16="http://schemas.microsoft.com/office/drawing/2014/main" id="{A7E19D42-FD23-4C24-870E-708443BDBF17}"/>
+                <a16:creationId xmlns:a16="http://schemas.microsoft.com/office/drawing/2014/main" id="{B79A376A-6AE5-4AD8-8652-A4F7AD0FD8FB}"/>
               </a:ext>
             </a:extLst>
           </p:cNvPr>
@@ -7356,8 +6434,8 @@
         </p:nvSpPr>
         <p:spPr>
           <a:xfrm>
-            <a:off x="260641" y="1604521"/>
-            <a:ext cx="4505760" cy="4525920"/>
+            <a:off x="456481" y="1604521"/>
+            <a:ext cx="8228160" cy="4525920"/>
           </a:xfrm>
         </p:spPr>
         <p:txBody>
@@ -7491,7 +6569,7 @@
             <a:pPr marL="391686" indent="-293764" eaLnBrk="1">
               <a:buSzPct val="45000"/>
               <a:buFont typeface="Wingdings" panose="05000000000000000000" pitchFamily="2" charset="2"/>
-              <a:buNone/>
+              <a:buChar char=""/>
               <a:tabLst>
                 <a:tab pos="407526" algn="l"/>
                 <a:tab pos="815052" algn="l"/>
@@ -7504,32 +6582,27 @@
                 <a:tab pos="3667735" algn="l"/>
                 <a:tab pos="4075260" algn="l"/>
                 <a:tab pos="4482787" algn="l"/>
+                <a:tab pos="4890312" algn="l"/>
+                <a:tab pos="5297839" algn="l"/>
+                <a:tab pos="5705364" algn="l"/>
+                <a:tab pos="6112891" algn="l"/>
+                <a:tab pos="6520416" algn="l"/>
+                <a:tab pos="6927943" algn="l"/>
+                <a:tab pos="7335468" algn="l"/>
+                <a:tab pos="7742995" algn="l"/>
+                <a:tab pos="8150520" algn="l"/>
               </a:tabLst>
             </a:pPr>
             <a:r>
               <a:rPr lang="de-DE" altLang="de-DE"/>
-              <a:t>   Fixkosten</a:t>
-            </a:r>
-            <a:br>
-              <a:rPr lang="de-DE" altLang="de-DE"/>
-            </a:br>
-            <a:r>
-              <a:rPr lang="de-DE" altLang="de-DE"/>
-              <a:t>+ ang. Gewinnaufschlag</a:t>
-            </a:r>
-            <a:br>
-              <a:rPr lang="de-DE" altLang="de-DE"/>
-            </a:br>
-            <a:r>
-              <a:rPr lang="de-DE" altLang="de-DE"/>
-              <a:t>+ Umsatzsteuer</a:t>
+              <a:t>Unsere Entscheidung: Kostenorientierte Preispolitik</a:t>
             </a:r>
           </a:p>
           <a:p>
             <a:pPr marL="391686" indent="-293764" eaLnBrk="1">
               <a:buSzPct val="45000"/>
               <a:buFont typeface="Wingdings" panose="05000000000000000000" pitchFamily="2" charset="2"/>
-              <a:buNone/>
+              <a:buChar char=""/>
               <a:tabLst>
                 <a:tab pos="407526" algn="l"/>
                 <a:tab pos="815052" algn="l"/>
@@ -7542,18 +6615,27 @@
                 <a:tab pos="3667735" algn="l"/>
                 <a:tab pos="4075260" algn="l"/>
                 <a:tab pos="4482787" algn="l"/>
+                <a:tab pos="4890312" algn="l"/>
+                <a:tab pos="5297839" algn="l"/>
+                <a:tab pos="5705364" algn="l"/>
+                <a:tab pos="6112891" algn="l"/>
+                <a:tab pos="6520416" algn="l"/>
+                <a:tab pos="6927943" algn="l"/>
+                <a:tab pos="7335468" algn="l"/>
+                <a:tab pos="7742995" algn="l"/>
+                <a:tab pos="8150520" algn="l"/>
               </a:tabLst>
             </a:pPr>
             <a:r>
               <a:rPr lang="de-DE" altLang="de-DE"/>
-              <a:t>________________</a:t>
-            </a:r>
-          </a:p>
-          <a:p>
-            <a:pPr marL="391686" indent="-293764" eaLnBrk="1">
-              <a:buSzPct val="45000"/>
-              <a:buFont typeface="Wingdings" panose="05000000000000000000" pitchFamily="2" charset="2"/>
-              <a:buNone/>
+              <a:t>Grund: </a:t>
+            </a:r>
+          </a:p>
+          <a:p>
+            <a:pPr marL="783372" lvl="1" indent="-293764" eaLnBrk="1">
+              <a:buSzPct val="75000"/>
+              <a:buFont typeface="Symbol" panose="05050102010706020507" pitchFamily="18" charset="2"/>
+              <a:buChar char=""/>
               <a:tabLst>
                 <a:tab pos="407526" algn="l"/>
                 <a:tab pos="815052" algn="l"/>
@@ -7566,169 +6648,27 @@
                 <a:tab pos="3667735" algn="l"/>
                 <a:tab pos="4075260" algn="l"/>
                 <a:tab pos="4482787" algn="l"/>
+                <a:tab pos="4890312" algn="l"/>
+                <a:tab pos="5297839" algn="l"/>
+                <a:tab pos="5705364" algn="l"/>
+                <a:tab pos="6112891" algn="l"/>
+                <a:tab pos="6520416" algn="l"/>
+                <a:tab pos="6927943" algn="l"/>
+                <a:tab pos="7335468" algn="l"/>
+                <a:tab pos="7742995" algn="l"/>
+                <a:tab pos="8150520" algn="l"/>
               </a:tabLst>
             </a:pPr>
             <a:r>
               <a:rPr lang="de-DE" altLang="de-DE"/>
-              <a:t>= Bruttoverkaufspreis</a:t>
-            </a:r>
-          </a:p>
-        </p:txBody>
-      </p:sp>
-      <p:sp>
-        <p:nvSpPr>
-          <p:cNvPr id="9220" name="Rectangle 3">
-            <a:extLst>
-              <a:ext uri="{FF2B5EF4-FFF2-40B4-BE49-F238E27FC236}">
-                <a16:creationId xmlns:a16="http://schemas.microsoft.com/office/drawing/2014/main" id="{51E3F982-BD21-4394-8850-CD21CD1FB366}"/>
-              </a:ext>
-            </a:extLst>
-          </p:cNvPr>
-          <p:cNvSpPr>
-            <a:spLocks noGrp="1" noChangeArrowheads="1"/>
-          </p:cNvSpPr>
-          <p:nvPr>
-            <p:ph type="body" idx="2"/>
-          </p:nvPr>
-        </p:nvSpPr>
-        <p:spPr>
-          <a:xfrm>
-            <a:off x="5454720" y="1568521"/>
-            <a:ext cx="4014720" cy="4525920"/>
-          </a:xfrm>
-        </p:spPr>
-        <p:txBody>
-          <a:bodyPr/>
-          <a:lstStyle>
-            <a:defPPr>
-              <a:defRPr lang="en-GB"/>
-            </a:defPPr>
-            <a:lvl1pPr algn="l" defTabSz="407526" rtl="0" eaLnBrk="0" fontAlgn="base" hangingPunct="0">
-              <a:spcBef>
-                <a:spcPct val="0"/>
-              </a:spcBef>
-              <a:spcAft>
-                <a:spcPct val="0"/>
-              </a:spcAft>
-              <a:defRPr kern="1200">
-                <a:solidFill>
-                  <a:schemeClr val="tx1"/>
-                </a:solidFill>
-                <a:latin typeface="Arial" panose="020B0604020202020204" pitchFamily="34" charset="0"/>
-                <a:ea typeface="Microsoft YaHei" panose="020B0503020204020204" pitchFamily="34" charset="-122"/>
-                <a:cs typeface="+mn-cs"/>
-              </a:defRPr>
-            </a:lvl1pPr>
-            <a:lvl2pPr marL="673930" indent="-259204" algn="l" defTabSz="407526" rtl="0" eaLnBrk="0" fontAlgn="base" hangingPunct="0">
-              <a:spcBef>
-                <a:spcPct val="0"/>
-              </a:spcBef>
-              <a:spcAft>
-                <a:spcPct val="0"/>
-              </a:spcAft>
-              <a:defRPr kern="1200">
-                <a:solidFill>
-                  <a:schemeClr val="tx1"/>
-                </a:solidFill>
-                <a:latin typeface="Arial" panose="020B0604020202020204" pitchFamily="34" charset="0"/>
-                <a:ea typeface="Microsoft YaHei" panose="020B0503020204020204" pitchFamily="34" charset="-122"/>
-                <a:cs typeface="+mn-cs"/>
-              </a:defRPr>
-            </a:lvl2pPr>
-            <a:lvl3pPr marL="1036815" indent="-207363" algn="l" defTabSz="407526" rtl="0" eaLnBrk="0" fontAlgn="base" hangingPunct="0">
-              <a:spcBef>
-                <a:spcPct val="0"/>
-              </a:spcBef>
-              <a:spcAft>
-                <a:spcPct val="0"/>
-              </a:spcAft>
-              <a:defRPr kern="1200">
-                <a:solidFill>
-                  <a:schemeClr val="tx1"/>
-                </a:solidFill>
-                <a:latin typeface="Arial" panose="020B0604020202020204" pitchFamily="34" charset="0"/>
-                <a:ea typeface="Microsoft YaHei" panose="020B0503020204020204" pitchFamily="34" charset="-122"/>
-                <a:cs typeface="+mn-cs"/>
-              </a:defRPr>
-            </a:lvl3pPr>
-            <a:lvl4pPr marL="1451541" indent="-207363" algn="l" defTabSz="407526" rtl="0" eaLnBrk="0" fontAlgn="base" hangingPunct="0">
-              <a:spcBef>
-                <a:spcPct val="0"/>
-              </a:spcBef>
-              <a:spcAft>
-                <a:spcPct val="0"/>
-              </a:spcAft>
-              <a:defRPr kern="1200">
-                <a:solidFill>
-                  <a:schemeClr val="tx1"/>
-                </a:solidFill>
-                <a:latin typeface="Arial" panose="020B0604020202020204" pitchFamily="34" charset="0"/>
-                <a:ea typeface="Microsoft YaHei" panose="020B0503020204020204" pitchFamily="34" charset="-122"/>
-                <a:cs typeface="+mn-cs"/>
-              </a:defRPr>
-            </a:lvl4pPr>
-            <a:lvl5pPr marL="1866268" indent="-207363" algn="l" defTabSz="407526" rtl="0" eaLnBrk="0" fontAlgn="base" hangingPunct="0">
-              <a:spcBef>
-                <a:spcPct val="0"/>
-              </a:spcBef>
-              <a:spcAft>
-                <a:spcPct val="0"/>
-              </a:spcAft>
-              <a:defRPr kern="1200">
-                <a:solidFill>
-                  <a:schemeClr val="tx1"/>
-                </a:solidFill>
-                <a:latin typeface="Arial" panose="020B0604020202020204" pitchFamily="34" charset="0"/>
-                <a:ea typeface="Microsoft YaHei" panose="020B0503020204020204" pitchFamily="34" charset="-122"/>
-                <a:cs typeface="+mn-cs"/>
-              </a:defRPr>
-            </a:lvl5pPr>
-            <a:lvl6pPr marL="2073631" algn="l" defTabSz="829452" rtl="0" eaLnBrk="1" latinLnBrk="0" hangingPunct="1">
-              <a:defRPr kern="1200">
-                <a:solidFill>
-                  <a:schemeClr val="tx1"/>
-                </a:solidFill>
-                <a:latin typeface="Arial" panose="020B0604020202020204" pitchFamily="34" charset="0"/>
-                <a:ea typeface="Microsoft YaHei" panose="020B0503020204020204" pitchFamily="34" charset="-122"/>
-                <a:cs typeface="+mn-cs"/>
-              </a:defRPr>
-            </a:lvl6pPr>
-            <a:lvl7pPr marL="2488357" algn="l" defTabSz="829452" rtl="0" eaLnBrk="1" latinLnBrk="0" hangingPunct="1">
-              <a:defRPr kern="1200">
-                <a:solidFill>
-                  <a:schemeClr val="tx1"/>
-                </a:solidFill>
-                <a:latin typeface="Arial" panose="020B0604020202020204" pitchFamily="34" charset="0"/>
-                <a:ea typeface="Microsoft YaHei" panose="020B0503020204020204" pitchFamily="34" charset="-122"/>
-                <a:cs typeface="+mn-cs"/>
-              </a:defRPr>
-            </a:lvl7pPr>
-            <a:lvl8pPr marL="2903083" algn="l" defTabSz="829452" rtl="0" eaLnBrk="1" latinLnBrk="0" hangingPunct="1">
-              <a:defRPr kern="1200">
-                <a:solidFill>
-                  <a:schemeClr val="tx1"/>
-                </a:solidFill>
-                <a:latin typeface="Arial" panose="020B0604020202020204" pitchFamily="34" charset="0"/>
-                <a:ea typeface="Microsoft YaHei" panose="020B0503020204020204" pitchFamily="34" charset="-122"/>
-                <a:cs typeface="+mn-cs"/>
-              </a:defRPr>
-            </a:lvl8pPr>
-            <a:lvl9pPr marL="3317809" algn="l" defTabSz="829452" rtl="0" eaLnBrk="1" latinLnBrk="0" hangingPunct="1">
-              <a:defRPr kern="1200">
-                <a:solidFill>
-                  <a:schemeClr val="tx1"/>
-                </a:solidFill>
-                <a:latin typeface="Arial" panose="020B0604020202020204" pitchFamily="34" charset="0"/>
-                <a:ea typeface="Microsoft YaHei" panose="020B0503020204020204" pitchFamily="34" charset="-122"/>
-                <a:cs typeface="+mn-cs"/>
-              </a:defRPr>
-            </a:lvl9pPr>
-          </a:lstStyle>
-          <a:p>
-            <a:pPr marL="391686" indent="-293764" eaLnBrk="1">
-              <a:buSzPct val="45000"/>
-              <a:buFont typeface="Wingdings" panose="05000000000000000000" pitchFamily="2" charset="2"/>
-              <a:buNone/>
+              <a:t>Nicht an die Konkurrenz halten</a:t>
+            </a:r>
+          </a:p>
+          <a:p>
+            <a:pPr marL="783372" lvl="1" indent="-293764" eaLnBrk="1">
+              <a:buSzPct val="75000"/>
+              <a:buFont typeface="Symbol" panose="05050102010706020507" pitchFamily="18" charset="2"/>
+              <a:buChar char=""/>
               <a:tabLst>
                 <a:tab pos="407526" algn="l"/>
                 <a:tab pos="815052" algn="l"/>
@@ -7739,32 +6679,29 @@
                 <a:tab pos="2852683" algn="l"/>
                 <a:tab pos="3260208" algn="l"/>
                 <a:tab pos="3667735" algn="l"/>
+                <a:tab pos="4075260" algn="l"/>
+                <a:tab pos="4482787" algn="l"/>
+                <a:tab pos="4890312" algn="l"/>
+                <a:tab pos="5297839" algn="l"/>
+                <a:tab pos="5705364" algn="l"/>
+                <a:tab pos="6112891" algn="l"/>
+                <a:tab pos="6520416" algn="l"/>
+                <a:tab pos="6927943" algn="l"/>
+                <a:tab pos="7335468" algn="l"/>
+                <a:tab pos="7742995" algn="l"/>
+                <a:tab pos="8150520" algn="l"/>
               </a:tabLst>
             </a:pPr>
             <a:r>
               <a:rPr lang="de-DE" altLang="de-DE"/>
-              <a:t>70€ + 3,95€</a:t>
-            </a:r>
-            <a:br>
-              <a:rPr lang="de-DE" altLang="de-DE"/>
-            </a:br>
-            <a:r>
-              <a:rPr lang="de-DE" altLang="de-DE"/>
-              <a:t>26,88€</a:t>
-            </a:r>
-            <a:br>
-              <a:rPr lang="de-DE" altLang="de-DE"/>
-            </a:br>
-            <a:r>
-              <a:rPr lang="de-DE" altLang="de-DE"/>
-              <a:t>19,16€</a:t>
-            </a:r>
-          </a:p>
-          <a:p>
-            <a:pPr marL="391686" indent="-293764" eaLnBrk="1">
-              <a:buSzPct val="45000"/>
-              <a:buFont typeface="Wingdings" panose="05000000000000000000" pitchFamily="2" charset="2"/>
-              <a:buNone/>
+              <a:t>Günstig verkaufen</a:t>
+            </a:r>
+          </a:p>
+          <a:p>
+            <a:pPr marL="783372" lvl="1" indent="-293764" eaLnBrk="1">
+              <a:buSzPct val="75000"/>
+              <a:buFont typeface="Symbol" panose="05050102010706020507" pitchFamily="18" charset="2"/>
+              <a:buChar char=""/>
               <a:tabLst>
                 <a:tab pos="407526" algn="l"/>
                 <a:tab pos="815052" algn="l"/>
@@ -7775,18 +6712,29 @@
                 <a:tab pos="2852683" algn="l"/>
                 <a:tab pos="3260208" algn="l"/>
                 <a:tab pos="3667735" algn="l"/>
+                <a:tab pos="4075260" algn="l"/>
+                <a:tab pos="4482787" algn="l"/>
+                <a:tab pos="4890312" algn="l"/>
+                <a:tab pos="5297839" algn="l"/>
+                <a:tab pos="5705364" algn="l"/>
+                <a:tab pos="6112891" algn="l"/>
+                <a:tab pos="6520416" algn="l"/>
+                <a:tab pos="6927943" algn="l"/>
+                <a:tab pos="7335468" algn="l"/>
+                <a:tab pos="7742995" algn="l"/>
+                <a:tab pos="8150520" algn="l"/>
               </a:tabLst>
             </a:pPr>
             <a:r>
               <a:rPr lang="de-DE" altLang="de-DE"/>
-              <a:t>______________</a:t>
-            </a:r>
-          </a:p>
-          <a:p>
-            <a:pPr marL="391686" indent="-293764" eaLnBrk="1">
-              <a:buSzPct val="45000"/>
-              <a:buFont typeface="Wingdings" panose="05000000000000000000" pitchFamily="2" charset="2"/>
-              <a:buNone/>
+              <a:t>Preise in einem bestimmten Zeitraum erhöhen</a:t>
+            </a:r>
+          </a:p>
+          <a:p>
+            <a:pPr marL="783372" lvl="1" indent="-293764" eaLnBrk="1">
+              <a:buSzPct val="75000"/>
+              <a:buFont typeface="Symbol" panose="05050102010706020507" pitchFamily="18" charset="2"/>
+              <a:buChar char=""/>
               <a:tabLst>
                 <a:tab pos="407526" algn="l"/>
                 <a:tab pos="815052" algn="l"/>
@@ -7797,23 +6745,30 @@
                 <a:tab pos="2852683" algn="l"/>
                 <a:tab pos="3260208" algn="l"/>
                 <a:tab pos="3667735" algn="l"/>
+                <a:tab pos="4075260" algn="l"/>
+                <a:tab pos="4482787" algn="l"/>
+                <a:tab pos="4890312" algn="l"/>
+                <a:tab pos="5297839" algn="l"/>
+                <a:tab pos="5705364" algn="l"/>
+                <a:tab pos="6112891" algn="l"/>
+                <a:tab pos="6520416" algn="l"/>
+                <a:tab pos="6927943" algn="l"/>
+                <a:tab pos="7335468" algn="l"/>
+                <a:tab pos="7742995" algn="l"/>
+                <a:tab pos="8150520" algn="l"/>
               </a:tabLst>
             </a:pPr>
             <a:r>
               <a:rPr lang="de-DE" altLang="de-DE"/>
-              <a:t>= 119,99€</a:t>
-            </a:r>
-            <a:br>
-              <a:rPr lang="de-DE" altLang="de-DE"/>
-            </a:br>
-            <a:endParaRPr lang="de-DE" altLang="de-DE"/>
+              <a:t>Sonderangebote gewähren</a:t>
+            </a:r>
           </a:p>
         </p:txBody>
       </p:sp>
     </p:spTree>
     <p:extLst>
       <p:ext uri="{BB962C8B-B14F-4D97-AF65-F5344CB8AC3E}">
-        <p14:creationId xmlns:p14="http://schemas.microsoft.com/office/powerpoint/2010/main" val="2119695126"/>
+        <p14:creationId xmlns:p14="http://schemas.microsoft.com/office/powerpoint/2010/main" val="1993338052"/>
       </p:ext>
     </p:extLst>
   </p:cSld>
@@ -7870,131 +6825,464 @@
       </p:grpSpPr>
       <p:sp>
         <p:nvSpPr>
-          <p:cNvPr id="2" name="Titel 1">
+          <p:cNvPr id="7170" name="Rectangle 1">
             <a:extLst>
               <a:ext uri="{FF2B5EF4-FFF2-40B4-BE49-F238E27FC236}">
-                <a16:creationId xmlns:a16="http://schemas.microsoft.com/office/drawing/2014/main" id="{17D43009-F22A-4327-AC45-D7290B63436A}"/>
+                <a16:creationId xmlns:a16="http://schemas.microsoft.com/office/drawing/2014/main" id="{F8387E9A-E965-4920-A612-264B3730A83F}"/>
               </a:ext>
             </a:extLst>
           </p:cNvPr>
           <p:cNvSpPr>
-            <a:spLocks noGrp="1"/>
+            <a:spLocks noGrp="1" noChangeArrowheads="1"/>
           </p:cNvSpPr>
           <p:nvPr>
             <p:ph type="title"/>
           </p:nvPr>
         </p:nvSpPr>
-        <p:spPr/>
-        <p:txBody>
-          <a:bodyPr/>
-          <a:lstStyle/>
-          <a:p>
-            <a:r>
-              <a:rPr lang="de-DE" dirty="0">
-                <a:cs typeface="Calibri Light"/>
-              </a:rPr>
-              <a:t>Kommunikationspolitik</a:t>
-            </a:r>
-            <a:endParaRPr lang="de-DE" dirty="0"/>
-          </a:p>
-          <a:p>
-            <a:endParaRPr lang="de-DE" dirty="0">
-              <a:cs typeface="Calibri Light"/>
-            </a:endParaRPr>
-          </a:p>
-        </p:txBody>
-      </p:sp>
-      <p:sp>
-        <p:nvSpPr>
-          <p:cNvPr id="3" name="Inhaltsplatzhalter 2">
+        <p:spPr>
+          <a:xfrm>
+            <a:off x="456481" y="273961"/>
+            <a:ext cx="8228160" cy="1144800"/>
+          </a:xfrm>
+        </p:spPr>
+        <p:txBody>
+          <a:bodyPr tIns="35482"/>
+          <a:lstStyle>
+            <a:defPPr>
+              <a:defRPr lang="en-GB"/>
+            </a:defPPr>
+            <a:lvl1pPr algn="l" defTabSz="407526" rtl="0" eaLnBrk="0" fontAlgn="base" hangingPunct="0">
+              <a:spcBef>
+                <a:spcPct val="0"/>
+              </a:spcBef>
+              <a:spcAft>
+                <a:spcPct val="0"/>
+              </a:spcAft>
+              <a:defRPr kern="1200">
+                <a:solidFill>
+                  <a:schemeClr val="tx1"/>
+                </a:solidFill>
+                <a:latin typeface="Arial" panose="020B0604020202020204" pitchFamily="34" charset="0"/>
+                <a:ea typeface="Microsoft YaHei" panose="020B0503020204020204" pitchFamily="34" charset="-122"/>
+                <a:cs typeface="+mn-cs"/>
+              </a:defRPr>
+            </a:lvl1pPr>
+            <a:lvl2pPr marL="673930" indent="-259204" algn="l" defTabSz="407526" rtl="0" eaLnBrk="0" fontAlgn="base" hangingPunct="0">
+              <a:spcBef>
+                <a:spcPct val="0"/>
+              </a:spcBef>
+              <a:spcAft>
+                <a:spcPct val="0"/>
+              </a:spcAft>
+              <a:defRPr kern="1200">
+                <a:solidFill>
+                  <a:schemeClr val="tx1"/>
+                </a:solidFill>
+                <a:latin typeface="Arial" panose="020B0604020202020204" pitchFamily="34" charset="0"/>
+                <a:ea typeface="Microsoft YaHei" panose="020B0503020204020204" pitchFamily="34" charset="-122"/>
+                <a:cs typeface="+mn-cs"/>
+              </a:defRPr>
+            </a:lvl2pPr>
+            <a:lvl3pPr marL="1036815" indent="-207363" algn="l" defTabSz="407526" rtl="0" eaLnBrk="0" fontAlgn="base" hangingPunct="0">
+              <a:spcBef>
+                <a:spcPct val="0"/>
+              </a:spcBef>
+              <a:spcAft>
+                <a:spcPct val="0"/>
+              </a:spcAft>
+              <a:defRPr kern="1200">
+                <a:solidFill>
+                  <a:schemeClr val="tx1"/>
+                </a:solidFill>
+                <a:latin typeface="Arial" panose="020B0604020202020204" pitchFamily="34" charset="0"/>
+                <a:ea typeface="Microsoft YaHei" panose="020B0503020204020204" pitchFamily="34" charset="-122"/>
+                <a:cs typeface="+mn-cs"/>
+              </a:defRPr>
+            </a:lvl3pPr>
+            <a:lvl4pPr marL="1451541" indent="-207363" algn="l" defTabSz="407526" rtl="0" eaLnBrk="0" fontAlgn="base" hangingPunct="0">
+              <a:spcBef>
+                <a:spcPct val="0"/>
+              </a:spcBef>
+              <a:spcAft>
+                <a:spcPct val="0"/>
+              </a:spcAft>
+              <a:defRPr kern="1200">
+                <a:solidFill>
+                  <a:schemeClr val="tx1"/>
+                </a:solidFill>
+                <a:latin typeface="Arial" panose="020B0604020202020204" pitchFamily="34" charset="0"/>
+                <a:ea typeface="Microsoft YaHei" panose="020B0503020204020204" pitchFamily="34" charset="-122"/>
+                <a:cs typeface="+mn-cs"/>
+              </a:defRPr>
+            </a:lvl4pPr>
+            <a:lvl5pPr marL="1866268" indent="-207363" algn="l" defTabSz="407526" rtl="0" eaLnBrk="0" fontAlgn="base" hangingPunct="0">
+              <a:spcBef>
+                <a:spcPct val="0"/>
+              </a:spcBef>
+              <a:spcAft>
+                <a:spcPct val="0"/>
+              </a:spcAft>
+              <a:defRPr kern="1200">
+                <a:solidFill>
+                  <a:schemeClr val="tx1"/>
+                </a:solidFill>
+                <a:latin typeface="Arial" panose="020B0604020202020204" pitchFamily="34" charset="0"/>
+                <a:ea typeface="Microsoft YaHei" panose="020B0503020204020204" pitchFamily="34" charset="-122"/>
+                <a:cs typeface="+mn-cs"/>
+              </a:defRPr>
+            </a:lvl5pPr>
+            <a:lvl6pPr marL="2073631" algn="l" defTabSz="829452" rtl="0" eaLnBrk="1" latinLnBrk="0" hangingPunct="1">
+              <a:defRPr kern="1200">
+                <a:solidFill>
+                  <a:schemeClr val="tx1"/>
+                </a:solidFill>
+                <a:latin typeface="Arial" panose="020B0604020202020204" pitchFamily="34" charset="0"/>
+                <a:ea typeface="Microsoft YaHei" panose="020B0503020204020204" pitchFamily="34" charset="-122"/>
+                <a:cs typeface="+mn-cs"/>
+              </a:defRPr>
+            </a:lvl6pPr>
+            <a:lvl7pPr marL="2488357" algn="l" defTabSz="829452" rtl="0" eaLnBrk="1" latinLnBrk="0" hangingPunct="1">
+              <a:defRPr kern="1200">
+                <a:solidFill>
+                  <a:schemeClr val="tx1"/>
+                </a:solidFill>
+                <a:latin typeface="Arial" panose="020B0604020202020204" pitchFamily="34" charset="0"/>
+                <a:ea typeface="Microsoft YaHei" panose="020B0503020204020204" pitchFamily="34" charset="-122"/>
+                <a:cs typeface="+mn-cs"/>
+              </a:defRPr>
+            </a:lvl7pPr>
+            <a:lvl8pPr marL="2903083" algn="l" defTabSz="829452" rtl="0" eaLnBrk="1" latinLnBrk="0" hangingPunct="1">
+              <a:defRPr kern="1200">
+                <a:solidFill>
+                  <a:schemeClr val="tx1"/>
+                </a:solidFill>
+                <a:latin typeface="Arial" panose="020B0604020202020204" pitchFamily="34" charset="0"/>
+                <a:ea typeface="Microsoft YaHei" panose="020B0503020204020204" pitchFamily="34" charset="-122"/>
+                <a:cs typeface="+mn-cs"/>
+              </a:defRPr>
+            </a:lvl8pPr>
+            <a:lvl9pPr marL="3317809" algn="l" defTabSz="829452" rtl="0" eaLnBrk="1" latinLnBrk="0" hangingPunct="1">
+              <a:defRPr kern="1200">
+                <a:solidFill>
+                  <a:schemeClr val="tx1"/>
+                </a:solidFill>
+                <a:latin typeface="Arial" panose="020B0604020202020204" pitchFamily="34" charset="0"/>
+                <a:ea typeface="Microsoft YaHei" panose="020B0503020204020204" pitchFamily="34" charset="-122"/>
+                <a:cs typeface="+mn-cs"/>
+              </a:defRPr>
+            </a:lvl9pPr>
+          </a:lstStyle>
+          <a:p>
+            <a:pPr eaLnBrk="1">
+              <a:tabLst>
+                <a:tab pos="407526" algn="l"/>
+                <a:tab pos="815052" algn="l"/>
+                <a:tab pos="1222578" algn="l"/>
+                <a:tab pos="1630104" algn="l"/>
+                <a:tab pos="2037631" algn="l"/>
+                <a:tab pos="2445156" algn="l"/>
+                <a:tab pos="2852683" algn="l"/>
+                <a:tab pos="3260208" algn="l"/>
+                <a:tab pos="3667735" algn="l"/>
+                <a:tab pos="4075260" algn="l"/>
+                <a:tab pos="4482787" algn="l"/>
+                <a:tab pos="4890312" algn="l"/>
+                <a:tab pos="5297839" algn="l"/>
+                <a:tab pos="5705364" algn="l"/>
+                <a:tab pos="6112891" algn="l"/>
+                <a:tab pos="6520416" algn="l"/>
+                <a:tab pos="6927943" algn="l"/>
+                <a:tab pos="7335468" algn="l"/>
+                <a:tab pos="7742995" algn="l"/>
+                <a:tab pos="8150520" algn="l"/>
+              </a:tabLst>
+            </a:pPr>
+            <a:r>
+              <a:rPr lang="de-DE" altLang="de-DE" dirty="0"/>
+              <a:t> Preisstrategie</a:t>
+            </a:r>
+          </a:p>
+        </p:txBody>
+      </p:sp>
+      <p:sp>
+        <p:nvSpPr>
+          <p:cNvPr id="7171" name="Rectangle 2">
             <a:extLst>
               <a:ext uri="{FF2B5EF4-FFF2-40B4-BE49-F238E27FC236}">
-                <a16:creationId xmlns:a16="http://schemas.microsoft.com/office/drawing/2014/main" id="{E3D95D5C-D1C2-4078-BA56-2BCCEFA6812F}"/>
+                <a16:creationId xmlns:a16="http://schemas.microsoft.com/office/drawing/2014/main" id="{29D4F1AF-6143-4969-9A25-11113DB57853}"/>
               </a:ext>
             </a:extLst>
           </p:cNvPr>
           <p:cNvSpPr>
-            <a:spLocks noGrp="1"/>
-          </p:cNvSpPr>
-          <p:nvPr>
-            <p:ph idx="1"/>
+            <a:spLocks noGrp="1" noChangeArrowheads="1"/>
+          </p:cNvSpPr>
+          <p:nvPr>
+            <p:ph type="body" idx="1"/>
           </p:nvPr>
         </p:nvSpPr>
         <p:spPr>
           <a:xfrm>
-            <a:off x="551485" y="1657380"/>
-            <a:ext cx="7886700" cy="3263504"/>
+            <a:off x="456481" y="1604521"/>
+            <a:ext cx="8228160" cy="4525920"/>
           </a:xfrm>
         </p:spPr>
         <p:txBody>
-          <a:bodyPr vert="horz" lIns="68580" tIns="34290" rIns="68580" bIns="34290" rtlCol="0" anchor="t">
-            <a:noAutofit/>
-          </a:bodyPr>
-          <a:lstStyle/>
-          <a:p>
-            <a:r>
-              <a:rPr lang="de-DE" sz="2800" dirty="0">
-                <a:cs typeface="Calibri"/>
-              </a:rPr>
-              <a:t>Search Ranking bei Google erhöhen lassen</a:t>
-            </a:r>
-          </a:p>
-          <a:p>
-            <a:r>
-              <a:rPr lang="de-DE" sz="2800" dirty="0">
-                <a:cs typeface="Calibri"/>
-              </a:rPr>
-              <a:t>Stichworte zum Thema Auto, Gebrauchtwagen</a:t>
-            </a:r>
-          </a:p>
-          <a:p>
-            <a:r>
-              <a:rPr lang="de-DE" sz="2800" dirty="0">
-                <a:cs typeface="Calibri"/>
-              </a:rPr>
-              <a:t>Werbeclips vor </a:t>
-            </a:r>
-            <a:r>
-              <a:rPr lang="de-DE" sz="2800" dirty="0" err="1">
-                <a:cs typeface="Calibri"/>
-              </a:rPr>
-              <a:t>Youtube</a:t>
-            </a:r>
-            <a:r>
-              <a:rPr lang="de-DE" sz="2800" dirty="0">
-                <a:cs typeface="Calibri"/>
-              </a:rPr>
-              <a:t>-Videos</a:t>
-            </a:r>
-          </a:p>
-          <a:p>
-            <a:r>
-              <a:rPr lang="de-DE" sz="2800" dirty="0">
-                <a:cs typeface="Calibri"/>
-              </a:rPr>
-              <a:t>Gesponserte Videos von "Influencern"</a:t>
-            </a:r>
-          </a:p>
-          <a:p>
-            <a:r>
-              <a:rPr lang="de-DE" sz="2800" dirty="0">
-                <a:cs typeface="Calibri"/>
-              </a:rPr>
-              <a:t>Bevorzugt Personen mit Präsenz im Bereich Autos</a:t>
-            </a:r>
-          </a:p>
-          <a:p>
-            <a:r>
-              <a:rPr lang="de-DE" sz="2800" dirty="0">
-                <a:cs typeface="Calibri"/>
-              </a:rPr>
-              <a:t>Werbelinks mit Discount auf </a:t>
-            </a:r>
-            <a:r>
-              <a:rPr lang="de-DE" sz="2800" dirty="0" err="1">
-                <a:cs typeface="Calibri"/>
-              </a:rPr>
-              <a:t>Premiumaccountkäufe</a:t>
+          <a:bodyPr/>
+          <a:lstStyle>
+            <a:defPPr>
+              <a:defRPr lang="en-GB"/>
+            </a:defPPr>
+            <a:lvl1pPr algn="l" defTabSz="407526" rtl="0" eaLnBrk="0" fontAlgn="base" hangingPunct="0">
+              <a:spcBef>
+                <a:spcPct val="0"/>
+              </a:spcBef>
+              <a:spcAft>
+                <a:spcPct val="0"/>
+              </a:spcAft>
+              <a:defRPr kern="1200">
+                <a:solidFill>
+                  <a:schemeClr val="tx1"/>
+                </a:solidFill>
+                <a:latin typeface="Arial" panose="020B0604020202020204" pitchFamily="34" charset="0"/>
+                <a:ea typeface="Microsoft YaHei" panose="020B0503020204020204" pitchFamily="34" charset="-122"/>
+                <a:cs typeface="+mn-cs"/>
+              </a:defRPr>
+            </a:lvl1pPr>
+            <a:lvl2pPr marL="673930" indent="-259204" algn="l" defTabSz="407526" rtl="0" eaLnBrk="0" fontAlgn="base" hangingPunct="0">
+              <a:spcBef>
+                <a:spcPct val="0"/>
+              </a:spcBef>
+              <a:spcAft>
+                <a:spcPct val="0"/>
+              </a:spcAft>
+              <a:defRPr kern="1200">
+                <a:solidFill>
+                  <a:schemeClr val="tx1"/>
+                </a:solidFill>
+                <a:latin typeface="Arial" panose="020B0604020202020204" pitchFamily="34" charset="0"/>
+                <a:ea typeface="Microsoft YaHei" panose="020B0503020204020204" pitchFamily="34" charset="-122"/>
+                <a:cs typeface="+mn-cs"/>
+              </a:defRPr>
+            </a:lvl2pPr>
+            <a:lvl3pPr marL="1036815" indent="-207363" algn="l" defTabSz="407526" rtl="0" eaLnBrk="0" fontAlgn="base" hangingPunct="0">
+              <a:spcBef>
+                <a:spcPct val="0"/>
+              </a:spcBef>
+              <a:spcAft>
+                <a:spcPct val="0"/>
+              </a:spcAft>
+              <a:defRPr kern="1200">
+                <a:solidFill>
+                  <a:schemeClr val="tx1"/>
+                </a:solidFill>
+                <a:latin typeface="Arial" panose="020B0604020202020204" pitchFamily="34" charset="0"/>
+                <a:ea typeface="Microsoft YaHei" panose="020B0503020204020204" pitchFamily="34" charset="-122"/>
+                <a:cs typeface="+mn-cs"/>
+              </a:defRPr>
+            </a:lvl3pPr>
+            <a:lvl4pPr marL="1451541" indent="-207363" algn="l" defTabSz="407526" rtl="0" eaLnBrk="0" fontAlgn="base" hangingPunct="0">
+              <a:spcBef>
+                <a:spcPct val="0"/>
+              </a:spcBef>
+              <a:spcAft>
+                <a:spcPct val="0"/>
+              </a:spcAft>
+              <a:defRPr kern="1200">
+                <a:solidFill>
+                  <a:schemeClr val="tx1"/>
+                </a:solidFill>
+                <a:latin typeface="Arial" panose="020B0604020202020204" pitchFamily="34" charset="0"/>
+                <a:ea typeface="Microsoft YaHei" panose="020B0503020204020204" pitchFamily="34" charset="-122"/>
+                <a:cs typeface="+mn-cs"/>
+              </a:defRPr>
+            </a:lvl4pPr>
+            <a:lvl5pPr marL="1866268" indent="-207363" algn="l" defTabSz="407526" rtl="0" eaLnBrk="0" fontAlgn="base" hangingPunct="0">
+              <a:spcBef>
+                <a:spcPct val="0"/>
+              </a:spcBef>
+              <a:spcAft>
+                <a:spcPct val="0"/>
+              </a:spcAft>
+              <a:defRPr kern="1200">
+                <a:solidFill>
+                  <a:schemeClr val="tx1"/>
+                </a:solidFill>
+                <a:latin typeface="Arial" panose="020B0604020202020204" pitchFamily="34" charset="0"/>
+                <a:ea typeface="Microsoft YaHei" panose="020B0503020204020204" pitchFamily="34" charset="-122"/>
+                <a:cs typeface="+mn-cs"/>
+              </a:defRPr>
+            </a:lvl5pPr>
+            <a:lvl6pPr marL="2073631" algn="l" defTabSz="829452" rtl="0" eaLnBrk="1" latinLnBrk="0" hangingPunct="1">
+              <a:defRPr kern="1200">
+                <a:solidFill>
+                  <a:schemeClr val="tx1"/>
+                </a:solidFill>
+                <a:latin typeface="Arial" panose="020B0604020202020204" pitchFamily="34" charset="0"/>
+                <a:ea typeface="Microsoft YaHei" panose="020B0503020204020204" pitchFamily="34" charset="-122"/>
+                <a:cs typeface="+mn-cs"/>
+              </a:defRPr>
+            </a:lvl6pPr>
+            <a:lvl7pPr marL="2488357" algn="l" defTabSz="829452" rtl="0" eaLnBrk="1" latinLnBrk="0" hangingPunct="1">
+              <a:defRPr kern="1200">
+                <a:solidFill>
+                  <a:schemeClr val="tx1"/>
+                </a:solidFill>
+                <a:latin typeface="Arial" panose="020B0604020202020204" pitchFamily="34" charset="0"/>
+                <a:ea typeface="Microsoft YaHei" panose="020B0503020204020204" pitchFamily="34" charset="-122"/>
+                <a:cs typeface="+mn-cs"/>
+              </a:defRPr>
+            </a:lvl7pPr>
+            <a:lvl8pPr marL="2903083" algn="l" defTabSz="829452" rtl="0" eaLnBrk="1" latinLnBrk="0" hangingPunct="1">
+              <a:defRPr kern="1200">
+                <a:solidFill>
+                  <a:schemeClr val="tx1"/>
+                </a:solidFill>
+                <a:latin typeface="Arial" panose="020B0604020202020204" pitchFamily="34" charset="0"/>
+                <a:ea typeface="Microsoft YaHei" panose="020B0503020204020204" pitchFamily="34" charset="-122"/>
+                <a:cs typeface="+mn-cs"/>
+              </a:defRPr>
+            </a:lvl8pPr>
+            <a:lvl9pPr marL="3317809" algn="l" defTabSz="829452" rtl="0" eaLnBrk="1" latinLnBrk="0" hangingPunct="1">
+              <a:defRPr kern="1200">
+                <a:solidFill>
+                  <a:schemeClr val="tx1"/>
+                </a:solidFill>
+                <a:latin typeface="Arial" panose="020B0604020202020204" pitchFamily="34" charset="0"/>
+                <a:ea typeface="Microsoft YaHei" panose="020B0503020204020204" pitchFamily="34" charset="-122"/>
+                <a:cs typeface="+mn-cs"/>
+              </a:defRPr>
+            </a:lvl9pPr>
+          </a:lstStyle>
+          <a:p>
+            <a:pPr marL="391686" indent="-293764" eaLnBrk="1">
+              <a:buSzPct val="45000"/>
+              <a:buFont typeface="Wingdings" panose="05000000000000000000" pitchFamily="2" charset="2"/>
+              <a:buChar char=""/>
+              <a:tabLst>
+                <a:tab pos="407526" algn="l"/>
+                <a:tab pos="815052" algn="l"/>
+                <a:tab pos="1222578" algn="l"/>
+                <a:tab pos="1630104" algn="l"/>
+                <a:tab pos="2037631" algn="l"/>
+                <a:tab pos="2445156" algn="l"/>
+                <a:tab pos="2852683" algn="l"/>
+                <a:tab pos="3260208" algn="l"/>
+                <a:tab pos="3667735" algn="l"/>
+                <a:tab pos="4075260" algn="l"/>
+                <a:tab pos="4482787" algn="l"/>
+                <a:tab pos="4890312" algn="l"/>
+                <a:tab pos="5297839" algn="l"/>
+                <a:tab pos="5705364" algn="l"/>
+                <a:tab pos="6112891" algn="l"/>
+                <a:tab pos="6520416" algn="l"/>
+                <a:tab pos="6927943" algn="l"/>
+                <a:tab pos="7335468" algn="l"/>
+                <a:tab pos="7742995" algn="l"/>
+                <a:tab pos="8150520" algn="l"/>
+              </a:tabLst>
+            </a:pPr>
+            <a:r>
+              <a:rPr lang="de-DE" altLang="de-DE"/>
+              <a:t>Unsere Entscheidung: Festpreisstrategie</a:t>
+            </a:r>
+          </a:p>
+          <a:p>
+            <a:pPr marL="391686" indent="-293764" eaLnBrk="1">
+              <a:buSzPct val="45000"/>
+              <a:buFont typeface="Wingdings" panose="05000000000000000000" pitchFamily="2" charset="2"/>
+              <a:buChar char=""/>
+              <a:tabLst>
+                <a:tab pos="407526" algn="l"/>
+                <a:tab pos="815052" algn="l"/>
+                <a:tab pos="1222578" algn="l"/>
+                <a:tab pos="1630104" algn="l"/>
+                <a:tab pos="2037631" algn="l"/>
+                <a:tab pos="2445156" algn="l"/>
+                <a:tab pos="2852683" algn="l"/>
+                <a:tab pos="3260208" algn="l"/>
+                <a:tab pos="3667735" algn="l"/>
+                <a:tab pos="4075260" algn="l"/>
+                <a:tab pos="4482787" algn="l"/>
+                <a:tab pos="4890312" algn="l"/>
+                <a:tab pos="5297839" algn="l"/>
+                <a:tab pos="5705364" algn="l"/>
+                <a:tab pos="6112891" algn="l"/>
+                <a:tab pos="6520416" algn="l"/>
+                <a:tab pos="6927943" algn="l"/>
+                <a:tab pos="7335468" algn="l"/>
+                <a:tab pos="7742995" algn="l"/>
+                <a:tab pos="8150520" algn="l"/>
+              </a:tabLst>
+            </a:pPr>
+            <a:r>
+              <a:rPr lang="de-DE" altLang="de-DE"/>
+              <a:t>Grund:</a:t>
+            </a:r>
+          </a:p>
+          <a:p>
+            <a:pPr marL="783372" lvl="1" indent="-293764" eaLnBrk="1">
+              <a:buSzPct val="75000"/>
+              <a:buFont typeface="Symbol" panose="05050102010706020507" pitchFamily="18" charset="2"/>
+              <a:buChar char=""/>
+              <a:tabLst>
+                <a:tab pos="407526" algn="l"/>
+                <a:tab pos="815052" algn="l"/>
+                <a:tab pos="1222578" algn="l"/>
+                <a:tab pos="1630104" algn="l"/>
+                <a:tab pos="2037631" algn="l"/>
+                <a:tab pos="2445156" algn="l"/>
+                <a:tab pos="2852683" algn="l"/>
+                <a:tab pos="3260208" algn="l"/>
+                <a:tab pos="3667735" algn="l"/>
+                <a:tab pos="4075260" algn="l"/>
+                <a:tab pos="4482787" algn="l"/>
+                <a:tab pos="4890312" algn="l"/>
+                <a:tab pos="5297839" algn="l"/>
+                <a:tab pos="5705364" algn="l"/>
+                <a:tab pos="6112891" algn="l"/>
+                <a:tab pos="6520416" algn="l"/>
+                <a:tab pos="6927943" algn="l"/>
+                <a:tab pos="7335468" algn="l"/>
+                <a:tab pos="7742995" algn="l"/>
+                <a:tab pos="8150520" algn="l"/>
+              </a:tabLst>
+            </a:pPr>
+            <a:r>
+              <a:rPr lang="de-DE" altLang="de-DE"/>
+              <a:t>Produkt zu einem festen Preis anbieten</a:t>
+            </a:r>
+          </a:p>
+          <a:p>
+            <a:pPr marL="783372" lvl="1" indent="-293764" eaLnBrk="1">
+              <a:buSzPct val="75000"/>
+              <a:buFont typeface="Symbol" panose="05050102010706020507" pitchFamily="18" charset="2"/>
+              <a:buChar char=""/>
+              <a:tabLst>
+                <a:tab pos="407526" algn="l"/>
+                <a:tab pos="815052" algn="l"/>
+                <a:tab pos="1222578" algn="l"/>
+                <a:tab pos="1630104" algn="l"/>
+                <a:tab pos="2037631" algn="l"/>
+                <a:tab pos="2445156" algn="l"/>
+                <a:tab pos="2852683" algn="l"/>
+                <a:tab pos="3260208" algn="l"/>
+                <a:tab pos="3667735" algn="l"/>
+                <a:tab pos="4075260" algn="l"/>
+                <a:tab pos="4482787" algn="l"/>
+                <a:tab pos="4890312" algn="l"/>
+                <a:tab pos="5297839" algn="l"/>
+                <a:tab pos="5705364" algn="l"/>
+                <a:tab pos="6112891" algn="l"/>
+                <a:tab pos="6520416" algn="l"/>
+                <a:tab pos="6927943" algn="l"/>
+                <a:tab pos="7335468" algn="l"/>
+                <a:tab pos="7742995" algn="l"/>
+                <a:tab pos="8150520" algn="l"/>
+              </a:tabLst>
+            </a:pPr>
+            <a:r>
+              <a:rPr lang="de-DE" altLang="de-DE"/>
+              <a:t>Trotzdem in bestimmten Zeiträumen dynamische Preise festlegen</a:t>
             </a:r>
           </a:p>
         </p:txBody>
@@ -8002,13 +7290,41 @@
     </p:spTree>
     <p:extLst>
       <p:ext uri="{BB962C8B-B14F-4D97-AF65-F5344CB8AC3E}">
-        <p14:creationId xmlns:p14="http://schemas.microsoft.com/office/powerpoint/2010/main" val="873107796"/>
+        <p14:creationId xmlns:p14="http://schemas.microsoft.com/office/powerpoint/2010/main" val="549178328"/>
       </p:ext>
     </p:extLst>
   </p:cSld>
   <p:clrMapOvr>
     <a:masterClrMapping/>
   </p:clrMapOvr>
+  <p:transition spd="med"/>
+  <p:timing>
+    <p:tnLst>
+      <p:par>
+        <p:cTn id="1" dur="indefinite" restart="never" nodeType="tmRoot">
+          <p:childTnLst>
+            <p:seq concurrent="1" nextAc="seek">
+              <p:cTn id="2" dur="0" nodeType="mainSeq"/>
+              <p:prevCondLst>
+                <p:cond evt="onPrev" delay="0">
+                  <p:tgtEl>
+                    <p:sldTgt/>
+                  </p:tgtEl>
+                </p:cond>
+              </p:prevCondLst>
+              <p:nextCondLst>
+                <p:cond evt="onNext" delay="0">
+                  <p:tgtEl>
+                    <p:sldTgt/>
+                  </p:tgtEl>
+                </p:cond>
+              </p:nextCondLst>
+            </p:seq>
+          </p:childTnLst>
+        </p:cTn>
+      </p:par>
+    </p:tnLst>
+  </p:timing>
 </p:sld>
 </file>
 
@@ -8031,6 +7347,878 @@
       </p:grpSpPr>
       <p:sp>
         <p:nvSpPr>
+          <p:cNvPr id="9218" name="Rectangle 1">
+            <a:extLst>
+              <a:ext uri="{FF2B5EF4-FFF2-40B4-BE49-F238E27FC236}">
+                <a16:creationId xmlns:a16="http://schemas.microsoft.com/office/drawing/2014/main" id="{55714F0E-42EB-4F6C-B335-76471DECFFF6}"/>
+              </a:ext>
+            </a:extLst>
+          </p:cNvPr>
+          <p:cNvSpPr>
+            <a:spLocks noGrp="1" noChangeArrowheads="1"/>
+          </p:cNvSpPr>
+          <p:nvPr>
+            <p:ph type="title"/>
+          </p:nvPr>
+        </p:nvSpPr>
+        <p:spPr>
+          <a:xfrm>
+            <a:off x="456481" y="273961"/>
+            <a:ext cx="8228160" cy="1144800"/>
+          </a:xfrm>
+        </p:spPr>
+        <p:txBody>
+          <a:bodyPr tIns="35482"/>
+          <a:lstStyle>
+            <a:defPPr>
+              <a:defRPr lang="en-GB"/>
+            </a:defPPr>
+            <a:lvl1pPr algn="l" defTabSz="407526" rtl="0" eaLnBrk="0" fontAlgn="base" hangingPunct="0">
+              <a:spcBef>
+                <a:spcPct val="0"/>
+              </a:spcBef>
+              <a:spcAft>
+                <a:spcPct val="0"/>
+              </a:spcAft>
+              <a:defRPr kern="1200">
+                <a:solidFill>
+                  <a:schemeClr val="tx1"/>
+                </a:solidFill>
+                <a:latin typeface="Arial" panose="020B0604020202020204" pitchFamily="34" charset="0"/>
+                <a:ea typeface="Microsoft YaHei" panose="020B0503020204020204" pitchFamily="34" charset="-122"/>
+                <a:cs typeface="+mn-cs"/>
+              </a:defRPr>
+            </a:lvl1pPr>
+            <a:lvl2pPr marL="673930" indent="-259204" algn="l" defTabSz="407526" rtl="0" eaLnBrk="0" fontAlgn="base" hangingPunct="0">
+              <a:spcBef>
+                <a:spcPct val="0"/>
+              </a:spcBef>
+              <a:spcAft>
+                <a:spcPct val="0"/>
+              </a:spcAft>
+              <a:defRPr kern="1200">
+                <a:solidFill>
+                  <a:schemeClr val="tx1"/>
+                </a:solidFill>
+                <a:latin typeface="Arial" panose="020B0604020202020204" pitchFamily="34" charset="0"/>
+                <a:ea typeface="Microsoft YaHei" panose="020B0503020204020204" pitchFamily="34" charset="-122"/>
+                <a:cs typeface="+mn-cs"/>
+              </a:defRPr>
+            </a:lvl2pPr>
+            <a:lvl3pPr marL="1036815" indent="-207363" algn="l" defTabSz="407526" rtl="0" eaLnBrk="0" fontAlgn="base" hangingPunct="0">
+              <a:spcBef>
+                <a:spcPct val="0"/>
+              </a:spcBef>
+              <a:spcAft>
+                <a:spcPct val="0"/>
+              </a:spcAft>
+              <a:defRPr kern="1200">
+                <a:solidFill>
+                  <a:schemeClr val="tx1"/>
+                </a:solidFill>
+                <a:latin typeface="Arial" panose="020B0604020202020204" pitchFamily="34" charset="0"/>
+                <a:ea typeface="Microsoft YaHei" panose="020B0503020204020204" pitchFamily="34" charset="-122"/>
+                <a:cs typeface="+mn-cs"/>
+              </a:defRPr>
+            </a:lvl3pPr>
+            <a:lvl4pPr marL="1451541" indent="-207363" algn="l" defTabSz="407526" rtl="0" eaLnBrk="0" fontAlgn="base" hangingPunct="0">
+              <a:spcBef>
+                <a:spcPct val="0"/>
+              </a:spcBef>
+              <a:spcAft>
+                <a:spcPct val="0"/>
+              </a:spcAft>
+              <a:defRPr kern="1200">
+                <a:solidFill>
+                  <a:schemeClr val="tx1"/>
+                </a:solidFill>
+                <a:latin typeface="Arial" panose="020B0604020202020204" pitchFamily="34" charset="0"/>
+                <a:ea typeface="Microsoft YaHei" panose="020B0503020204020204" pitchFamily="34" charset="-122"/>
+                <a:cs typeface="+mn-cs"/>
+              </a:defRPr>
+            </a:lvl4pPr>
+            <a:lvl5pPr marL="1866268" indent="-207363" algn="l" defTabSz="407526" rtl="0" eaLnBrk="0" fontAlgn="base" hangingPunct="0">
+              <a:spcBef>
+                <a:spcPct val="0"/>
+              </a:spcBef>
+              <a:spcAft>
+                <a:spcPct val="0"/>
+              </a:spcAft>
+              <a:defRPr kern="1200">
+                <a:solidFill>
+                  <a:schemeClr val="tx1"/>
+                </a:solidFill>
+                <a:latin typeface="Arial" panose="020B0604020202020204" pitchFamily="34" charset="0"/>
+                <a:ea typeface="Microsoft YaHei" panose="020B0503020204020204" pitchFamily="34" charset="-122"/>
+                <a:cs typeface="+mn-cs"/>
+              </a:defRPr>
+            </a:lvl5pPr>
+            <a:lvl6pPr marL="2073631" algn="l" defTabSz="829452" rtl="0" eaLnBrk="1" latinLnBrk="0" hangingPunct="1">
+              <a:defRPr kern="1200">
+                <a:solidFill>
+                  <a:schemeClr val="tx1"/>
+                </a:solidFill>
+                <a:latin typeface="Arial" panose="020B0604020202020204" pitchFamily="34" charset="0"/>
+                <a:ea typeface="Microsoft YaHei" panose="020B0503020204020204" pitchFamily="34" charset="-122"/>
+                <a:cs typeface="+mn-cs"/>
+              </a:defRPr>
+            </a:lvl6pPr>
+            <a:lvl7pPr marL="2488357" algn="l" defTabSz="829452" rtl="0" eaLnBrk="1" latinLnBrk="0" hangingPunct="1">
+              <a:defRPr kern="1200">
+                <a:solidFill>
+                  <a:schemeClr val="tx1"/>
+                </a:solidFill>
+                <a:latin typeface="Arial" panose="020B0604020202020204" pitchFamily="34" charset="0"/>
+                <a:ea typeface="Microsoft YaHei" panose="020B0503020204020204" pitchFamily="34" charset="-122"/>
+                <a:cs typeface="+mn-cs"/>
+              </a:defRPr>
+            </a:lvl7pPr>
+            <a:lvl8pPr marL="2903083" algn="l" defTabSz="829452" rtl="0" eaLnBrk="1" latinLnBrk="0" hangingPunct="1">
+              <a:defRPr kern="1200">
+                <a:solidFill>
+                  <a:schemeClr val="tx1"/>
+                </a:solidFill>
+                <a:latin typeface="Arial" panose="020B0604020202020204" pitchFamily="34" charset="0"/>
+                <a:ea typeface="Microsoft YaHei" panose="020B0503020204020204" pitchFamily="34" charset="-122"/>
+                <a:cs typeface="+mn-cs"/>
+              </a:defRPr>
+            </a:lvl8pPr>
+            <a:lvl9pPr marL="3317809" algn="l" defTabSz="829452" rtl="0" eaLnBrk="1" latinLnBrk="0" hangingPunct="1">
+              <a:defRPr kern="1200">
+                <a:solidFill>
+                  <a:schemeClr val="tx1"/>
+                </a:solidFill>
+                <a:latin typeface="Arial" panose="020B0604020202020204" pitchFamily="34" charset="0"/>
+                <a:ea typeface="Microsoft YaHei" panose="020B0503020204020204" pitchFamily="34" charset="-122"/>
+                <a:cs typeface="+mn-cs"/>
+              </a:defRPr>
+            </a:lvl9pPr>
+          </a:lstStyle>
+          <a:p>
+            <a:pPr eaLnBrk="1">
+              <a:tabLst>
+                <a:tab pos="407526" algn="l"/>
+                <a:tab pos="815052" algn="l"/>
+                <a:tab pos="1222578" algn="l"/>
+                <a:tab pos="1630104" algn="l"/>
+                <a:tab pos="2037631" algn="l"/>
+                <a:tab pos="2445156" algn="l"/>
+                <a:tab pos="2852683" algn="l"/>
+                <a:tab pos="3260208" algn="l"/>
+                <a:tab pos="3667735" algn="l"/>
+                <a:tab pos="4075260" algn="l"/>
+                <a:tab pos="4482787" algn="l"/>
+                <a:tab pos="4890312" algn="l"/>
+                <a:tab pos="5297839" algn="l"/>
+                <a:tab pos="5705364" algn="l"/>
+                <a:tab pos="6112891" algn="l"/>
+                <a:tab pos="6520416" algn="l"/>
+                <a:tab pos="6927943" algn="l"/>
+                <a:tab pos="7335468" algn="l"/>
+                <a:tab pos="7742995" algn="l"/>
+                <a:tab pos="8150520" algn="l"/>
+              </a:tabLst>
+            </a:pPr>
+            <a:r>
+              <a:rPr lang="de-DE" altLang="de-DE"/>
+              <a:t>Kostenorientierte Preisfindung</a:t>
+            </a:r>
+          </a:p>
+        </p:txBody>
+      </p:sp>
+      <p:sp>
+        <p:nvSpPr>
+          <p:cNvPr id="9219" name="Rectangle 2">
+            <a:extLst>
+              <a:ext uri="{FF2B5EF4-FFF2-40B4-BE49-F238E27FC236}">
+                <a16:creationId xmlns:a16="http://schemas.microsoft.com/office/drawing/2014/main" id="{A7E19D42-FD23-4C24-870E-708443BDBF17}"/>
+              </a:ext>
+            </a:extLst>
+          </p:cNvPr>
+          <p:cNvSpPr>
+            <a:spLocks noGrp="1" noChangeArrowheads="1"/>
+          </p:cNvSpPr>
+          <p:nvPr>
+            <p:ph type="body" idx="1"/>
+          </p:nvPr>
+        </p:nvSpPr>
+        <p:spPr>
+          <a:xfrm>
+            <a:off x="260641" y="1604521"/>
+            <a:ext cx="4505760" cy="4525920"/>
+          </a:xfrm>
+        </p:spPr>
+        <p:txBody>
+          <a:bodyPr/>
+          <a:lstStyle>
+            <a:defPPr>
+              <a:defRPr lang="en-GB"/>
+            </a:defPPr>
+            <a:lvl1pPr algn="l" defTabSz="407526" rtl="0" eaLnBrk="0" fontAlgn="base" hangingPunct="0">
+              <a:spcBef>
+                <a:spcPct val="0"/>
+              </a:spcBef>
+              <a:spcAft>
+                <a:spcPct val="0"/>
+              </a:spcAft>
+              <a:defRPr kern="1200">
+                <a:solidFill>
+                  <a:schemeClr val="tx1"/>
+                </a:solidFill>
+                <a:latin typeface="Arial" panose="020B0604020202020204" pitchFamily="34" charset="0"/>
+                <a:ea typeface="Microsoft YaHei" panose="020B0503020204020204" pitchFamily="34" charset="-122"/>
+                <a:cs typeface="+mn-cs"/>
+              </a:defRPr>
+            </a:lvl1pPr>
+            <a:lvl2pPr marL="673930" indent="-259204" algn="l" defTabSz="407526" rtl="0" eaLnBrk="0" fontAlgn="base" hangingPunct="0">
+              <a:spcBef>
+                <a:spcPct val="0"/>
+              </a:spcBef>
+              <a:spcAft>
+                <a:spcPct val="0"/>
+              </a:spcAft>
+              <a:defRPr kern="1200">
+                <a:solidFill>
+                  <a:schemeClr val="tx1"/>
+                </a:solidFill>
+                <a:latin typeface="Arial" panose="020B0604020202020204" pitchFamily="34" charset="0"/>
+                <a:ea typeface="Microsoft YaHei" panose="020B0503020204020204" pitchFamily="34" charset="-122"/>
+                <a:cs typeface="+mn-cs"/>
+              </a:defRPr>
+            </a:lvl2pPr>
+            <a:lvl3pPr marL="1036815" indent="-207363" algn="l" defTabSz="407526" rtl="0" eaLnBrk="0" fontAlgn="base" hangingPunct="0">
+              <a:spcBef>
+                <a:spcPct val="0"/>
+              </a:spcBef>
+              <a:spcAft>
+                <a:spcPct val="0"/>
+              </a:spcAft>
+              <a:defRPr kern="1200">
+                <a:solidFill>
+                  <a:schemeClr val="tx1"/>
+                </a:solidFill>
+                <a:latin typeface="Arial" panose="020B0604020202020204" pitchFamily="34" charset="0"/>
+                <a:ea typeface="Microsoft YaHei" panose="020B0503020204020204" pitchFamily="34" charset="-122"/>
+                <a:cs typeface="+mn-cs"/>
+              </a:defRPr>
+            </a:lvl3pPr>
+            <a:lvl4pPr marL="1451541" indent="-207363" algn="l" defTabSz="407526" rtl="0" eaLnBrk="0" fontAlgn="base" hangingPunct="0">
+              <a:spcBef>
+                <a:spcPct val="0"/>
+              </a:spcBef>
+              <a:spcAft>
+                <a:spcPct val="0"/>
+              </a:spcAft>
+              <a:defRPr kern="1200">
+                <a:solidFill>
+                  <a:schemeClr val="tx1"/>
+                </a:solidFill>
+                <a:latin typeface="Arial" panose="020B0604020202020204" pitchFamily="34" charset="0"/>
+                <a:ea typeface="Microsoft YaHei" panose="020B0503020204020204" pitchFamily="34" charset="-122"/>
+                <a:cs typeface="+mn-cs"/>
+              </a:defRPr>
+            </a:lvl4pPr>
+            <a:lvl5pPr marL="1866268" indent="-207363" algn="l" defTabSz="407526" rtl="0" eaLnBrk="0" fontAlgn="base" hangingPunct="0">
+              <a:spcBef>
+                <a:spcPct val="0"/>
+              </a:spcBef>
+              <a:spcAft>
+                <a:spcPct val="0"/>
+              </a:spcAft>
+              <a:defRPr kern="1200">
+                <a:solidFill>
+                  <a:schemeClr val="tx1"/>
+                </a:solidFill>
+                <a:latin typeface="Arial" panose="020B0604020202020204" pitchFamily="34" charset="0"/>
+                <a:ea typeface="Microsoft YaHei" panose="020B0503020204020204" pitchFamily="34" charset="-122"/>
+                <a:cs typeface="+mn-cs"/>
+              </a:defRPr>
+            </a:lvl5pPr>
+            <a:lvl6pPr marL="2073631" algn="l" defTabSz="829452" rtl="0" eaLnBrk="1" latinLnBrk="0" hangingPunct="1">
+              <a:defRPr kern="1200">
+                <a:solidFill>
+                  <a:schemeClr val="tx1"/>
+                </a:solidFill>
+                <a:latin typeface="Arial" panose="020B0604020202020204" pitchFamily="34" charset="0"/>
+                <a:ea typeface="Microsoft YaHei" panose="020B0503020204020204" pitchFamily="34" charset="-122"/>
+                <a:cs typeface="+mn-cs"/>
+              </a:defRPr>
+            </a:lvl6pPr>
+            <a:lvl7pPr marL="2488357" algn="l" defTabSz="829452" rtl="0" eaLnBrk="1" latinLnBrk="0" hangingPunct="1">
+              <a:defRPr kern="1200">
+                <a:solidFill>
+                  <a:schemeClr val="tx1"/>
+                </a:solidFill>
+                <a:latin typeface="Arial" panose="020B0604020202020204" pitchFamily="34" charset="0"/>
+                <a:ea typeface="Microsoft YaHei" panose="020B0503020204020204" pitchFamily="34" charset="-122"/>
+                <a:cs typeface="+mn-cs"/>
+              </a:defRPr>
+            </a:lvl7pPr>
+            <a:lvl8pPr marL="2903083" algn="l" defTabSz="829452" rtl="0" eaLnBrk="1" latinLnBrk="0" hangingPunct="1">
+              <a:defRPr kern="1200">
+                <a:solidFill>
+                  <a:schemeClr val="tx1"/>
+                </a:solidFill>
+                <a:latin typeface="Arial" panose="020B0604020202020204" pitchFamily="34" charset="0"/>
+                <a:ea typeface="Microsoft YaHei" panose="020B0503020204020204" pitchFamily="34" charset="-122"/>
+                <a:cs typeface="+mn-cs"/>
+              </a:defRPr>
+            </a:lvl8pPr>
+            <a:lvl9pPr marL="3317809" algn="l" defTabSz="829452" rtl="0" eaLnBrk="1" latinLnBrk="0" hangingPunct="1">
+              <a:defRPr kern="1200">
+                <a:solidFill>
+                  <a:schemeClr val="tx1"/>
+                </a:solidFill>
+                <a:latin typeface="Arial" panose="020B0604020202020204" pitchFamily="34" charset="0"/>
+                <a:ea typeface="Microsoft YaHei" panose="020B0503020204020204" pitchFamily="34" charset="-122"/>
+                <a:cs typeface="+mn-cs"/>
+              </a:defRPr>
+            </a:lvl9pPr>
+          </a:lstStyle>
+          <a:p>
+            <a:pPr marL="391686" indent="-293764" eaLnBrk="1">
+              <a:buSzPct val="45000"/>
+              <a:buFont typeface="Wingdings" panose="05000000000000000000" pitchFamily="2" charset="2"/>
+              <a:buNone/>
+              <a:tabLst>
+                <a:tab pos="407526" algn="l"/>
+                <a:tab pos="815052" algn="l"/>
+                <a:tab pos="1222578" algn="l"/>
+                <a:tab pos="1630104" algn="l"/>
+                <a:tab pos="2037631" algn="l"/>
+                <a:tab pos="2445156" algn="l"/>
+                <a:tab pos="2852683" algn="l"/>
+                <a:tab pos="3260208" algn="l"/>
+                <a:tab pos="3667735" algn="l"/>
+                <a:tab pos="4075260" algn="l"/>
+                <a:tab pos="4482787" algn="l"/>
+              </a:tabLst>
+            </a:pPr>
+            <a:r>
+              <a:rPr lang="de-DE" altLang="de-DE"/>
+              <a:t>   Fixkosten</a:t>
+            </a:r>
+            <a:br>
+              <a:rPr lang="de-DE" altLang="de-DE"/>
+            </a:br>
+            <a:r>
+              <a:rPr lang="de-DE" altLang="de-DE"/>
+              <a:t>+ ang. Gewinnaufschlag</a:t>
+            </a:r>
+            <a:br>
+              <a:rPr lang="de-DE" altLang="de-DE"/>
+            </a:br>
+            <a:r>
+              <a:rPr lang="de-DE" altLang="de-DE"/>
+              <a:t>+ Umsatzsteuer</a:t>
+            </a:r>
+          </a:p>
+          <a:p>
+            <a:pPr marL="391686" indent="-293764" eaLnBrk="1">
+              <a:buSzPct val="45000"/>
+              <a:buFont typeface="Wingdings" panose="05000000000000000000" pitchFamily="2" charset="2"/>
+              <a:buNone/>
+              <a:tabLst>
+                <a:tab pos="407526" algn="l"/>
+                <a:tab pos="815052" algn="l"/>
+                <a:tab pos="1222578" algn="l"/>
+                <a:tab pos="1630104" algn="l"/>
+                <a:tab pos="2037631" algn="l"/>
+                <a:tab pos="2445156" algn="l"/>
+                <a:tab pos="2852683" algn="l"/>
+                <a:tab pos="3260208" algn="l"/>
+                <a:tab pos="3667735" algn="l"/>
+                <a:tab pos="4075260" algn="l"/>
+                <a:tab pos="4482787" algn="l"/>
+              </a:tabLst>
+            </a:pPr>
+            <a:r>
+              <a:rPr lang="de-DE" altLang="de-DE"/>
+              <a:t>________________</a:t>
+            </a:r>
+          </a:p>
+          <a:p>
+            <a:pPr marL="391686" indent="-293764" eaLnBrk="1">
+              <a:buSzPct val="45000"/>
+              <a:buFont typeface="Wingdings" panose="05000000000000000000" pitchFamily="2" charset="2"/>
+              <a:buNone/>
+              <a:tabLst>
+                <a:tab pos="407526" algn="l"/>
+                <a:tab pos="815052" algn="l"/>
+                <a:tab pos="1222578" algn="l"/>
+                <a:tab pos="1630104" algn="l"/>
+                <a:tab pos="2037631" algn="l"/>
+                <a:tab pos="2445156" algn="l"/>
+                <a:tab pos="2852683" algn="l"/>
+                <a:tab pos="3260208" algn="l"/>
+                <a:tab pos="3667735" algn="l"/>
+                <a:tab pos="4075260" algn="l"/>
+                <a:tab pos="4482787" algn="l"/>
+              </a:tabLst>
+            </a:pPr>
+            <a:r>
+              <a:rPr lang="de-DE" altLang="de-DE"/>
+              <a:t>= Bruttoverkaufspreis</a:t>
+            </a:r>
+          </a:p>
+        </p:txBody>
+      </p:sp>
+      <p:sp>
+        <p:nvSpPr>
+          <p:cNvPr id="9220" name="Rectangle 3">
+            <a:extLst>
+              <a:ext uri="{FF2B5EF4-FFF2-40B4-BE49-F238E27FC236}">
+                <a16:creationId xmlns:a16="http://schemas.microsoft.com/office/drawing/2014/main" id="{51E3F982-BD21-4394-8850-CD21CD1FB366}"/>
+              </a:ext>
+            </a:extLst>
+          </p:cNvPr>
+          <p:cNvSpPr>
+            <a:spLocks noGrp="1" noChangeArrowheads="1"/>
+          </p:cNvSpPr>
+          <p:nvPr>
+            <p:ph type="body" idx="2"/>
+          </p:nvPr>
+        </p:nvSpPr>
+        <p:spPr>
+          <a:xfrm>
+            <a:off x="5454720" y="1568521"/>
+            <a:ext cx="4014720" cy="4525920"/>
+          </a:xfrm>
+        </p:spPr>
+        <p:txBody>
+          <a:bodyPr/>
+          <a:lstStyle>
+            <a:defPPr>
+              <a:defRPr lang="en-GB"/>
+            </a:defPPr>
+            <a:lvl1pPr algn="l" defTabSz="407526" rtl="0" eaLnBrk="0" fontAlgn="base" hangingPunct="0">
+              <a:spcBef>
+                <a:spcPct val="0"/>
+              </a:spcBef>
+              <a:spcAft>
+                <a:spcPct val="0"/>
+              </a:spcAft>
+              <a:defRPr kern="1200">
+                <a:solidFill>
+                  <a:schemeClr val="tx1"/>
+                </a:solidFill>
+                <a:latin typeface="Arial" panose="020B0604020202020204" pitchFamily="34" charset="0"/>
+                <a:ea typeface="Microsoft YaHei" panose="020B0503020204020204" pitchFamily="34" charset="-122"/>
+                <a:cs typeface="+mn-cs"/>
+              </a:defRPr>
+            </a:lvl1pPr>
+            <a:lvl2pPr marL="673930" indent="-259204" algn="l" defTabSz="407526" rtl="0" eaLnBrk="0" fontAlgn="base" hangingPunct="0">
+              <a:spcBef>
+                <a:spcPct val="0"/>
+              </a:spcBef>
+              <a:spcAft>
+                <a:spcPct val="0"/>
+              </a:spcAft>
+              <a:defRPr kern="1200">
+                <a:solidFill>
+                  <a:schemeClr val="tx1"/>
+                </a:solidFill>
+                <a:latin typeface="Arial" panose="020B0604020202020204" pitchFamily="34" charset="0"/>
+                <a:ea typeface="Microsoft YaHei" panose="020B0503020204020204" pitchFamily="34" charset="-122"/>
+                <a:cs typeface="+mn-cs"/>
+              </a:defRPr>
+            </a:lvl2pPr>
+            <a:lvl3pPr marL="1036815" indent="-207363" algn="l" defTabSz="407526" rtl="0" eaLnBrk="0" fontAlgn="base" hangingPunct="0">
+              <a:spcBef>
+                <a:spcPct val="0"/>
+              </a:spcBef>
+              <a:spcAft>
+                <a:spcPct val="0"/>
+              </a:spcAft>
+              <a:defRPr kern="1200">
+                <a:solidFill>
+                  <a:schemeClr val="tx1"/>
+                </a:solidFill>
+                <a:latin typeface="Arial" panose="020B0604020202020204" pitchFamily="34" charset="0"/>
+                <a:ea typeface="Microsoft YaHei" panose="020B0503020204020204" pitchFamily="34" charset="-122"/>
+                <a:cs typeface="+mn-cs"/>
+              </a:defRPr>
+            </a:lvl3pPr>
+            <a:lvl4pPr marL="1451541" indent="-207363" algn="l" defTabSz="407526" rtl="0" eaLnBrk="0" fontAlgn="base" hangingPunct="0">
+              <a:spcBef>
+                <a:spcPct val="0"/>
+              </a:spcBef>
+              <a:spcAft>
+                <a:spcPct val="0"/>
+              </a:spcAft>
+              <a:defRPr kern="1200">
+                <a:solidFill>
+                  <a:schemeClr val="tx1"/>
+                </a:solidFill>
+                <a:latin typeface="Arial" panose="020B0604020202020204" pitchFamily="34" charset="0"/>
+                <a:ea typeface="Microsoft YaHei" panose="020B0503020204020204" pitchFamily="34" charset="-122"/>
+                <a:cs typeface="+mn-cs"/>
+              </a:defRPr>
+            </a:lvl4pPr>
+            <a:lvl5pPr marL="1866268" indent="-207363" algn="l" defTabSz="407526" rtl="0" eaLnBrk="0" fontAlgn="base" hangingPunct="0">
+              <a:spcBef>
+                <a:spcPct val="0"/>
+              </a:spcBef>
+              <a:spcAft>
+                <a:spcPct val="0"/>
+              </a:spcAft>
+              <a:defRPr kern="1200">
+                <a:solidFill>
+                  <a:schemeClr val="tx1"/>
+                </a:solidFill>
+                <a:latin typeface="Arial" panose="020B0604020202020204" pitchFamily="34" charset="0"/>
+                <a:ea typeface="Microsoft YaHei" panose="020B0503020204020204" pitchFamily="34" charset="-122"/>
+                <a:cs typeface="+mn-cs"/>
+              </a:defRPr>
+            </a:lvl5pPr>
+            <a:lvl6pPr marL="2073631" algn="l" defTabSz="829452" rtl="0" eaLnBrk="1" latinLnBrk="0" hangingPunct="1">
+              <a:defRPr kern="1200">
+                <a:solidFill>
+                  <a:schemeClr val="tx1"/>
+                </a:solidFill>
+                <a:latin typeface="Arial" panose="020B0604020202020204" pitchFamily="34" charset="0"/>
+                <a:ea typeface="Microsoft YaHei" panose="020B0503020204020204" pitchFamily="34" charset="-122"/>
+                <a:cs typeface="+mn-cs"/>
+              </a:defRPr>
+            </a:lvl6pPr>
+            <a:lvl7pPr marL="2488357" algn="l" defTabSz="829452" rtl="0" eaLnBrk="1" latinLnBrk="0" hangingPunct="1">
+              <a:defRPr kern="1200">
+                <a:solidFill>
+                  <a:schemeClr val="tx1"/>
+                </a:solidFill>
+                <a:latin typeface="Arial" panose="020B0604020202020204" pitchFamily="34" charset="0"/>
+                <a:ea typeface="Microsoft YaHei" panose="020B0503020204020204" pitchFamily="34" charset="-122"/>
+                <a:cs typeface="+mn-cs"/>
+              </a:defRPr>
+            </a:lvl7pPr>
+            <a:lvl8pPr marL="2903083" algn="l" defTabSz="829452" rtl="0" eaLnBrk="1" latinLnBrk="0" hangingPunct="1">
+              <a:defRPr kern="1200">
+                <a:solidFill>
+                  <a:schemeClr val="tx1"/>
+                </a:solidFill>
+                <a:latin typeface="Arial" panose="020B0604020202020204" pitchFamily="34" charset="0"/>
+                <a:ea typeface="Microsoft YaHei" panose="020B0503020204020204" pitchFamily="34" charset="-122"/>
+                <a:cs typeface="+mn-cs"/>
+              </a:defRPr>
+            </a:lvl8pPr>
+            <a:lvl9pPr marL="3317809" algn="l" defTabSz="829452" rtl="0" eaLnBrk="1" latinLnBrk="0" hangingPunct="1">
+              <a:defRPr kern="1200">
+                <a:solidFill>
+                  <a:schemeClr val="tx1"/>
+                </a:solidFill>
+                <a:latin typeface="Arial" panose="020B0604020202020204" pitchFamily="34" charset="0"/>
+                <a:ea typeface="Microsoft YaHei" panose="020B0503020204020204" pitchFamily="34" charset="-122"/>
+                <a:cs typeface="+mn-cs"/>
+              </a:defRPr>
+            </a:lvl9pPr>
+          </a:lstStyle>
+          <a:p>
+            <a:pPr marL="391686" indent="-293764" eaLnBrk="1">
+              <a:buSzPct val="45000"/>
+              <a:buFont typeface="Wingdings" panose="05000000000000000000" pitchFamily="2" charset="2"/>
+              <a:buNone/>
+              <a:tabLst>
+                <a:tab pos="407526" algn="l"/>
+                <a:tab pos="815052" algn="l"/>
+                <a:tab pos="1222578" algn="l"/>
+                <a:tab pos="1630104" algn="l"/>
+                <a:tab pos="2037631" algn="l"/>
+                <a:tab pos="2445156" algn="l"/>
+                <a:tab pos="2852683" algn="l"/>
+                <a:tab pos="3260208" algn="l"/>
+                <a:tab pos="3667735" algn="l"/>
+              </a:tabLst>
+            </a:pPr>
+            <a:r>
+              <a:rPr lang="de-DE" altLang="de-DE"/>
+              <a:t>70€ + 3,95€</a:t>
+            </a:r>
+            <a:br>
+              <a:rPr lang="de-DE" altLang="de-DE"/>
+            </a:br>
+            <a:r>
+              <a:rPr lang="de-DE" altLang="de-DE"/>
+              <a:t>26,88€</a:t>
+            </a:r>
+            <a:br>
+              <a:rPr lang="de-DE" altLang="de-DE"/>
+            </a:br>
+            <a:r>
+              <a:rPr lang="de-DE" altLang="de-DE"/>
+              <a:t>19,16€</a:t>
+            </a:r>
+          </a:p>
+          <a:p>
+            <a:pPr marL="391686" indent="-293764" eaLnBrk="1">
+              <a:buSzPct val="45000"/>
+              <a:buFont typeface="Wingdings" panose="05000000000000000000" pitchFamily="2" charset="2"/>
+              <a:buNone/>
+              <a:tabLst>
+                <a:tab pos="407526" algn="l"/>
+                <a:tab pos="815052" algn="l"/>
+                <a:tab pos="1222578" algn="l"/>
+                <a:tab pos="1630104" algn="l"/>
+                <a:tab pos="2037631" algn="l"/>
+                <a:tab pos="2445156" algn="l"/>
+                <a:tab pos="2852683" algn="l"/>
+                <a:tab pos="3260208" algn="l"/>
+                <a:tab pos="3667735" algn="l"/>
+              </a:tabLst>
+            </a:pPr>
+            <a:r>
+              <a:rPr lang="de-DE" altLang="de-DE"/>
+              <a:t>______________</a:t>
+            </a:r>
+          </a:p>
+          <a:p>
+            <a:pPr marL="391686" indent="-293764" eaLnBrk="1">
+              <a:buSzPct val="45000"/>
+              <a:buFont typeface="Wingdings" panose="05000000000000000000" pitchFamily="2" charset="2"/>
+              <a:buNone/>
+              <a:tabLst>
+                <a:tab pos="407526" algn="l"/>
+                <a:tab pos="815052" algn="l"/>
+                <a:tab pos="1222578" algn="l"/>
+                <a:tab pos="1630104" algn="l"/>
+                <a:tab pos="2037631" algn="l"/>
+                <a:tab pos="2445156" algn="l"/>
+                <a:tab pos="2852683" algn="l"/>
+                <a:tab pos="3260208" algn="l"/>
+                <a:tab pos="3667735" algn="l"/>
+              </a:tabLst>
+            </a:pPr>
+            <a:r>
+              <a:rPr lang="de-DE" altLang="de-DE"/>
+              <a:t>= 119,99€</a:t>
+            </a:r>
+            <a:br>
+              <a:rPr lang="de-DE" altLang="de-DE"/>
+            </a:br>
+            <a:endParaRPr lang="de-DE" altLang="de-DE"/>
+          </a:p>
+        </p:txBody>
+      </p:sp>
+    </p:spTree>
+    <p:extLst>
+      <p:ext uri="{BB962C8B-B14F-4D97-AF65-F5344CB8AC3E}">
+        <p14:creationId xmlns:p14="http://schemas.microsoft.com/office/powerpoint/2010/main" val="2119695126"/>
+      </p:ext>
+    </p:extLst>
+  </p:cSld>
+  <p:clrMapOvr>
+    <a:masterClrMapping/>
+  </p:clrMapOvr>
+  <p:transition spd="med"/>
+  <p:timing>
+    <p:tnLst>
+      <p:par>
+        <p:cTn id="1" dur="indefinite" restart="never" nodeType="tmRoot">
+          <p:childTnLst>
+            <p:seq concurrent="1" nextAc="seek">
+              <p:cTn id="2" dur="0" nodeType="mainSeq"/>
+              <p:prevCondLst>
+                <p:cond evt="onPrev" delay="0">
+                  <p:tgtEl>
+                    <p:sldTgt/>
+                  </p:tgtEl>
+                </p:cond>
+              </p:prevCondLst>
+              <p:nextCondLst>
+                <p:cond evt="onNext" delay="0">
+                  <p:tgtEl>
+                    <p:sldTgt/>
+                  </p:tgtEl>
+                </p:cond>
+              </p:nextCondLst>
+            </p:seq>
+          </p:childTnLst>
+        </p:cTn>
+      </p:par>
+    </p:tnLst>
+  </p:timing>
+</p:sld>
+</file>
+
+<file path=ppt/slides/slide17.xml><?xml version="1.0" encoding="utf-8"?>
+<p:sld xmlns:a="http://schemas.openxmlformats.org/drawingml/2006/main" xmlns:r="http://schemas.openxmlformats.org/officeDocument/2006/relationships" xmlns:p="http://schemas.openxmlformats.org/presentationml/2006/main">
+  <p:cSld>
+    <p:spTree>
+      <p:nvGrpSpPr>
+        <p:cNvPr id="1" name=""/>
+        <p:cNvGrpSpPr/>
+        <p:nvPr/>
+      </p:nvGrpSpPr>
+      <p:grpSpPr>
+        <a:xfrm>
+          <a:off x="0" y="0"/>
+          <a:ext cx="0" cy="0"/>
+          <a:chOff x="0" y="0"/>
+          <a:chExt cx="0" cy="0"/>
+        </a:xfrm>
+      </p:grpSpPr>
+      <p:sp>
+        <p:nvSpPr>
+          <p:cNvPr id="2" name="Titel 1">
+            <a:extLst>
+              <a:ext uri="{FF2B5EF4-FFF2-40B4-BE49-F238E27FC236}">
+                <a16:creationId xmlns:a16="http://schemas.microsoft.com/office/drawing/2014/main" id="{17D43009-F22A-4327-AC45-D7290B63436A}"/>
+              </a:ext>
+            </a:extLst>
+          </p:cNvPr>
+          <p:cNvSpPr>
+            <a:spLocks noGrp="1"/>
+          </p:cNvSpPr>
+          <p:nvPr>
+            <p:ph type="title"/>
+          </p:nvPr>
+        </p:nvSpPr>
+        <p:spPr/>
+        <p:txBody>
+          <a:bodyPr/>
+          <a:lstStyle/>
+          <a:p>
+            <a:r>
+              <a:rPr lang="de-DE" dirty="0">
+                <a:cs typeface="Calibri Light"/>
+              </a:rPr>
+              <a:t>Kommunikationspolitik</a:t>
+            </a:r>
+            <a:endParaRPr lang="de-DE" dirty="0"/>
+          </a:p>
+          <a:p>
+            <a:endParaRPr lang="de-DE" dirty="0">
+              <a:cs typeface="Calibri Light"/>
+            </a:endParaRPr>
+          </a:p>
+        </p:txBody>
+      </p:sp>
+      <p:sp>
+        <p:nvSpPr>
+          <p:cNvPr id="3" name="Inhaltsplatzhalter 2">
+            <a:extLst>
+              <a:ext uri="{FF2B5EF4-FFF2-40B4-BE49-F238E27FC236}">
+                <a16:creationId xmlns:a16="http://schemas.microsoft.com/office/drawing/2014/main" id="{E3D95D5C-D1C2-4078-BA56-2BCCEFA6812F}"/>
+              </a:ext>
+            </a:extLst>
+          </p:cNvPr>
+          <p:cNvSpPr>
+            <a:spLocks noGrp="1"/>
+          </p:cNvSpPr>
+          <p:nvPr>
+            <p:ph idx="1"/>
+          </p:nvPr>
+        </p:nvSpPr>
+        <p:spPr>
+          <a:xfrm>
+            <a:off x="551485" y="1657380"/>
+            <a:ext cx="7886700" cy="3263504"/>
+          </a:xfrm>
+        </p:spPr>
+        <p:txBody>
+          <a:bodyPr vert="horz" lIns="68580" tIns="34290" rIns="68580" bIns="34290" rtlCol="0" anchor="t">
+            <a:noAutofit/>
+          </a:bodyPr>
+          <a:lstStyle/>
+          <a:p>
+            <a:r>
+              <a:rPr lang="de-DE" sz="2800" dirty="0">
+                <a:cs typeface="Calibri"/>
+              </a:rPr>
+              <a:t>Search Ranking bei Google erhöhen lassen</a:t>
+            </a:r>
+          </a:p>
+          <a:p>
+            <a:r>
+              <a:rPr lang="de-DE" sz="2800" dirty="0">
+                <a:cs typeface="Calibri"/>
+              </a:rPr>
+              <a:t>Stichworte zum Thema Auto, Gebrauchtwagen</a:t>
+            </a:r>
+          </a:p>
+          <a:p>
+            <a:r>
+              <a:rPr lang="de-DE" sz="2800" dirty="0">
+                <a:cs typeface="Calibri"/>
+              </a:rPr>
+              <a:t>Werbeclips vor </a:t>
+            </a:r>
+            <a:r>
+              <a:rPr lang="de-DE" sz="2800" dirty="0" err="1">
+                <a:cs typeface="Calibri"/>
+              </a:rPr>
+              <a:t>Youtube</a:t>
+            </a:r>
+            <a:r>
+              <a:rPr lang="de-DE" sz="2800" dirty="0">
+                <a:cs typeface="Calibri"/>
+              </a:rPr>
+              <a:t>-Videos</a:t>
+            </a:r>
+          </a:p>
+          <a:p>
+            <a:r>
+              <a:rPr lang="de-DE" sz="2800" dirty="0">
+                <a:cs typeface="Calibri"/>
+              </a:rPr>
+              <a:t>Gesponserte Videos von "Influencern"</a:t>
+            </a:r>
+          </a:p>
+          <a:p>
+            <a:r>
+              <a:rPr lang="de-DE" sz="2800" dirty="0">
+                <a:cs typeface="Calibri"/>
+              </a:rPr>
+              <a:t>Bevorzugt Personen mit Präsenz im Bereich Autos</a:t>
+            </a:r>
+          </a:p>
+          <a:p>
+            <a:r>
+              <a:rPr lang="de-DE" sz="2800" dirty="0">
+                <a:cs typeface="Calibri"/>
+              </a:rPr>
+              <a:t>Werbelinks mit Discount auf </a:t>
+            </a:r>
+            <a:r>
+              <a:rPr lang="de-DE" sz="2800" dirty="0" err="1">
+                <a:cs typeface="Calibri"/>
+              </a:rPr>
+              <a:t>Premiumaccountkäufe</a:t>
+            </a:r>
+          </a:p>
+        </p:txBody>
+      </p:sp>
+    </p:spTree>
+    <p:extLst>
+      <p:ext uri="{BB962C8B-B14F-4D97-AF65-F5344CB8AC3E}">
+        <p14:creationId xmlns:p14="http://schemas.microsoft.com/office/powerpoint/2010/main" val="873107796"/>
+      </p:ext>
+    </p:extLst>
+  </p:cSld>
+  <p:clrMapOvr>
+    <a:masterClrMapping/>
+  </p:clrMapOvr>
+</p:sld>
+</file>
+
+<file path=ppt/slides/slide18.xml><?xml version="1.0" encoding="utf-8"?>
+<p:sld xmlns:a="http://schemas.openxmlformats.org/drawingml/2006/main" xmlns:r="http://schemas.openxmlformats.org/officeDocument/2006/relationships" xmlns:p="http://schemas.openxmlformats.org/presentationml/2006/main">
+  <p:cSld>
+    <p:spTree>
+      <p:nvGrpSpPr>
+        <p:cNvPr id="1" name=""/>
+        <p:cNvGrpSpPr/>
+        <p:nvPr/>
+      </p:nvGrpSpPr>
+      <p:grpSpPr>
+        <a:xfrm>
+          <a:off x="0" y="0"/>
+          <a:ext cx="0" cy="0"/>
+          <a:chOff x="0" y="0"/>
+          <a:chExt cx="0" cy="0"/>
+        </a:xfrm>
+      </p:grpSpPr>
+      <p:sp>
+        <p:nvSpPr>
           <p:cNvPr id="2" name="Titel 1">
             <a:extLst>
               <a:ext uri="{FF2B5EF4-FFF2-40B4-BE49-F238E27FC236}">
@@ -8161,7 +8349,7 @@
 </p:sld>
 </file>
 
-<file path=ppt/slides/slide17.xml><?xml version="1.0" encoding="utf-8"?>
+<file path=ppt/slides/slide19.xml><?xml version="1.0" encoding="utf-8"?>
 <p:sld xmlns:a="http://schemas.openxmlformats.org/drawingml/2006/main" xmlns:r="http://schemas.openxmlformats.org/officeDocument/2006/relationships" xmlns:p="http://schemas.openxmlformats.org/presentationml/2006/main">
   <p:cSld>
     <p:spTree>
@@ -8415,8 +8603,17 @@
               <a:rPr lang="de-DE" dirty="0">
                 <a:cs typeface="Calibri"/>
               </a:rPr>
-              <a:t>Konkurrenzanalyse …................................................................ ?</a:t>
-            </a:r>
+              <a:t>Konkurrenzanalyse …................................................................ </a:t>
+            </a:r>
+            <a:r>
+              <a:rPr lang="de-DE" dirty="0" smtClean="0">
+                <a:cs typeface="Calibri"/>
+              </a:rPr>
+              <a:t>10-11</a:t>
+            </a:r>
+            <a:endParaRPr lang="de-DE" dirty="0">
+              <a:cs typeface="Calibri"/>
+            </a:endParaRPr>
           </a:p>
           <a:p>
             <a:pPr marL="971550" lvl="1" indent="-514350">
@@ -8426,8 +8623,17 @@
               <a:rPr lang="de-DE" dirty="0">
                 <a:cs typeface="Calibri"/>
               </a:rPr>
-              <a:t>Weitere Faktoren ….................................................................. 10</a:t>
-            </a:r>
+              <a:t>Weitere Faktoren ….................................................................. </a:t>
+            </a:r>
+            <a:r>
+              <a:rPr lang="de-DE" dirty="0" smtClean="0">
+                <a:cs typeface="Calibri"/>
+              </a:rPr>
+              <a:t>12</a:t>
+            </a:r>
+            <a:endParaRPr lang="de-DE" dirty="0">
+              <a:cs typeface="Calibri"/>
+            </a:endParaRPr>
           </a:p>
           <a:p>
             <a:pPr marL="514350" indent="-514350">
@@ -8437,7 +8643,13 @@
               <a:rPr lang="de-DE" dirty="0">
                 <a:cs typeface="Calibri"/>
               </a:rPr>
-              <a:t>Marketingmix …................................................................. 11-16</a:t>
+              <a:t>Marketingmix …................................................................. </a:t>
+            </a:r>
+            <a:r>
+              <a:rPr lang="de-DE" dirty="0" smtClean="0">
+                <a:cs typeface="Calibri"/>
+              </a:rPr>
+              <a:t>13-18</a:t>
             </a:r>
             <a:endParaRPr lang="de-DE" dirty="0"/>
           </a:p>
@@ -8449,8 +8661,17 @@
               <a:rPr lang="de-DE" dirty="0">
                 <a:cs typeface="Calibri"/>
               </a:rPr>
-              <a:t>Preispolitik …............................................................................ 11-14</a:t>
-            </a:r>
+              <a:t>Preispolitik …............................................................................ </a:t>
+            </a:r>
+            <a:r>
+              <a:rPr lang="de-DE" dirty="0" smtClean="0">
+                <a:cs typeface="Calibri"/>
+              </a:rPr>
+              <a:t>13-14</a:t>
+            </a:r>
+            <a:endParaRPr lang="de-DE" dirty="0">
+              <a:cs typeface="Calibri"/>
+            </a:endParaRPr>
           </a:p>
           <a:p>
             <a:pPr marL="971550" lvl="1" indent="-514350">
@@ -8460,8 +8681,17 @@
               <a:rPr lang="de-DE" dirty="0">
                 <a:cs typeface="Calibri"/>
               </a:rPr>
-              <a:t>Kommunikationspolitik …......................................................... 15</a:t>
-            </a:r>
+              <a:t>Kommunikationspolitik …......................................................... </a:t>
+            </a:r>
+            <a:r>
+              <a:rPr lang="de-DE" dirty="0" smtClean="0">
+                <a:cs typeface="Calibri"/>
+              </a:rPr>
+              <a:t>17</a:t>
+            </a:r>
+            <a:endParaRPr lang="de-DE" dirty="0">
+              <a:cs typeface="Calibri"/>
+            </a:endParaRPr>
           </a:p>
           <a:p>
             <a:pPr marL="971550" lvl="1" indent="-514350">
@@ -8471,8 +8701,17 @@
               <a:rPr lang="de-DE" dirty="0">
                 <a:cs typeface="Calibri"/>
               </a:rPr>
-              <a:t>Distributionspolitik …................................................................ 16</a:t>
-            </a:r>
+              <a:t>Distributionspolitik …................................................................ </a:t>
+            </a:r>
+            <a:r>
+              <a:rPr lang="de-DE" dirty="0" smtClean="0">
+                <a:cs typeface="Calibri"/>
+              </a:rPr>
+              <a:t>18</a:t>
+            </a:r>
+            <a:endParaRPr lang="de-DE" dirty="0">
+              <a:cs typeface="Calibri"/>
+            </a:endParaRPr>
           </a:p>
           <a:p>
             <a:pPr marL="514350" indent="-514350">
@@ -8482,8 +8721,17 @@
               <a:rPr lang="de-DE" dirty="0">
                 <a:cs typeface="Calibri"/>
               </a:rPr>
-              <a:t>Quellen …............................................................................ 17</a:t>
-            </a:r>
+              <a:t>Quellen …............................................................................ </a:t>
+            </a:r>
+            <a:r>
+              <a:rPr lang="de-DE" dirty="0" smtClean="0">
+                <a:cs typeface="Calibri"/>
+              </a:rPr>
+              <a:t>19</a:t>
+            </a:r>
+            <a:endParaRPr lang="de-DE" dirty="0">
+              <a:cs typeface="Calibri"/>
+            </a:endParaRPr>
           </a:p>
           <a:p>
             <a:pPr marL="514350" indent="-514350">
